--- a/Prod/Report/Report_Ilya_BIU_DS019.pptx
+++ b/Prod/Report/Report_Ilya_BIU_DS019.pptx
@@ -5,11 +5,15 @@
     <p:sldMasterId id="2147483648" r:id="rId1"/>
   </p:sldMasterIdLst>
   <p:notesMasterIdLst>
-    <p:notesMasterId r:id="rId4"/>
+    <p:notesMasterId r:id="rId8"/>
   </p:notesMasterIdLst>
   <p:sldIdLst>
     <p:sldId id="256" r:id="rId2"/>
     <p:sldId id="257" r:id="rId3"/>
+    <p:sldId id="258" r:id="rId4"/>
+    <p:sldId id="259" r:id="rId5"/>
+    <p:sldId id="260" r:id="rId6"/>
+    <p:sldId id="261" r:id="rId7"/>
   </p:sldIdLst>
   <p:sldSz cx="12192000" cy="6858000"/>
   <p:notesSz cx="6858000" cy="9144000"/>
@@ -115,6 +119,10 @@
           <p14:sldIdLst>
             <p14:sldId id="256"/>
             <p14:sldId id="257"/>
+            <p14:sldId id="258"/>
+            <p14:sldId id="259"/>
+            <p14:sldId id="260"/>
+            <p14:sldId id="261"/>
           </p14:sldIdLst>
         </p14:section>
       </p14:sectionLst>
@@ -208,7 +216,7 @@
           <a:p>
             <a:fld id="{61EFAE26-08E5-4821-87A9-67945D6247B4}" type="datetimeFigureOut">
               <a:rPr lang="en-IL" smtClean="0"/>
-              <a:t>24/02/2025</a:t>
+              <a:t>02/03/2025</a:t>
             </a:fld>
             <a:endParaRPr lang="en-IL"/>
           </a:p>
@@ -476,6 +484,583 @@
 </p:notesMaster>
 </file>
 
+<file path=ppt/notesSlides/notesSlide1.xml><?xml version="1.0" encoding="utf-8"?>
+<p:notes xmlns:a="http://schemas.openxmlformats.org/drawingml/2006/main" xmlns:r="http://schemas.openxmlformats.org/officeDocument/2006/relationships" xmlns:p="http://schemas.openxmlformats.org/presentationml/2006/main">
+  <p:cSld>
+    <p:spTree>
+      <p:nvGrpSpPr>
+        <p:cNvPr id="1" name=""/>
+        <p:cNvGrpSpPr/>
+        <p:nvPr/>
+      </p:nvGrpSpPr>
+      <p:grpSpPr>
+        <a:xfrm>
+          <a:off x="0" y="0"/>
+          <a:ext cx="0" cy="0"/>
+          <a:chOff x="0" y="0"/>
+          <a:chExt cx="0" cy="0"/>
+        </a:xfrm>
+      </p:grpSpPr>
+      <p:sp>
+        <p:nvSpPr>
+          <p:cNvPr id="2" name="Slide Image Placeholder 1"/>
+          <p:cNvSpPr>
+            <a:spLocks noGrp="1" noRot="1" noChangeAspect="1"/>
+          </p:cNvSpPr>
+          <p:nvPr>
+            <p:ph type="sldImg"/>
+          </p:nvPr>
+        </p:nvSpPr>
+        <p:spPr/>
+      </p:sp>
+      <p:sp>
+        <p:nvSpPr>
+          <p:cNvPr id="3" name="Notes Placeholder 2"/>
+          <p:cNvSpPr>
+            <a:spLocks noGrp="1"/>
+          </p:cNvSpPr>
+          <p:nvPr>
+            <p:ph type="body" idx="1"/>
+          </p:nvPr>
+        </p:nvSpPr>
+        <p:spPr/>
+        <p:txBody>
+          <a:bodyPr/>
+          <a:lstStyle/>
+          <a:p>
+            <a:pPr algn="r" rtl="1"/>
+            <a:r>
+              <a:rPr lang="he-IL" dirty="0"/>
+              <a:t>ההפרש הגדול בין חציון בערכיים עיקריים ותמונת מראה בערכים המשניים. הערכים העיקריים אינם מתפלגים נורמלית לעומת ערכים משניים.</a:t>
+            </a:r>
+            <a:endParaRPr lang="en-IL" dirty="0"/>
+          </a:p>
+        </p:txBody>
+      </p:sp>
+      <p:sp>
+        <p:nvSpPr>
+          <p:cNvPr id="4" name="Slide Number Placeholder 3"/>
+          <p:cNvSpPr>
+            <a:spLocks noGrp="1"/>
+          </p:cNvSpPr>
+          <p:nvPr>
+            <p:ph type="sldNum" sz="quarter" idx="5"/>
+          </p:nvPr>
+        </p:nvSpPr>
+        <p:spPr/>
+        <p:txBody>
+          <a:bodyPr/>
+          <a:lstStyle/>
+          <a:p>
+            <a:fld id="{DA75B89D-2F51-4971-B35F-2AF09CD49C33}" type="slidenum">
+              <a:rPr lang="en-IL" smtClean="0"/>
+              <a:t>3</a:t>
+            </a:fld>
+            <a:endParaRPr lang="en-IL"/>
+          </a:p>
+        </p:txBody>
+      </p:sp>
+    </p:spTree>
+    <p:extLst>
+      <p:ext uri="{BB962C8B-B14F-4D97-AF65-F5344CB8AC3E}">
+        <p14:creationId xmlns:p14="http://schemas.microsoft.com/office/powerpoint/2010/main" val="102495196"/>
+      </p:ext>
+    </p:extLst>
+  </p:cSld>
+  <p:clrMapOvr>
+    <a:masterClrMapping/>
+  </p:clrMapOvr>
+</p:notes>
+</file>
+
+<file path=ppt/notesSlides/notesSlide2.xml><?xml version="1.0" encoding="utf-8"?>
+<p:notes xmlns:a="http://schemas.openxmlformats.org/drawingml/2006/main" xmlns:r="http://schemas.openxmlformats.org/officeDocument/2006/relationships" xmlns:p="http://schemas.openxmlformats.org/presentationml/2006/main">
+  <p:cSld>
+    <p:spTree>
+      <p:nvGrpSpPr>
+        <p:cNvPr id="1" name="">
+          <a:extLst>
+            <a:ext uri="{FF2B5EF4-FFF2-40B4-BE49-F238E27FC236}">
+              <a16:creationId xmlns:a16="http://schemas.microsoft.com/office/drawing/2014/main" id="{28BE754D-5CBE-E2F7-4A23-4C49F811F38F}"/>
+            </a:ext>
+          </a:extLst>
+        </p:cNvPr>
+        <p:cNvGrpSpPr/>
+        <p:nvPr/>
+      </p:nvGrpSpPr>
+      <p:grpSpPr>
+        <a:xfrm>
+          <a:off x="0" y="0"/>
+          <a:ext cx="0" cy="0"/>
+          <a:chOff x="0" y="0"/>
+          <a:chExt cx="0" cy="0"/>
+        </a:xfrm>
+      </p:grpSpPr>
+      <p:sp>
+        <p:nvSpPr>
+          <p:cNvPr id="2" name="Slide Image Placeholder 1">
+            <a:extLst>
+              <a:ext uri="{FF2B5EF4-FFF2-40B4-BE49-F238E27FC236}">
+                <a16:creationId xmlns:a16="http://schemas.microsoft.com/office/drawing/2014/main" id="{C2DFD9A2-E381-3DFD-9F59-91C2022177B3}"/>
+              </a:ext>
+            </a:extLst>
+          </p:cNvPr>
+          <p:cNvSpPr>
+            <a:spLocks noGrp="1" noRot="1" noChangeAspect="1"/>
+          </p:cNvSpPr>
+          <p:nvPr>
+            <p:ph type="sldImg"/>
+          </p:nvPr>
+        </p:nvSpPr>
+        <p:spPr/>
+      </p:sp>
+      <p:sp>
+        <p:nvSpPr>
+          <p:cNvPr id="3" name="Notes Placeholder 2">
+            <a:extLst>
+              <a:ext uri="{FF2B5EF4-FFF2-40B4-BE49-F238E27FC236}">
+                <a16:creationId xmlns:a16="http://schemas.microsoft.com/office/drawing/2014/main" id="{11A611D4-ED0E-71E6-D78F-D8D5A174FAB0}"/>
+              </a:ext>
+            </a:extLst>
+          </p:cNvPr>
+          <p:cNvSpPr>
+            <a:spLocks noGrp="1"/>
+          </p:cNvSpPr>
+          <p:nvPr>
+            <p:ph type="body" idx="1"/>
+          </p:nvPr>
+        </p:nvSpPr>
+        <p:spPr/>
+        <p:txBody>
+          <a:bodyPr/>
+          <a:lstStyle/>
+          <a:p>
+            <a:pPr marL="0" marR="0" lvl="0" indent="0" algn="l" defTabSz="914400" rtl="0" eaLnBrk="1" fontAlgn="auto" latinLnBrk="0" hangingPunct="1">
+              <a:lnSpc>
+                <a:spcPct val="100000"/>
+              </a:lnSpc>
+              <a:spcBef>
+                <a:spcPts val="0"/>
+              </a:spcBef>
+              <a:spcAft>
+                <a:spcPts val="0"/>
+              </a:spcAft>
+              <a:buClrTx/>
+              <a:buSzTx/>
+              <a:buFontTx/>
+              <a:buNone/>
+              <a:tabLst/>
+              <a:defRPr/>
+            </a:pPr>
+            <a:r>
+              <a:rPr lang="he-IL" dirty="0"/>
+              <a:t>רוב הערכים העיקריים מרוכזים </a:t>
+            </a:r>
+            <a:r>
+              <a:rPr lang="he-IL" dirty="0" err="1"/>
+              <a:t>בבאיזור</a:t>
+            </a:r>
+            <a:r>
+              <a:rPr lang="he-IL" dirty="0"/>
+              <a:t> הערכים הנמוכים של כל משתנה, הן </a:t>
+            </a:r>
+            <a:r>
+              <a:rPr lang="he-IL" dirty="0" err="1"/>
+              <a:t>באיזור</a:t>
+            </a:r>
+            <a:r>
+              <a:rPr lang="he-IL" dirty="0"/>
+              <a:t> התקלה והן </a:t>
+            </a:r>
+            <a:r>
+              <a:rPr lang="he-IL" dirty="0" err="1"/>
+              <a:t>באיזור</a:t>
+            </a:r>
+            <a:r>
+              <a:rPr lang="he-IL" dirty="0"/>
+              <a:t> ההפעלה התקינה</a:t>
+            </a:r>
+            <a:br>
+              <a:rPr lang="en-US" dirty="0"/>
+            </a:br>
+            <a:r>
+              <a:rPr lang="en-IL" sz="1200" b="1" kern="100" dirty="0">
+                <a:effectLst/>
+                <a:latin typeface="Aptos" panose="020B0004020202020204" pitchFamily="34" charset="0"/>
+                <a:ea typeface="Aptos" panose="020B0004020202020204" pitchFamily="34" charset="0"/>
+                <a:cs typeface="Arial" panose="020B0604020202020204" pitchFamily="34" charset="0"/>
+              </a:rPr>
+              <a:t>crash </a:t>
+            </a:r>
+            <a:r>
+              <a:rPr lang="en-IL" sz="1200" kern="100" dirty="0">
+                <a:effectLst/>
+                <a:latin typeface="Aptos" panose="020B0004020202020204" pitchFamily="34" charset="0"/>
+                <a:ea typeface="Aptos" panose="020B0004020202020204" pitchFamily="34" charset="0"/>
+                <a:cs typeface="Arial" panose="020B0604020202020204" pitchFamily="34" charset="0"/>
+              </a:rPr>
+              <a:t>= </a:t>
+            </a:r>
+            <a:r>
+              <a:rPr lang="en-US" kern="100" dirty="0">
+                <a:latin typeface="Aptos" panose="020B0004020202020204" pitchFamily="34" charset="0"/>
+                <a:ea typeface="Aptos" panose="020B0004020202020204" pitchFamily="34" charset="0"/>
+                <a:cs typeface="Arial" panose="020B0604020202020204" pitchFamily="34" charset="0"/>
+              </a:rPr>
+              <a:t>		</a:t>
+            </a:r>
+            <a:r>
+              <a:rPr lang="en-IL" kern="100" dirty="0">
+                <a:latin typeface="Aptos" panose="020B0004020202020204" pitchFamily="34" charset="0"/>
+                <a:ea typeface="Aptos" panose="020B0004020202020204" pitchFamily="34" charset="0"/>
+                <a:cs typeface="Arial" panose="020B0604020202020204" pitchFamily="34" charset="0"/>
+              </a:rPr>
+              <a:t>(</a:t>
+            </a:r>
+            <a:r>
+              <a:rPr lang="en-IL" kern="100" dirty="0" err="1">
+                <a:latin typeface="Aptos" panose="020B0004020202020204" pitchFamily="34" charset="0"/>
+                <a:ea typeface="Aptos" panose="020B0004020202020204" pitchFamily="34" charset="0"/>
+                <a:cs typeface="Arial" panose="020B0604020202020204" pitchFamily="34" charset="0"/>
+              </a:rPr>
+              <a:t>temp.main</a:t>
+            </a:r>
+            <a:r>
+              <a:rPr lang="en-IL" kern="100" dirty="0">
+                <a:latin typeface="Aptos" panose="020B0004020202020204" pitchFamily="34" charset="0"/>
+                <a:ea typeface="Aptos" panose="020B0004020202020204" pitchFamily="34" charset="0"/>
+                <a:cs typeface="Arial" panose="020B0604020202020204" pitchFamily="34" charset="0"/>
+              </a:rPr>
+              <a:t> &gt; 5.8 AND (</a:t>
+            </a:r>
+            <a:r>
+              <a:rPr lang="en-IL" kern="100" dirty="0" err="1">
+                <a:latin typeface="Aptos" panose="020B0004020202020204" pitchFamily="34" charset="0"/>
+                <a:ea typeface="Aptos" panose="020B0004020202020204" pitchFamily="34" charset="0"/>
+                <a:cs typeface="Arial" panose="020B0604020202020204" pitchFamily="34" charset="0"/>
+              </a:rPr>
+              <a:t>current.main</a:t>
+            </a:r>
+            <a:r>
+              <a:rPr lang="en-IL" kern="100" dirty="0">
+                <a:latin typeface="Aptos" panose="020B0004020202020204" pitchFamily="34" charset="0"/>
+                <a:ea typeface="Aptos" panose="020B0004020202020204" pitchFamily="34" charset="0"/>
+                <a:cs typeface="Arial" panose="020B0604020202020204" pitchFamily="34" charset="0"/>
+              </a:rPr>
+              <a:t> &gt; 5 OR </a:t>
+            </a:r>
+            <a:r>
+              <a:rPr lang="en-IL" kern="100" dirty="0" err="1">
+                <a:latin typeface="Aptos" panose="020B0004020202020204" pitchFamily="34" charset="0"/>
+                <a:ea typeface="Aptos" panose="020B0004020202020204" pitchFamily="34" charset="0"/>
+                <a:cs typeface="Arial" panose="020B0604020202020204" pitchFamily="34" charset="0"/>
+              </a:rPr>
+              <a:t>current.main</a:t>
+            </a:r>
+            <a:r>
+              <a:rPr lang="en-IL" kern="100" dirty="0">
+                <a:latin typeface="Aptos" panose="020B0004020202020204" pitchFamily="34" charset="0"/>
+                <a:ea typeface="Aptos" panose="020B0004020202020204" pitchFamily="34" charset="0"/>
+                <a:cs typeface="Arial" panose="020B0604020202020204" pitchFamily="34" charset="0"/>
+              </a:rPr>
+              <a:t> &lt; 4) AND </a:t>
+            </a:r>
+            <a:r>
+              <a:rPr lang="en-IL" kern="100" dirty="0" err="1">
+                <a:latin typeface="Aptos" panose="020B0004020202020204" pitchFamily="34" charset="0"/>
+                <a:ea typeface="Aptos" panose="020B0004020202020204" pitchFamily="34" charset="0"/>
+                <a:cs typeface="Arial" panose="020B0604020202020204" pitchFamily="34" charset="0"/>
+              </a:rPr>
+              <a:t>voltage.main</a:t>
+            </a:r>
+            <a:r>
+              <a:rPr lang="en-IL" kern="100" dirty="0">
+                <a:latin typeface="Aptos" panose="020B0004020202020204" pitchFamily="34" charset="0"/>
+                <a:ea typeface="Aptos" panose="020B0004020202020204" pitchFamily="34" charset="0"/>
+                <a:cs typeface="Arial" panose="020B0604020202020204" pitchFamily="34" charset="0"/>
+              </a:rPr>
+              <a:t> &lt; 7)</a:t>
+            </a:r>
+            <a:endParaRPr lang="en-US" kern="100" dirty="0">
+              <a:latin typeface="Aptos" panose="020B0004020202020204" pitchFamily="34" charset="0"/>
+              <a:ea typeface="Aptos" panose="020B0004020202020204" pitchFamily="34" charset="0"/>
+              <a:cs typeface="Arial" panose="020B0604020202020204" pitchFamily="34" charset="0"/>
+            </a:endParaRPr>
+          </a:p>
+          <a:p>
+            <a:pPr algn="r" rtl="1"/>
+            <a:endParaRPr lang="en-IL" dirty="0"/>
+          </a:p>
+        </p:txBody>
+      </p:sp>
+      <p:sp>
+        <p:nvSpPr>
+          <p:cNvPr id="4" name="Slide Number Placeholder 3">
+            <a:extLst>
+              <a:ext uri="{FF2B5EF4-FFF2-40B4-BE49-F238E27FC236}">
+                <a16:creationId xmlns:a16="http://schemas.microsoft.com/office/drawing/2014/main" id="{F40A3CEF-28D9-DAF9-0FA1-EEA9D8882A11}"/>
+              </a:ext>
+            </a:extLst>
+          </p:cNvPr>
+          <p:cNvSpPr>
+            <a:spLocks noGrp="1"/>
+          </p:cNvSpPr>
+          <p:nvPr>
+            <p:ph type="sldNum" sz="quarter" idx="5"/>
+          </p:nvPr>
+        </p:nvSpPr>
+        <p:spPr/>
+        <p:txBody>
+          <a:bodyPr/>
+          <a:lstStyle/>
+          <a:p>
+            <a:fld id="{DA75B89D-2F51-4971-B35F-2AF09CD49C33}" type="slidenum">
+              <a:rPr lang="en-IL" smtClean="0"/>
+              <a:t>4</a:t>
+            </a:fld>
+            <a:endParaRPr lang="en-IL"/>
+          </a:p>
+        </p:txBody>
+      </p:sp>
+    </p:spTree>
+    <p:extLst>
+      <p:ext uri="{BB962C8B-B14F-4D97-AF65-F5344CB8AC3E}">
+        <p14:creationId xmlns:p14="http://schemas.microsoft.com/office/powerpoint/2010/main" val="4199243596"/>
+      </p:ext>
+    </p:extLst>
+  </p:cSld>
+  <p:clrMapOvr>
+    <a:masterClrMapping/>
+  </p:clrMapOvr>
+</p:notes>
+</file>
+
+<file path=ppt/notesSlides/notesSlide3.xml><?xml version="1.0" encoding="utf-8"?>
+<p:notes xmlns:a="http://schemas.openxmlformats.org/drawingml/2006/main" xmlns:r="http://schemas.openxmlformats.org/officeDocument/2006/relationships" xmlns:p="http://schemas.openxmlformats.org/presentationml/2006/main">
+  <p:cSld>
+    <p:spTree>
+      <p:nvGrpSpPr>
+        <p:cNvPr id="1" name="">
+          <a:extLst>
+            <a:ext uri="{FF2B5EF4-FFF2-40B4-BE49-F238E27FC236}">
+              <a16:creationId xmlns:a16="http://schemas.microsoft.com/office/drawing/2014/main" id="{C4FF126C-7C7D-3666-D9EA-EFB7AADB877A}"/>
+            </a:ext>
+          </a:extLst>
+        </p:cNvPr>
+        <p:cNvGrpSpPr/>
+        <p:nvPr/>
+      </p:nvGrpSpPr>
+      <p:grpSpPr>
+        <a:xfrm>
+          <a:off x="0" y="0"/>
+          <a:ext cx="0" cy="0"/>
+          <a:chOff x="0" y="0"/>
+          <a:chExt cx="0" cy="0"/>
+        </a:xfrm>
+      </p:grpSpPr>
+      <p:sp>
+        <p:nvSpPr>
+          <p:cNvPr id="2" name="Slide Image Placeholder 1">
+            <a:extLst>
+              <a:ext uri="{FF2B5EF4-FFF2-40B4-BE49-F238E27FC236}">
+                <a16:creationId xmlns:a16="http://schemas.microsoft.com/office/drawing/2014/main" id="{1E37B4DA-11F2-B570-E043-70F5D2F597FE}"/>
+              </a:ext>
+            </a:extLst>
+          </p:cNvPr>
+          <p:cNvSpPr>
+            <a:spLocks noGrp="1" noRot="1" noChangeAspect="1"/>
+          </p:cNvSpPr>
+          <p:nvPr>
+            <p:ph type="sldImg"/>
+          </p:nvPr>
+        </p:nvSpPr>
+        <p:spPr/>
+      </p:sp>
+      <p:sp>
+        <p:nvSpPr>
+          <p:cNvPr id="3" name="Notes Placeholder 2">
+            <a:extLst>
+              <a:ext uri="{FF2B5EF4-FFF2-40B4-BE49-F238E27FC236}">
+                <a16:creationId xmlns:a16="http://schemas.microsoft.com/office/drawing/2014/main" id="{1DF943AF-F4F4-5490-BC41-1CD3CEFE8815}"/>
+              </a:ext>
+            </a:extLst>
+          </p:cNvPr>
+          <p:cNvSpPr>
+            <a:spLocks noGrp="1"/>
+          </p:cNvSpPr>
+          <p:nvPr>
+            <p:ph type="body" idx="1"/>
+          </p:nvPr>
+        </p:nvSpPr>
+        <p:spPr/>
+        <p:txBody>
+          <a:bodyPr/>
+          <a:lstStyle/>
+          <a:p>
+            <a:pPr algn="r" rtl="1"/>
+            <a:r>
+              <a:rPr lang="he-IL" dirty="0"/>
+              <a:t>תנאי זה בעל אחוזי התאמה הגבוהים ביותר לפי נתוני אמת.</a:t>
+            </a:r>
+            <a:endParaRPr lang="en-IL" dirty="0"/>
+          </a:p>
+        </p:txBody>
+      </p:sp>
+      <p:sp>
+        <p:nvSpPr>
+          <p:cNvPr id="4" name="Slide Number Placeholder 3">
+            <a:extLst>
+              <a:ext uri="{FF2B5EF4-FFF2-40B4-BE49-F238E27FC236}">
+                <a16:creationId xmlns:a16="http://schemas.microsoft.com/office/drawing/2014/main" id="{99954237-012B-096A-0887-9E2474E9BCEC}"/>
+              </a:ext>
+            </a:extLst>
+          </p:cNvPr>
+          <p:cNvSpPr>
+            <a:spLocks noGrp="1"/>
+          </p:cNvSpPr>
+          <p:nvPr>
+            <p:ph type="sldNum" sz="quarter" idx="5"/>
+          </p:nvPr>
+        </p:nvSpPr>
+        <p:spPr/>
+        <p:txBody>
+          <a:bodyPr/>
+          <a:lstStyle/>
+          <a:p>
+            <a:fld id="{DA75B89D-2F51-4971-B35F-2AF09CD49C33}" type="slidenum">
+              <a:rPr lang="en-IL" smtClean="0"/>
+              <a:t>5</a:t>
+            </a:fld>
+            <a:endParaRPr lang="en-IL"/>
+          </a:p>
+        </p:txBody>
+      </p:sp>
+    </p:spTree>
+    <p:extLst>
+      <p:ext uri="{BB962C8B-B14F-4D97-AF65-F5344CB8AC3E}">
+        <p14:creationId xmlns:p14="http://schemas.microsoft.com/office/powerpoint/2010/main" val="161605043"/>
+      </p:ext>
+    </p:extLst>
+  </p:cSld>
+  <p:clrMapOvr>
+    <a:masterClrMapping/>
+  </p:clrMapOvr>
+</p:notes>
+</file>
+
+<file path=ppt/notesSlides/notesSlide4.xml><?xml version="1.0" encoding="utf-8"?>
+<p:notes xmlns:a="http://schemas.openxmlformats.org/drawingml/2006/main" xmlns:r="http://schemas.openxmlformats.org/officeDocument/2006/relationships" xmlns:p="http://schemas.openxmlformats.org/presentationml/2006/main">
+  <p:cSld>
+    <p:spTree>
+      <p:nvGrpSpPr>
+        <p:cNvPr id="1" name="">
+          <a:extLst>
+            <a:ext uri="{FF2B5EF4-FFF2-40B4-BE49-F238E27FC236}">
+              <a16:creationId xmlns:a16="http://schemas.microsoft.com/office/drawing/2014/main" id="{CF858967-427A-C85E-2F69-255F46D96C5B}"/>
+            </a:ext>
+          </a:extLst>
+        </p:cNvPr>
+        <p:cNvGrpSpPr/>
+        <p:nvPr/>
+      </p:nvGrpSpPr>
+      <p:grpSpPr>
+        <a:xfrm>
+          <a:off x="0" y="0"/>
+          <a:ext cx="0" cy="0"/>
+          <a:chOff x="0" y="0"/>
+          <a:chExt cx="0" cy="0"/>
+        </a:xfrm>
+      </p:grpSpPr>
+      <p:sp>
+        <p:nvSpPr>
+          <p:cNvPr id="2" name="Slide Image Placeholder 1">
+            <a:extLst>
+              <a:ext uri="{FF2B5EF4-FFF2-40B4-BE49-F238E27FC236}">
+                <a16:creationId xmlns:a16="http://schemas.microsoft.com/office/drawing/2014/main" id="{E1A86FC9-6D70-1171-C8D8-0681BC08DBFF}"/>
+              </a:ext>
+            </a:extLst>
+          </p:cNvPr>
+          <p:cNvSpPr>
+            <a:spLocks noGrp="1" noRot="1" noChangeAspect="1"/>
+          </p:cNvSpPr>
+          <p:nvPr>
+            <p:ph type="sldImg"/>
+          </p:nvPr>
+        </p:nvSpPr>
+        <p:spPr/>
+      </p:sp>
+      <p:sp>
+        <p:nvSpPr>
+          <p:cNvPr id="3" name="Notes Placeholder 2">
+            <a:extLst>
+              <a:ext uri="{FF2B5EF4-FFF2-40B4-BE49-F238E27FC236}">
+                <a16:creationId xmlns:a16="http://schemas.microsoft.com/office/drawing/2014/main" id="{6B22DD4E-73D3-6366-3503-E03272E368B1}"/>
+              </a:ext>
+            </a:extLst>
+          </p:cNvPr>
+          <p:cNvSpPr>
+            <a:spLocks noGrp="1"/>
+          </p:cNvSpPr>
+          <p:nvPr>
+            <p:ph type="body" idx="1"/>
+          </p:nvPr>
+        </p:nvSpPr>
+        <p:spPr/>
+        <p:txBody>
+          <a:bodyPr/>
+          <a:lstStyle/>
+          <a:p>
+            <a:pPr algn="r" rtl="1"/>
+            <a:r>
+              <a:rPr lang="he-IL" dirty="0"/>
+              <a:t>תנאי זה בעל אחוזי התאמה הגבוהים ביותר לפי נתוני אמת.</a:t>
+            </a:r>
+            <a:endParaRPr lang="en-IL" dirty="0"/>
+          </a:p>
+        </p:txBody>
+      </p:sp>
+      <p:sp>
+        <p:nvSpPr>
+          <p:cNvPr id="4" name="Slide Number Placeholder 3">
+            <a:extLst>
+              <a:ext uri="{FF2B5EF4-FFF2-40B4-BE49-F238E27FC236}">
+                <a16:creationId xmlns:a16="http://schemas.microsoft.com/office/drawing/2014/main" id="{C8F8844C-18B3-9658-31AD-5DD2FF55CEF7}"/>
+              </a:ext>
+            </a:extLst>
+          </p:cNvPr>
+          <p:cNvSpPr>
+            <a:spLocks noGrp="1"/>
+          </p:cNvSpPr>
+          <p:nvPr>
+            <p:ph type="sldNum" sz="quarter" idx="5"/>
+          </p:nvPr>
+        </p:nvSpPr>
+        <p:spPr/>
+        <p:txBody>
+          <a:bodyPr/>
+          <a:lstStyle/>
+          <a:p>
+            <a:fld id="{DA75B89D-2F51-4971-B35F-2AF09CD49C33}" type="slidenum">
+              <a:rPr lang="en-IL" smtClean="0"/>
+              <a:t>6</a:t>
+            </a:fld>
+            <a:endParaRPr lang="en-IL"/>
+          </a:p>
+        </p:txBody>
+      </p:sp>
+    </p:spTree>
+    <p:extLst>
+      <p:ext uri="{BB962C8B-B14F-4D97-AF65-F5344CB8AC3E}">
+        <p14:creationId xmlns:p14="http://schemas.microsoft.com/office/powerpoint/2010/main" val="2685800470"/>
+      </p:ext>
+    </p:extLst>
+  </p:cSld>
+  <p:clrMapOvr>
+    <a:masterClrMapping/>
+  </p:clrMapOvr>
+</p:notes>
+</file>
+
 <file path=ppt/slideLayouts/slideLayout1.xml><?xml version="1.0" encoding="utf-8"?>
 <p:sldLayout xmlns:a="http://schemas.openxmlformats.org/drawingml/2006/main" xmlns:r="http://schemas.openxmlformats.org/officeDocument/2006/relationships" xmlns:p="http://schemas.openxmlformats.org/presentationml/2006/main" type="title" preserve="1">
   <p:cSld name="Title Slide">
@@ -623,9 +1208,9 @@
           <a:bodyPr/>
           <a:lstStyle/>
           <a:p>
-            <a:fld id="{9F232486-819B-4F3D-BAC6-BB988D703EC0}" type="datetime8">
+            <a:fld id="{D4167A22-71F2-4AB4-9A22-E51115BED22E}" type="datetime8">
               <a:rPr lang="en-IL" smtClean="0"/>
-              <a:t>24/02/2025 12:11</a:t>
+              <a:t>02/03/2025 7:49</a:t>
             </a:fld>
             <a:endParaRPr lang="en-IL"/>
           </a:p>
@@ -654,7 +1239,15 @@
           <a:p>
             <a:r>
               <a:rPr lang="pl-PL"/>
-              <a:t>Ilya Polonsky BIU_DS_019</a:t>
+              <a:t>Ilya Polonsky </a:t>
+            </a:r>
+            <a:r>
+              <a:rPr lang="he-IL"/>
+              <a:t>ענת גרוסמן ג'וניש </a:t>
+            </a:r>
+            <a:r>
+              <a:rPr lang="pl-PL"/>
+              <a:t>BIU_DS_019</a:t>
             </a:r>
             <a:endParaRPr lang="en-IL"/>
           </a:p>
@@ -827,9 +1420,9 @@
           <a:bodyPr/>
           <a:lstStyle/>
           <a:p>
-            <a:fld id="{2BDEA642-654D-433D-9C7A-92529A999233}" type="datetime8">
+            <a:fld id="{AC82800B-1AB9-4DC7-8211-8A4A64502F9C}" type="datetime8">
               <a:rPr lang="en-IL" smtClean="0"/>
-              <a:t>24/02/2025 12:11</a:t>
+              <a:t>02/03/2025 7:49</a:t>
             </a:fld>
             <a:endParaRPr lang="en-IL"/>
           </a:p>
@@ -858,7 +1451,15 @@
           <a:p>
             <a:r>
               <a:rPr lang="pl-PL"/>
-              <a:t>Ilya Polonsky BIU_DS_019</a:t>
+              <a:t>Ilya Polonsky </a:t>
+            </a:r>
+            <a:r>
+              <a:rPr lang="he-IL"/>
+              <a:t>ענת גרוסמן ג'וניש </a:t>
+            </a:r>
+            <a:r>
+              <a:rPr lang="pl-PL"/>
+              <a:t>BIU_DS_019</a:t>
             </a:r>
             <a:endParaRPr lang="en-IL"/>
           </a:p>
@@ -1041,9 +1642,9 @@
           <a:bodyPr/>
           <a:lstStyle/>
           <a:p>
-            <a:fld id="{0D7B72F4-A107-4057-9FE8-9CB3D54D5AE5}" type="datetime8">
+            <a:fld id="{07411530-1D4D-421F-BDE0-568C602E19B0}" type="datetime8">
               <a:rPr lang="en-IL" smtClean="0"/>
-              <a:t>24/02/2025 12:11</a:t>
+              <a:t>02/03/2025 7:49</a:t>
             </a:fld>
             <a:endParaRPr lang="en-IL"/>
           </a:p>
@@ -1072,7 +1673,15 @@
           <a:p>
             <a:r>
               <a:rPr lang="pl-PL"/>
-              <a:t>Ilya Polonsky BIU_DS_019</a:t>
+              <a:t>Ilya Polonsky </a:t>
+            </a:r>
+            <a:r>
+              <a:rPr lang="he-IL"/>
+              <a:t>ענת גרוסמן ג'וניש </a:t>
+            </a:r>
+            <a:r>
+              <a:rPr lang="pl-PL"/>
+              <a:t>BIU_DS_019</a:t>
             </a:r>
             <a:endParaRPr lang="en-IL"/>
           </a:p>
@@ -1245,9 +1854,9 @@
           <a:bodyPr/>
           <a:lstStyle/>
           <a:p>
-            <a:fld id="{CEAD2EC7-8654-4BDE-89D5-77F94CB2C1F8}" type="datetime8">
+            <a:fld id="{347F8890-8BB1-49CC-BB2B-820CC1C5CC83}" type="datetime8">
               <a:rPr lang="en-IL" smtClean="0"/>
-              <a:t>24/02/2025 12:11</a:t>
+              <a:t>02/03/2025 7:49</a:t>
             </a:fld>
             <a:endParaRPr lang="en-IL"/>
           </a:p>
@@ -1276,7 +1885,15 @@
           <a:p>
             <a:r>
               <a:rPr lang="pl-PL"/>
-              <a:t>Ilya Polonsky BIU_DS_019</a:t>
+              <a:t>Ilya Polonsky </a:t>
+            </a:r>
+            <a:r>
+              <a:rPr lang="he-IL"/>
+              <a:t>ענת גרוסמן ג'וניש </a:t>
+            </a:r>
+            <a:r>
+              <a:rPr lang="pl-PL"/>
+              <a:t>BIU_DS_019</a:t>
             </a:r>
             <a:endParaRPr lang="en-IL"/>
           </a:p>
@@ -1525,9 +2142,9 @@
           <a:bodyPr/>
           <a:lstStyle/>
           <a:p>
-            <a:fld id="{E1EC9D49-FC99-435F-AF7B-88EBB3104041}" type="datetime8">
+            <a:fld id="{0B8382D0-5302-43A4-B8B8-960BE908742C}" type="datetime8">
               <a:rPr lang="en-IL" smtClean="0"/>
-              <a:t>24/02/2025 12:11</a:t>
+              <a:t>02/03/2025 7:49</a:t>
             </a:fld>
             <a:endParaRPr lang="en-IL"/>
           </a:p>
@@ -1556,7 +2173,15 @@
           <a:p>
             <a:r>
               <a:rPr lang="pl-PL"/>
-              <a:t>Ilya Polonsky BIU_DS_019</a:t>
+              <a:t>Ilya Polonsky </a:t>
+            </a:r>
+            <a:r>
+              <a:rPr lang="he-IL"/>
+              <a:t>ענת גרוסמן ג'וניש </a:t>
+            </a:r>
+            <a:r>
+              <a:rPr lang="pl-PL"/>
+              <a:t>BIU_DS_019</a:t>
             </a:r>
             <a:endParaRPr lang="en-IL"/>
           </a:p>
@@ -1797,9 +2422,9 @@
           <a:bodyPr/>
           <a:lstStyle/>
           <a:p>
-            <a:fld id="{98439F2E-822D-4519-AFE1-4E2B088F43D7}" type="datetime8">
+            <a:fld id="{A00B566E-46EB-4C54-BA11-7FDABED60A99}" type="datetime8">
               <a:rPr lang="en-IL" smtClean="0"/>
-              <a:t>24/02/2025 12:11</a:t>
+              <a:t>02/03/2025 7:49</a:t>
             </a:fld>
             <a:endParaRPr lang="en-IL"/>
           </a:p>
@@ -1828,7 +2453,15 @@
           <a:p>
             <a:r>
               <a:rPr lang="pl-PL"/>
-              <a:t>Ilya Polonsky BIU_DS_019</a:t>
+              <a:t>Ilya Polonsky </a:t>
+            </a:r>
+            <a:r>
+              <a:rPr lang="he-IL"/>
+              <a:t>ענת גרוסמן ג'וניש </a:t>
+            </a:r>
+            <a:r>
+              <a:rPr lang="pl-PL"/>
+              <a:t>BIU_DS_019</a:t>
             </a:r>
             <a:endParaRPr lang="en-IL"/>
           </a:p>
@@ -2216,9 +2849,9 @@
           <a:bodyPr/>
           <a:lstStyle/>
           <a:p>
-            <a:fld id="{3D0DB1C2-7CAD-4565-9B80-424B6E3D8CE2}" type="datetime8">
+            <a:fld id="{B3DD9F7C-1E4F-45A3-A9A2-DB1999564366}" type="datetime8">
               <a:rPr lang="en-IL" smtClean="0"/>
-              <a:t>24/02/2025 12:11</a:t>
+              <a:t>02/03/2025 7:49</a:t>
             </a:fld>
             <a:endParaRPr lang="en-IL"/>
           </a:p>
@@ -2247,7 +2880,15 @@
           <a:p>
             <a:r>
               <a:rPr lang="pl-PL"/>
-              <a:t>Ilya Polonsky BIU_DS_019</a:t>
+              <a:t>Ilya Polonsky </a:t>
+            </a:r>
+            <a:r>
+              <a:rPr lang="he-IL"/>
+              <a:t>ענת גרוסמן ג'וניש </a:t>
+            </a:r>
+            <a:r>
+              <a:rPr lang="pl-PL"/>
+              <a:t>BIU_DS_019</a:t>
             </a:r>
             <a:endParaRPr lang="en-IL"/>
           </a:p>
@@ -2362,9 +3003,9 @@
           <a:bodyPr/>
           <a:lstStyle/>
           <a:p>
-            <a:fld id="{0A56E718-87C6-474C-A402-401967688D09}" type="datetime8">
+            <a:fld id="{5653B9B8-6C7A-4259-8CDD-2B7357A4120B}" type="datetime8">
               <a:rPr lang="en-IL" smtClean="0"/>
-              <a:t>24/02/2025 12:11</a:t>
+              <a:t>02/03/2025 7:49</a:t>
             </a:fld>
             <a:endParaRPr lang="en-IL"/>
           </a:p>
@@ -2393,7 +3034,15 @@
           <a:p>
             <a:r>
               <a:rPr lang="pl-PL"/>
-              <a:t>Ilya Polonsky BIU_DS_019</a:t>
+              <a:t>Ilya Polonsky </a:t>
+            </a:r>
+            <a:r>
+              <a:rPr lang="he-IL"/>
+              <a:t>ענת גרוסמן ג'וניש </a:t>
+            </a:r>
+            <a:r>
+              <a:rPr lang="pl-PL"/>
+              <a:t>BIU_DS_019</a:t>
             </a:r>
             <a:endParaRPr lang="en-IL"/>
           </a:p>
@@ -2479,9 +3128,9 @@
           <a:bodyPr/>
           <a:lstStyle/>
           <a:p>
-            <a:fld id="{977F3949-CF31-411A-A568-50E9721769DE}" type="datetime8">
+            <a:fld id="{D58B831B-9E68-47B5-8198-E9925E2A9BAE}" type="datetime8">
               <a:rPr lang="en-IL" smtClean="0"/>
-              <a:t>24/02/2025 12:11</a:t>
+              <a:t>02/03/2025 7:49</a:t>
             </a:fld>
             <a:endParaRPr lang="en-IL"/>
           </a:p>
@@ -2510,7 +3159,15 @@
           <a:p>
             <a:r>
               <a:rPr lang="pl-PL"/>
-              <a:t>Ilya Polonsky BIU_DS_019</a:t>
+              <a:t>Ilya Polonsky </a:t>
+            </a:r>
+            <a:r>
+              <a:rPr lang="he-IL"/>
+              <a:t>ענת גרוסמן ג'וניש </a:t>
+            </a:r>
+            <a:r>
+              <a:rPr lang="pl-PL"/>
+              <a:t>BIU_DS_019</a:t>
             </a:r>
             <a:endParaRPr lang="en-IL"/>
           </a:p>
@@ -2796,9 +3453,9 @@
           <a:bodyPr/>
           <a:lstStyle/>
           <a:p>
-            <a:fld id="{5CD7D358-F20D-4DFC-BE15-3523CD289EA9}" type="datetime8">
+            <a:fld id="{3410F0E8-3309-4310-85BE-606C8ECE142F}" type="datetime8">
               <a:rPr lang="en-IL" smtClean="0"/>
-              <a:t>24/02/2025 12:11</a:t>
+              <a:t>02/03/2025 7:49</a:t>
             </a:fld>
             <a:endParaRPr lang="en-IL"/>
           </a:p>
@@ -2827,7 +3484,15 @@
           <a:p>
             <a:r>
               <a:rPr lang="pl-PL"/>
-              <a:t>Ilya Polonsky BIU_DS_019</a:t>
+              <a:t>Ilya Polonsky </a:t>
+            </a:r>
+            <a:r>
+              <a:rPr lang="he-IL"/>
+              <a:t>ענת גרוסמן ג'וניש </a:t>
+            </a:r>
+            <a:r>
+              <a:rPr lang="pl-PL"/>
+              <a:t>BIU_DS_019</a:t>
             </a:r>
             <a:endParaRPr lang="en-IL"/>
           </a:p>
@@ -3089,9 +3754,9 @@
           <a:bodyPr/>
           <a:lstStyle/>
           <a:p>
-            <a:fld id="{D4ECBAB5-7D93-4A13-8243-BBE0E89AD56B}" type="datetime8">
+            <a:fld id="{02D79F18-EA0E-4E6A-87F2-4E7DCC74142A}" type="datetime8">
               <a:rPr lang="en-IL" smtClean="0"/>
-              <a:t>24/02/2025 12:11</a:t>
+              <a:t>02/03/2025 7:49</a:t>
             </a:fld>
             <a:endParaRPr lang="en-IL"/>
           </a:p>
@@ -3120,7 +3785,15 @@
           <a:p>
             <a:r>
               <a:rPr lang="pl-PL"/>
-              <a:t>Ilya Polonsky BIU_DS_019</a:t>
+              <a:t>Ilya Polonsky </a:t>
+            </a:r>
+            <a:r>
+              <a:rPr lang="he-IL"/>
+              <a:t>ענת גרוסמן ג'וניש </a:t>
+            </a:r>
+            <a:r>
+              <a:rPr lang="pl-PL"/>
+              <a:t>BIU_DS_019</a:t>
             </a:r>
             <a:endParaRPr lang="en-IL"/>
           </a:p>
@@ -3336,9 +4009,9 @@
             </a:lvl1pPr>
           </a:lstStyle>
           <a:p>
-            <a:fld id="{1759E7AA-1A93-4E70-A06A-093580F59C20}" type="datetime8">
+            <a:fld id="{52F195D4-217A-48BA-985B-F2FABA3D417C}" type="datetime8">
               <a:rPr lang="en-IL" smtClean="0"/>
-              <a:t>24/02/2025 12:11</a:t>
+              <a:t>02/03/2025 7:49</a:t>
             </a:fld>
             <a:endParaRPr lang="en-IL"/>
           </a:p>
@@ -3385,7 +4058,15 @@
           <a:p>
             <a:r>
               <a:rPr lang="pl-PL"/>
-              <a:t>Ilya Polonsky BIU_DS_019</a:t>
+              <a:t>Ilya Polonsky </a:t>
+            </a:r>
+            <a:r>
+              <a:rPr lang="he-IL"/>
+              <a:t>ענת גרוסמן ג'וניש </a:t>
+            </a:r>
+            <a:r>
+              <a:rPr lang="pl-PL"/>
+              <a:t>BIU_DS_019</a:t>
             </a:r>
             <a:endParaRPr lang="en-IL"/>
           </a:p>
@@ -3776,16 +4457,37 @@
             <p:ph type="ftr" sz="quarter" idx="11"/>
           </p:nvPr>
         </p:nvSpPr>
-        <p:spPr/>
+        <p:spPr>
+          <a:xfrm>
+            <a:off x="4038600" y="6117336"/>
+            <a:ext cx="4200144" cy="604139"/>
+          </a:xfrm>
+        </p:spPr>
         <p:txBody>
           <a:bodyPr/>
           <a:lstStyle/>
           <a:p>
             <a:r>
-              <a:rPr lang="pl-PL" dirty="0"/>
-              <a:t>Ilya Polonsky BIU_DS_019</a:t>
-            </a:r>
-            <a:endParaRPr lang="en-IL" dirty="0"/>
+              <a:rPr lang="pl-PL" sz="1000" dirty="0"/>
+              <a:t>Ilya Polonsky</a:t>
+            </a:r>
+            <a:r>
+              <a:rPr lang="he-IL" sz="1000" dirty="0"/>
+              <a:t> ענת גרוסמן </a:t>
+            </a:r>
+            <a:r>
+              <a:rPr lang="he-IL" sz="1000" dirty="0" err="1"/>
+              <a:t>ג'וניש</a:t>
+            </a:r>
+            <a:r>
+              <a:rPr lang="he-IL" sz="1000" dirty="0"/>
+              <a:t> </a:t>
+            </a:r>
+            <a:r>
+              <a:rPr lang="pl-PL" sz="1000" dirty="0"/>
+              <a:t>BIU_DS_019</a:t>
+            </a:r>
+            <a:endParaRPr lang="en-IL" sz="1000" dirty="0"/>
           </a:p>
         </p:txBody>
       </p:sp>
@@ -3833,7 +4535,7 @@
         <p:spPr>
           <a:xfrm>
             <a:off x="1366684" y="824783"/>
-            <a:ext cx="9458632" cy="2800767"/>
+            <a:ext cx="9458632" cy="3139321"/>
           </a:xfrm>
           <a:prstGeom prst="rect">
             <a:avLst/>
@@ -3893,6 +4595,17 @@
             <a:r>
               <a:rPr lang="he-IL" sz="2200" dirty="0"/>
               <a:t>	איליה פולונסקי</a:t>
+            </a:r>
+          </a:p>
+          <a:p>
+            <a:pPr algn="r" rtl="1"/>
+            <a:r>
+              <a:rPr lang="he-IL" sz="2200" dirty="0"/>
+              <a:t>	ענת גרוסמן </a:t>
+            </a:r>
+            <a:r>
+              <a:rPr lang="he-IL" sz="2200" dirty="0" err="1"/>
+              <a:t>ג'וניש</a:t>
             </a:r>
             <a:endParaRPr lang="en-IL" sz="2200" dirty="0"/>
           </a:p>
@@ -3950,10 +4663,26 @@
           <a:lstStyle/>
           <a:p>
             <a:r>
-              <a:rPr lang="pl-PL"/>
-              <a:t>Ilya Polonsky BIU_DS_019</a:t>
-            </a:r>
-            <a:endParaRPr lang="en-IL"/>
+              <a:rPr lang="pl-PL" dirty="0"/>
+              <a:t>Ilya Polonsky</a:t>
+            </a:r>
+            <a:r>
+              <a:rPr lang="he-IL" dirty="0"/>
+              <a:t> ענת גרוסמן </a:t>
+            </a:r>
+            <a:r>
+              <a:rPr lang="he-IL" dirty="0" err="1"/>
+              <a:t>ג'וניש</a:t>
+            </a:r>
+            <a:r>
+              <a:rPr lang="he-IL" dirty="0"/>
+              <a:t> </a:t>
+            </a:r>
+            <a:r>
+              <a:rPr lang="pl-PL" dirty="0"/>
+              <a:t>BIU_DS_019</a:t>
+            </a:r>
+            <a:endParaRPr lang="en-IL" dirty="0"/>
           </a:p>
         </p:txBody>
       </p:sp>
@@ -4413,6 +5142,5502 @@
     <p:extLst>
       <p:ext uri="{BB962C8B-B14F-4D97-AF65-F5344CB8AC3E}">
         <p14:creationId xmlns:p14="http://schemas.microsoft.com/office/powerpoint/2010/main" val="4128843192"/>
+      </p:ext>
+    </p:extLst>
+  </p:cSld>
+  <p:clrMapOvr>
+    <a:masterClrMapping/>
+  </p:clrMapOvr>
+</p:sld>
+</file>
+
+<file path=ppt/slides/slide3.xml><?xml version="1.0" encoding="utf-8"?>
+<p:sld xmlns:a="http://schemas.openxmlformats.org/drawingml/2006/main" xmlns:r="http://schemas.openxmlformats.org/officeDocument/2006/relationships" xmlns:p="http://schemas.openxmlformats.org/presentationml/2006/main">
+  <p:cSld>
+    <p:spTree>
+      <p:nvGrpSpPr>
+        <p:cNvPr id="1" name=""/>
+        <p:cNvGrpSpPr/>
+        <p:nvPr/>
+      </p:nvGrpSpPr>
+      <p:grpSpPr>
+        <a:xfrm>
+          <a:off x="0" y="0"/>
+          <a:ext cx="0" cy="0"/>
+          <a:chOff x="0" y="0"/>
+          <a:chExt cx="0" cy="0"/>
+        </a:xfrm>
+      </p:grpSpPr>
+      <p:sp>
+        <p:nvSpPr>
+          <p:cNvPr id="4" name="Footer Placeholder 3">
+            <a:extLst>
+              <a:ext uri="{FF2B5EF4-FFF2-40B4-BE49-F238E27FC236}">
+                <a16:creationId xmlns:a16="http://schemas.microsoft.com/office/drawing/2014/main" id="{64C39017-8F69-9E9A-8F1A-C05DC9AB31B1}"/>
+              </a:ext>
+            </a:extLst>
+          </p:cNvPr>
+          <p:cNvSpPr>
+            <a:spLocks noGrp="1"/>
+          </p:cNvSpPr>
+          <p:nvPr>
+            <p:ph type="ftr" sz="quarter" idx="11"/>
+          </p:nvPr>
+        </p:nvSpPr>
+        <p:spPr/>
+        <p:txBody>
+          <a:bodyPr/>
+          <a:lstStyle/>
+          <a:p>
+            <a:r>
+              <a:rPr lang="pl-PL"/>
+              <a:t>Ilya Polonsky </a:t>
+            </a:r>
+            <a:r>
+              <a:rPr lang="he-IL"/>
+              <a:t>ענת גרוסמן ג'וניש </a:t>
+            </a:r>
+            <a:r>
+              <a:rPr lang="pl-PL"/>
+              <a:t>BIU_DS_019</a:t>
+            </a:r>
+            <a:endParaRPr lang="en-IL"/>
+          </a:p>
+        </p:txBody>
+      </p:sp>
+      <p:sp>
+        <p:nvSpPr>
+          <p:cNvPr id="5" name="Slide Number Placeholder 4">
+            <a:extLst>
+              <a:ext uri="{FF2B5EF4-FFF2-40B4-BE49-F238E27FC236}">
+                <a16:creationId xmlns:a16="http://schemas.microsoft.com/office/drawing/2014/main" id="{3A397B63-5314-EBB9-BC9E-1021EF73EB2C}"/>
+              </a:ext>
+            </a:extLst>
+          </p:cNvPr>
+          <p:cNvSpPr>
+            <a:spLocks noGrp="1"/>
+          </p:cNvSpPr>
+          <p:nvPr>
+            <p:ph type="sldNum" sz="quarter" idx="12"/>
+          </p:nvPr>
+        </p:nvSpPr>
+        <p:spPr/>
+        <p:txBody>
+          <a:bodyPr/>
+          <a:lstStyle/>
+          <a:p>
+            <a:fld id="{D48DEEBB-C9CA-4DDB-83BF-C3B86CF116A3}" type="slidenum">
+              <a:rPr lang="en-IL" smtClean="0"/>
+              <a:t>3</a:t>
+            </a:fld>
+            <a:endParaRPr lang="en-IL"/>
+          </a:p>
+        </p:txBody>
+      </p:sp>
+      <p:sp>
+        <p:nvSpPr>
+          <p:cNvPr id="8" name="TextBox 7">
+            <a:extLst>
+              <a:ext uri="{FF2B5EF4-FFF2-40B4-BE49-F238E27FC236}">
+                <a16:creationId xmlns:a16="http://schemas.microsoft.com/office/drawing/2014/main" id="{32954895-9D04-5433-095F-68655867D6C7}"/>
+              </a:ext>
+            </a:extLst>
+          </p:cNvPr>
+          <p:cNvSpPr txBox="1"/>
+          <p:nvPr/>
+        </p:nvSpPr>
+        <p:spPr>
+          <a:xfrm>
+            <a:off x="0" y="972267"/>
+            <a:ext cx="11956025" cy="3820918"/>
+          </a:xfrm>
+          <a:prstGeom prst="rect">
+            <a:avLst/>
+          </a:prstGeom>
+          <a:noFill/>
+        </p:spPr>
+        <p:txBody>
+          <a:bodyPr wrap="square" rtlCol="0">
+            <a:spAutoFit/>
+          </a:bodyPr>
+          <a:lstStyle/>
+          <a:p>
+            <a:pPr algn="r" rtl="1"/>
+            <a:r>
+              <a:rPr lang="he-IL" dirty="0"/>
+              <a:t>מטרה:</a:t>
+            </a:r>
+          </a:p>
+          <a:p>
+            <a:pPr algn="r" rtl="1"/>
+            <a:r>
+              <a:rPr lang="he-IL" dirty="0"/>
+              <a:t>	זיהוי נקודת או נקודות קריסה, בהן המערכת (מערכת הרכב)מפסיקה לפעול תקין.</a:t>
+            </a:r>
+          </a:p>
+          <a:p>
+            <a:pPr algn="r" rtl="1"/>
+            <a:r>
+              <a:rPr lang="he-IL" dirty="0"/>
+              <a:t>ניתוח:</a:t>
+            </a:r>
+          </a:p>
+          <a:p>
+            <a:pPr algn="r" rtl="1">
+              <a:lnSpc>
+                <a:spcPct val="107000"/>
+              </a:lnSpc>
+              <a:spcAft>
+                <a:spcPts val="800"/>
+              </a:spcAft>
+            </a:pPr>
+            <a:r>
+              <a:rPr lang="he-IL" dirty="0"/>
+              <a:t>	אנומליות</a:t>
+            </a:r>
+          </a:p>
+          <a:p>
+            <a:pPr algn="r" rtl="1">
+              <a:lnSpc>
+                <a:spcPct val="107000"/>
+              </a:lnSpc>
+              <a:spcAft>
+                <a:spcPts val="800"/>
+              </a:spcAft>
+            </a:pPr>
+            <a:r>
+              <a:rPr lang="he-IL" sz="1800" kern="100" dirty="0">
+                <a:effectLst/>
+                <a:latin typeface="Aptos" panose="020B0004020202020204" pitchFamily="34" charset="0"/>
+                <a:ea typeface="Aptos" panose="020B0004020202020204" pitchFamily="34" charset="0"/>
+                <a:cs typeface="Arial" panose="020B0604020202020204" pitchFamily="34" charset="0"/>
+              </a:rPr>
+              <a:t>		בהיעדר הגדרות אנומליות או לחלופין הגדרות הנורמה, נבחרו טווחי האנומליות הבאים:</a:t>
+            </a:r>
+            <a:endParaRPr lang="en-IL" sz="1800" kern="100" dirty="0">
+              <a:effectLst/>
+              <a:latin typeface="Aptos" panose="020B0004020202020204" pitchFamily="34" charset="0"/>
+              <a:ea typeface="Aptos" panose="020B0004020202020204" pitchFamily="34" charset="0"/>
+              <a:cs typeface="Arial" panose="020B0604020202020204" pitchFamily="34" charset="0"/>
+            </a:endParaRPr>
+          </a:p>
+          <a:p>
+            <a:pPr marL="457200">
+              <a:lnSpc>
+                <a:spcPct val="107000"/>
+              </a:lnSpc>
+            </a:pPr>
+            <a:r>
+              <a:rPr lang="en-US" sz="1800" kern="100" dirty="0">
+                <a:effectLst/>
+                <a:latin typeface="Aptos" panose="020B0004020202020204" pitchFamily="34" charset="0"/>
+                <a:ea typeface="Aptos" panose="020B0004020202020204" pitchFamily="34" charset="0"/>
+                <a:cs typeface="Arial" panose="020B0604020202020204" pitchFamily="34" charset="0"/>
+              </a:rPr>
+              <a:t>Current Main &gt; 250	</a:t>
+            </a:r>
+            <a:r>
+              <a:rPr lang="he-IL" sz="1800" kern="100" dirty="0">
+                <a:effectLst/>
+                <a:latin typeface="Aptos" panose="020B0004020202020204" pitchFamily="34" charset="0"/>
+                <a:ea typeface="Aptos" panose="020B0004020202020204" pitchFamily="34" charset="0"/>
+                <a:cs typeface="Arial" panose="020B0604020202020204" pitchFamily="34" charset="0"/>
+              </a:rPr>
+              <a:t>		</a:t>
+            </a:r>
+            <a:r>
+              <a:rPr lang="en-US" sz="1800" kern="100" dirty="0">
+                <a:effectLst/>
+                <a:latin typeface="Aptos" panose="020B0004020202020204" pitchFamily="34" charset="0"/>
+                <a:ea typeface="Aptos" panose="020B0004020202020204" pitchFamily="34" charset="0"/>
+                <a:cs typeface="Arial" panose="020B0604020202020204" pitchFamily="34" charset="0"/>
+              </a:rPr>
+              <a:t>	</a:t>
+            </a:r>
+            <a:endParaRPr lang="en-IL" sz="1800" kern="100" dirty="0">
+              <a:effectLst/>
+              <a:latin typeface="Aptos" panose="020B0004020202020204" pitchFamily="34" charset="0"/>
+              <a:ea typeface="Aptos" panose="020B0004020202020204" pitchFamily="34" charset="0"/>
+              <a:cs typeface="Arial" panose="020B0604020202020204" pitchFamily="34" charset="0"/>
+            </a:endParaRPr>
+          </a:p>
+          <a:p>
+            <a:pPr marL="457200">
+              <a:lnSpc>
+                <a:spcPct val="107000"/>
+              </a:lnSpc>
+            </a:pPr>
+            <a:r>
+              <a:rPr lang="en-US" sz="1800" kern="100" dirty="0">
+                <a:effectLst/>
+                <a:latin typeface="Aptos" panose="020B0004020202020204" pitchFamily="34" charset="0"/>
+                <a:ea typeface="Aptos" panose="020B0004020202020204" pitchFamily="34" charset="0"/>
+                <a:cs typeface="Arial" panose="020B0604020202020204" pitchFamily="34" charset="0"/>
+              </a:rPr>
+              <a:t>Temperature &gt; 250</a:t>
+            </a:r>
+            <a:endParaRPr lang="en-IL" sz="1800" kern="100" dirty="0">
+              <a:effectLst/>
+              <a:latin typeface="Aptos" panose="020B0004020202020204" pitchFamily="34" charset="0"/>
+              <a:ea typeface="Aptos" panose="020B0004020202020204" pitchFamily="34" charset="0"/>
+              <a:cs typeface="Arial" panose="020B0604020202020204" pitchFamily="34" charset="0"/>
+            </a:endParaRPr>
+          </a:p>
+          <a:p>
+            <a:pPr marL="457200">
+              <a:lnSpc>
+                <a:spcPct val="107000"/>
+              </a:lnSpc>
+              <a:spcAft>
+                <a:spcPts val="800"/>
+              </a:spcAft>
+            </a:pPr>
+            <a:r>
+              <a:rPr lang="en-US" sz="1800" kern="100" dirty="0">
+                <a:effectLst/>
+                <a:latin typeface="Aptos" panose="020B0004020202020204" pitchFamily="34" charset="0"/>
+                <a:ea typeface="Aptos" panose="020B0004020202020204" pitchFamily="34" charset="0"/>
+                <a:cs typeface="Arial" panose="020B0604020202020204" pitchFamily="34" charset="0"/>
+              </a:rPr>
+              <a:t>Voltage &gt; 850</a:t>
+            </a:r>
+            <a:endParaRPr lang="he-IL" dirty="0"/>
+          </a:p>
+          <a:p>
+            <a:pPr algn="r" rtl="1"/>
+            <a:r>
+              <a:rPr lang="he-IL" dirty="0"/>
+              <a:t>	יצירת שני בסיס נתונים – נתונים תקולים ונתונים תקינים	</a:t>
+            </a:r>
+          </a:p>
+          <a:p>
+            <a:pPr algn="r" rtl="1"/>
+            <a:r>
+              <a:rPr lang="he-IL" sz="1800" dirty="0">
+                <a:effectLst/>
+                <a:latin typeface="Aptos" panose="020B0004020202020204" pitchFamily="34" charset="0"/>
+                <a:ea typeface="Aptos" panose="020B0004020202020204" pitchFamily="34" charset="0"/>
+                <a:cs typeface="Arial" panose="020B0604020202020204" pitchFamily="34" charset="0"/>
+              </a:rPr>
+              <a:t>	בהיעדר נתונים מנחים מהיצרן ובהינתן תיוג פעולה תקינה ולא פעולה תקינה, מניחים שכל אחת מהתקלות המתויגות כ 1,2,3 	יכולה להיות תקלה שתגרום לקריסה ולכן אפשר להתייחס לנתונים כתקינים: בעלי תיוג 0 ו תקלה בעלי תיוג 1,2,3.</a:t>
+            </a:r>
+          </a:p>
+          <a:p>
+            <a:pPr algn="r" rtl="1"/>
+            <a:endParaRPr lang="he-IL" sz="1800" dirty="0">
+              <a:effectLst/>
+              <a:latin typeface="Aptos" panose="020B0004020202020204" pitchFamily="34" charset="0"/>
+              <a:ea typeface="Aptos" panose="020B0004020202020204" pitchFamily="34" charset="0"/>
+              <a:cs typeface="Arial" panose="020B0604020202020204" pitchFamily="34" charset="0"/>
+            </a:endParaRPr>
+          </a:p>
+        </p:txBody>
+      </p:sp>
+      <p:graphicFrame>
+        <p:nvGraphicFramePr>
+          <p:cNvPr id="9" name="Table 8">
+            <a:extLst>
+              <a:ext uri="{FF2B5EF4-FFF2-40B4-BE49-F238E27FC236}">
+                <a16:creationId xmlns:a16="http://schemas.microsoft.com/office/drawing/2014/main" id="{8CD3AF22-145F-0D93-FA34-3D6E3E01DA79}"/>
+              </a:ext>
+            </a:extLst>
+          </p:cNvPr>
+          <p:cNvGraphicFramePr>
+            <a:graphicFrameLocks noGrp="1"/>
+          </p:cNvGraphicFramePr>
+          <p:nvPr>
+            <p:extLst>
+              <p:ext uri="{D42A27DB-BD31-4B8C-83A1-F6EECF244321}">
+                <p14:modId xmlns:p14="http://schemas.microsoft.com/office/powerpoint/2010/main" val="150742187"/>
+              </p:ext>
+            </p:extLst>
+          </p:nvPr>
+        </p:nvGraphicFramePr>
+        <p:xfrm>
+          <a:off x="103572" y="4670234"/>
+          <a:ext cx="5170170" cy="1686116"/>
+        </p:xfrm>
+        <a:graphic>
+          <a:graphicData uri="http://schemas.openxmlformats.org/drawingml/2006/table">
+            <a:tbl>
+              <a:tblPr firstRow="1" firstCol="1" bandRow="1">
+                <a:tableStyleId>{5C22544A-7EE6-4342-B048-85BDC9FD1C3A}</a:tableStyleId>
+              </a:tblPr>
+              <a:tblGrid>
+                <a:gridCol w="1511300">
+                  <a:extLst>
+                    <a:ext uri="{9D8B030D-6E8A-4147-A177-3AD203B41FA5}">
+                      <a16:colId xmlns:a16="http://schemas.microsoft.com/office/drawing/2014/main" val="2966128643"/>
+                    </a:ext>
+                  </a:extLst>
+                </a:gridCol>
+                <a:gridCol w="638810">
+                  <a:extLst>
+                    <a:ext uri="{9D8B030D-6E8A-4147-A177-3AD203B41FA5}">
+                      <a16:colId xmlns:a16="http://schemas.microsoft.com/office/drawing/2014/main" val="3318710202"/>
+                    </a:ext>
+                  </a:extLst>
+                </a:gridCol>
+                <a:gridCol w="826770">
+                  <a:extLst>
+                    <a:ext uri="{9D8B030D-6E8A-4147-A177-3AD203B41FA5}">
+                      <a16:colId xmlns:a16="http://schemas.microsoft.com/office/drawing/2014/main" val="1492508885"/>
+                    </a:ext>
+                  </a:extLst>
+                </a:gridCol>
+                <a:gridCol w="638810">
+                  <a:extLst>
+                    <a:ext uri="{9D8B030D-6E8A-4147-A177-3AD203B41FA5}">
+                      <a16:colId xmlns:a16="http://schemas.microsoft.com/office/drawing/2014/main" val="983598546"/>
+                    </a:ext>
+                  </a:extLst>
+                </a:gridCol>
+                <a:gridCol w="435610">
+                  <a:extLst>
+                    <a:ext uri="{9D8B030D-6E8A-4147-A177-3AD203B41FA5}">
+                      <a16:colId xmlns:a16="http://schemas.microsoft.com/office/drawing/2014/main" val="3318529221"/>
+                    </a:ext>
+                  </a:extLst>
+                </a:gridCol>
+                <a:gridCol w="477520">
+                  <a:extLst>
+                    <a:ext uri="{9D8B030D-6E8A-4147-A177-3AD203B41FA5}">
+                      <a16:colId xmlns:a16="http://schemas.microsoft.com/office/drawing/2014/main" val="4117782446"/>
+                    </a:ext>
+                  </a:extLst>
+                </a:gridCol>
+                <a:gridCol w="641350">
+                  <a:extLst>
+                    <a:ext uri="{9D8B030D-6E8A-4147-A177-3AD203B41FA5}">
+                      <a16:colId xmlns:a16="http://schemas.microsoft.com/office/drawing/2014/main" val="2049943392"/>
+                    </a:ext>
+                  </a:extLst>
+                </a:gridCol>
+              </a:tblGrid>
+              <a:tr h="190500">
+                <a:tc>
+                  <a:txBody>
+                    <a:bodyPr/>
+                    <a:lstStyle/>
+                    <a:p>
+                      <a:pPr>
+                        <a:lnSpc>
+                          <a:spcPct val="107000"/>
+                        </a:lnSpc>
+                      </a:pPr>
+                      <a:endParaRPr lang="en-IL" sz="1100" kern="100">
+                        <a:effectLst/>
+                        <a:latin typeface="Aptos" panose="020B0004020202020204" pitchFamily="34" charset="0"/>
+                      </a:endParaRPr>
+                    </a:p>
+                  </a:txBody>
+                  <a:tcPr marL="68580" marR="68580" marT="0" marB="0" anchor="b"/>
+                </a:tc>
+                <a:tc gridSpan="6">
+                  <a:txBody>
+                    <a:bodyPr/>
+                    <a:lstStyle/>
+                    <a:p>
+                      <a:pPr algn="ctr">
+                        <a:lnSpc>
+                          <a:spcPct val="107000"/>
+                        </a:lnSpc>
+                        <a:spcAft>
+                          <a:spcPts val="800"/>
+                        </a:spcAft>
+                      </a:pPr>
+                      <a:r>
+                        <a:rPr lang="en-IL" sz="1100" kern="0">
+                          <a:effectLst/>
+                        </a:rPr>
+                        <a:t>Fault 0</a:t>
+                      </a:r>
+                      <a:endParaRPr lang="en-IL" sz="1100" kern="100">
+                        <a:effectLst/>
+                        <a:latin typeface="Aptos" panose="020B0004020202020204" pitchFamily="34" charset="0"/>
+                        <a:ea typeface="Aptos" panose="020B0004020202020204" pitchFamily="34" charset="0"/>
+                        <a:cs typeface="Arial" panose="020B0604020202020204" pitchFamily="34" charset="0"/>
+                      </a:endParaRPr>
+                    </a:p>
+                  </a:txBody>
+                  <a:tcPr marL="68580" marR="68580" marT="0" marB="0" anchor="b"/>
+                </a:tc>
+                <a:tc hMerge="1">
+                  <a:txBody>
+                    <a:bodyPr/>
+                    <a:lstStyle/>
+                    <a:p>
+                      <a:endParaRPr lang="en-IL"/>
+                    </a:p>
+                  </a:txBody>
+                  <a:tcPr/>
+                </a:tc>
+                <a:tc hMerge="1">
+                  <a:txBody>
+                    <a:bodyPr/>
+                    <a:lstStyle/>
+                    <a:p>
+                      <a:endParaRPr lang="en-IL"/>
+                    </a:p>
+                  </a:txBody>
+                  <a:tcPr/>
+                </a:tc>
+                <a:tc hMerge="1">
+                  <a:txBody>
+                    <a:bodyPr/>
+                    <a:lstStyle/>
+                    <a:p>
+                      <a:endParaRPr lang="en-IL"/>
+                    </a:p>
+                  </a:txBody>
+                  <a:tcPr/>
+                </a:tc>
+                <a:tc hMerge="1">
+                  <a:txBody>
+                    <a:bodyPr/>
+                    <a:lstStyle/>
+                    <a:p>
+                      <a:endParaRPr lang="en-IL"/>
+                    </a:p>
+                  </a:txBody>
+                  <a:tcPr/>
+                </a:tc>
+                <a:tc hMerge="1">
+                  <a:txBody>
+                    <a:bodyPr/>
+                    <a:lstStyle/>
+                    <a:p>
+                      <a:endParaRPr lang="en-IL"/>
+                    </a:p>
+                  </a:txBody>
+                  <a:tcPr/>
+                </a:tc>
+                <a:extLst>
+                  <a:ext uri="{0D108BD9-81ED-4DB2-BD59-A6C34878D82A}">
+                    <a16:rowId xmlns:a16="http://schemas.microsoft.com/office/drawing/2014/main" val="1848535884"/>
+                  </a:ext>
+                </a:extLst>
+              </a:tr>
+              <a:tr h="190500">
+                <a:tc>
+                  <a:txBody>
+                    <a:bodyPr/>
+                    <a:lstStyle/>
+                    <a:p>
+                      <a:pPr>
+                        <a:lnSpc>
+                          <a:spcPct val="107000"/>
+                        </a:lnSpc>
+                      </a:pPr>
+                      <a:endParaRPr lang="en-IL" sz="1100" kern="100">
+                        <a:effectLst/>
+                        <a:latin typeface="Aptos" panose="020B0004020202020204" pitchFamily="34" charset="0"/>
+                      </a:endParaRPr>
+                    </a:p>
+                  </a:txBody>
+                  <a:tcPr marL="68580" marR="68580" marT="0" marB="0" anchor="b"/>
+                </a:tc>
+                <a:tc>
+                  <a:txBody>
+                    <a:bodyPr/>
+                    <a:lstStyle/>
+                    <a:p>
+                      <a:pPr>
+                        <a:lnSpc>
+                          <a:spcPct val="107000"/>
+                        </a:lnSpc>
+                        <a:spcAft>
+                          <a:spcPts val="800"/>
+                        </a:spcAft>
+                      </a:pPr>
+                      <a:r>
+                        <a:rPr lang="en-IL" sz="1100" kern="0">
+                          <a:effectLst/>
+                        </a:rPr>
+                        <a:t>mean</a:t>
+                      </a:r>
+                      <a:endParaRPr lang="en-IL" sz="1100" kern="100">
+                        <a:effectLst/>
+                        <a:latin typeface="Aptos" panose="020B0004020202020204" pitchFamily="34" charset="0"/>
+                        <a:ea typeface="Aptos" panose="020B0004020202020204" pitchFamily="34" charset="0"/>
+                        <a:cs typeface="Arial" panose="020B0604020202020204" pitchFamily="34" charset="0"/>
+                      </a:endParaRPr>
+                    </a:p>
+                  </a:txBody>
+                  <a:tcPr marL="68580" marR="68580" marT="0" marB="0" anchor="b"/>
+                </a:tc>
+                <a:tc>
+                  <a:txBody>
+                    <a:bodyPr/>
+                    <a:lstStyle/>
+                    <a:p>
+                      <a:pPr>
+                        <a:lnSpc>
+                          <a:spcPct val="107000"/>
+                        </a:lnSpc>
+                        <a:spcAft>
+                          <a:spcPts val="800"/>
+                        </a:spcAft>
+                      </a:pPr>
+                      <a:r>
+                        <a:rPr lang="en-IL" sz="1100" kern="0">
+                          <a:effectLst/>
+                        </a:rPr>
+                        <a:t>median</a:t>
+                      </a:r>
+                      <a:endParaRPr lang="en-IL" sz="1100" kern="100">
+                        <a:effectLst/>
+                        <a:latin typeface="Aptos" panose="020B0004020202020204" pitchFamily="34" charset="0"/>
+                        <a:ea typeface="Aptos" panose="020B0004020202020204" pitchFamily="34" charset="0"/>
+                        <a:cs typeface="Arial" panose="020B0604020202020204" pitchFamily="34" charset="0"/>
+                      </a:endParaRPr>
+                    </a:p>
+                  </a:txBody>
+                  <a:tcPr marL="68580" marR="68580" marT="0" marB="0" anchor="b"/>
+                </a:tc>
+                <a:tc>
+                  <a:txBody>
+                    <a:bodyPr/>
+                    <a:lstStyle/>
+                    <a:p>
+                      <a:pPr>
+                        <a:lnSpc>
+                          <a:spcPct val="107000"/>
+                        </a:lnSpc>
+                        <a:spcAft>
+                          <a:spcPts val="800"/>
+                        </a:spcAft>
+                      </a:pPr>
+                      <a:r>
+                        <a:rPr lang="en-IL" sz="1100" kern="0">
+                          <a:effectLst/>
+                        </a:rPr>
+                        <a:t>std</a:t>
+                      </a:r>
+                      <a:endParaRPr lang="en-IL" sz="1100" kern="100">
+                        <a:effectLst/>
+                        <a:latin typeface="Aptos" panose="020B0004020202020204" pitchFamily="34" charset="0"/>
+                        <a:ea typeface="Aptos" panose="020B0004020202020204" pitchFamily="34" charset="0"/>
+                        <a:cs typeface="Arial" panose="020B0604020202020204" pitchFamily="34" charset="0"/>
+                      </a:endParaRPr>
+                    </a:p>
+                  </a:txBody>
+                  <a:tcPr marL="68580" marR="68580" marT="0" marB="0" anchor="b"/>
+                </a:tc>
+                <a:tc>
+                  <a:txBody>
+                    <a:bodyPr/>
+                    <a:lstStyle/>
+                    <a:p>
+                      <a:pPr>
+                        <a:lnSpc>
+                          <a:spcPct val="107000"/>
+                        </a:lnSpc>
+                        <a:spcAft>
+                          <a:spcPts val="800"/>
+                        </a:spcAft>
+                      </a:pPr>
+                      <a:r>
+                        <a:rPr lang="en-IL" sz="1100" kern="0">
+                          <a:effectLst/>
+                        </a:rPr>
+                        <a:t>min</a:t>
+                      </a:r>
+                      <a:endParaRPr lang="en-IL" sz="1100" kern="100">
+                        <a:effectLst/>
+                        <a:latin typeface="Aptos" panose="020B0004020202020204" pitchFamily="34" charset="0"/>
+                        <a:ea typeface="Aptos" panose="020B0004020202020204" pitchFamily="34" charset="0"/>
+                        <a:cs typeface="Arial" panose="020B0604020202020204" pitchFamily="34" charset="0"/>
+                      </a:endParaRPr>
+                    </a:p>
+                  </a:txBody>
+                  <a:tcPr marL="68580" marR="68580" marT="0" marB="0" anchor="b"/>
+                </a:tc>
+                <a:tc>
+                  <a:txBody>
+                    <a:bodyPr/>
+                    <a:lstStyle/>
+                    <a:p>
+                      <a:pPr>
+                        <a:lnSpc>
+                          <a:spcPct val="107000"/>
+                        </a:lnSpc>
+                        <a:spcAft>
+                          <a:spcPts val="800"/>
+                        </a:spcAft>
+                      </a:pPr>
+                      <a:r>
+                        <a:rPr lang="en-IL" sz="1100" kern="0">
+                          <a:effectLst/>
+                          <a:highlight>
+                            <a:srgbClr val="00FF00"/>
+                          </a:highlight>
+                        </a:rPr>
+                        <a:t>max</a:t>
+                      </a:r>
+                      <a:endParaRPr lang="en-IL" sz="1100" kern="100">
+                        <a:effectLst/>
+                        <a:latin typeface="Aptos" panose="020B0004020202020204" pitchFamily="34" charset="0"/>
+                        <a:ea typeface="Aptos" panose="020B0004020202020204" pitchFamily="34" charset="0"/>
+                        <a:cs typeface="Arial" panose="020B0604020202020204" pitchFamily="34" charset="0"/>
+                      </a:endParaRPr>
+                    </a:p>
+                  </a:txBody>
+                  <a:tcPr marL="68580" marR="68580" marT="0" marB="0" anchor="b"/>
+                </a:tc>
+                <a:tc>
+                  <a:txBody>
+                    <a:bodyPr/>
+                    <a:lstStyle/>
+                    <a:p>
+                      <a:pPr>
+                        <a:lnSpc>
+                          <a:spcPct val="107000"/>
+                        </a:lnSpc>
+                        <a:spcAft>
+                          <a:spcPts val="800"/>
+                        </a:spcAft>
+                      </a:pPr>
+                      <a:r>
+                        <a:rPr lang="en-IL" sz="1100" kern="0">
+                          <a:effectLst/>
+                          <a:highlight>
+                            <a:srgbClr val="FFFF00"/>
+                          </a:highlight>
+                        </a:rPr>
+                        <a:t>count</a:t>
+                      </a:r>
+                      <a:endParaRPr lang="en-IL" sz="1100" kern="100">
+                        <a:effectLst/>
+                        <a:latin typeface="Aptos" panose="020B0004020202020204" pitchFamily="34" charset="0"/>
+                        <a:ea typeface="Aptos" panose="020B0004020202020204" pitchFamily="34" charset="0"/>
+                        <a:cs typeface="Arial" panose="020B0604020202020204" pitchFamily="34" charset="0"/>
+                      </a:endParaRPr>
+                    </a:p>
+                  </a:txBody>
+                  <a:tcPr marL="68580" marR="68580" marT="0" marB="0" anchor="b"/>
+                </a:tc>
+                <a:extLst>
+                  <a:ext uri="{0D108BD9-81ED-4DB2-BD59-A6C34878D82A}">
+                    <a16:rowId xmlns:a16="http://schemas.microsoft.com/office/drawing/2014/main" val="2665377467"/>
+                  </a:ext>
+                </a:extLst>
+              </a:tr>
+              <a:tr h="190500">
+                <a:tc>
+                  <a:txBody>
+                    <a:bodyPr/>
+                    <a:lstStyle/>
+                    <a:p>
+                      <a:pPr>
+                        <a:lnSpc>
+                          <a:spcPct val="107000"/>
+                        </a:lnSpc>
+                        <a:spcAft>
+                          <a:spcPts val="800"/>
+                        </a:spcAft>
+                      </a:pPr>
+                      <a:r>
+                        <a:rPr lang="en-IL" sz="1100" kern="0">
+                          <a:effectLst/>
+                        </a:rPr>
+                        <a:t>Voltage_main</a:t>
+                      </a:r>
+                      <a:endParaRPr lang="en-IL" sz="1100" kern="100">
+                        <a:effectLst/>
+                        <a:latin typeface="Aptos" panose="020B0004020202020204" pitchFamily="34" charset="0"/>
+                        <a:ea typeface="Aptos" panose="020B0004020202020204" pitchFamily="34" charset="0"/>
+                        <a:cs typeface="Arial" panose="020B0604020202020204" pitchFamily="34" charset="0"/>
+                      </a:endParaRPr>
+                    </a:p>
+                  </a:txBody>
+                  <a:tcPr marL="68580" marR="68580" marT="0" marB="0" anchor="b"/>
+                </a:tc>
+                <a:tc>
+                  <a:txBody>
+                    <a:bodyPr/>
+                    <a:lstStyle/>
+                    <a:p>
+                      <a:pPr algn="r">
+                        <a:lnSpc>
+                          <a:spcPct val="107000"/>
+                        </a:lnSpc>
+                        <a:spcAft>
+                          <a:spcPts val="800"/>
+                        </a:spcAft>
+                      </a:pPr>
+                      <a:r>
+                        <a:rPr lang="en-IL" sz="1100" kern="0">
+                          <a:effectLst/>
+                        </a:rPr>
+                        <a:t>43.7</a:t>
+                      </a:r>
+                      <a:endParaRPr lang="en-IL" sz="1100" kern="100">
+                        <a:effectLst/>
+                        <a:latin typeface="Aptos" panose="020B0004020202020204" pitchFamily="34" charset="0"/>
+                        <a:ea typeface="Aptos" panose="020B0004020202020204" pitchFamily="34" charset="0"/>
+                        <a:cs typeface="Arial" panose="020B0604020202020204" pitchFamily="34" charset="0"/>
+                      </a:endParaRPr>
+                    </a:p>
+                  </a:txBody>
+                  <a:tcPr marL="68580" marR="68580" marT="0" marB="0" anchor="b"/>
+                </a:tc>
+                <a:tc>
+                  <a:txBody>
+                    <a:bodyPr/>
+                    <a:lstStyle/>
+                    <a:p>
+                      <a:pPr algn="r">
+                        <a:lnSpc>
+                          <a:spcPct val="107000"/>
+                        </a:lnSpc>
+                        <a:spcAft>
+                          <a:spcPts val="800"/>
+                        </a:spcAft>
+                      </a:pPr>
+                      <a:r>
+                        <a:rPr lang="en-IL" sz="1100" kern="0">
+                          <a:effectLst/>
+                        </a:rPr>
+                        <a:t>8</a:t>
+                      </a:r>
+                      <a:endParaRPr lang="en-IL" sz="1100" kern="100">
+                        <a:effectLst/>
+                        <a:latin typeface="Aptos" panose="020B0004020202020204" pitchFamily="34" charset="0"/>
+                        <a:ea typeface="Aptos" panose="020B0004020202020204" pitchFamily="34" charset="0"/>
+                        <a:cs typeface="Arial" panose="020B0604020202020204" pitchFamily="34" charset="0"/>
+                      </a:endParaRPr>
+                    </a:p>
+                  </a:txBody>
+                  <a:tcPr marL="68580" marR="68580" marT="0" marB="0" anchor="b"/>
+                </a:tc>
+                <a:tc>
+                  <a:txBody>
+                    <a:bodyPr/>
+                    <a:lstStyle/>
+                    <a:p>
+                      <a:pPr algn="r">
+                        <a:lnSpc>
+                          <a:spcPct val="107000"/>
+                        </a:lnSpc>
+                        <a:spcAft>
+                          <a:spcPts val="800"/>
+                        </a:spcAft>
+                      </a:pPr>
+                      <a:r>
+                        <a:rPr lang="en-IL" sz="1100" kern="0">
+                          <a:effectLst/>
+                        </a:rPr>
+                        <a:t>161.9</a:t>
+                      </a:r>
+                      <a:endParaRPr lang="en-IL" sz="1100" kern="100">
+                        <a:effectLst/>
+                        <a:latin typeface="Aptos" panose="020B0004020202020204" pitchFamily="34" charset="0"/>
+                        <a:ea typeface="Aptos" panose="020B0004020202020204" pitchFamily="34" charset="0"/>
+                        <a:cs typeface="Arial" panose="020B0604020202020204" pitchFamily="34" charset="0"/>
+                      </a:endParaRPr>
+                    </a:p>
+                  </a:txBody>
+                  <a:tcPr marL="68580" marR="68580" marT="0" marB="0" anchor="b"/>
+                </a:tc>
+                <a:tc>
+                  <a:txBody>
+                    <a:bodyPr/>
+                    <a:lstStyle/>
+                    <a:p>
+                      <a:pPr algn="r">
+                        <a:lnSpc>
+                          <a:spcPct val="107000"/>
+                        </a:lnSpc>
+                        <a:spcAft>
+                          <a:spcPts val="800"/>
+                        </a:spcAft>
+                      </a:pPr>
+                      <a:r>
+                        <a:rPr lang="en-IL" sz="1100" kern="0">
+                          <a:effectLst/>
+                        </a:rPr>
+                        <a:t>7</a:t>
+                      </a:r>
+                      <a:endParaRPr lang="en-IL" sz="1100" kern="100">
+                        <a:effectLst/>
+                        <a:latin typeface="Aptos" panose="020B0004020202020204" pitchFamily="34" charset="0"/>
+                        <a:ea typeface="Aptos" panose="020B0004020202020204" pitchFamily="34" charset="0"/>
+                        <a:cs typeface="Arial" panose="020B0604020202020204" pitchFamily="34" charset="0"/>
+                      </a:endParaRPr>
+                    </a:p>
+                  </a:txBody>
+                  <a:tcPr marL="68580" marR="68580" marT="0" marB="0" anchor="b"/>
+                </a:tc>
+                <a:tc>
+                  <a:txBody>
+                    <a:bodyPr/>
+                    <a:lstStyle/>
+                    <a:p>
+                      <a:pPr algn="r">
+                        <a:lnSpc>
+                          <a:spcPct val="107000"/>
+                        </a:lnSpc>
+                        <a:spcAft>
+                          <a:spcPts val="800"/>
+                        </a:spcAft>
+                      </a:pPr>
+                      <a:r>
+                        <a:rPr lang="en-IL" sz="1100" kern="0">
+                          <a:effectLst/>
+                          <a:highlight>
+                            <a:srgbClr val="00FF00"/>
+                          </a:highlight>
+                        </a:rPr>
+                        <a:t>850</a:t>
+                      </a:r>
+                      <a:endParaRPr lang="en-IL" sz="1100" kern="100">
+                        <a:effectLst/>
+                        <a:latin typeface="Aptos" panose="020B0004020202020204" pitchFamily="34" charset="0"/>
+                        <a:ea typeface="Aptos" panose="020B0004020202020204" pitchFamily="34" charset="0"/>
+                        <a:cs typeface="Arial" panose="020B0604020202020204" pitchFamily="34" charset="0"/>
+                      </a:endParaRPr>
+                    </a:p>
+                  </a:txBody>
+                  <a:tcPr marL="68580" marR="68580" marT="0" marB="0" anchor="b"/>
+                </a:tc>
+                <a:tc>
+                  <a:txBody>
+                    <a:bodyPr/>
+                    <a:lstStyle/>
+                    <a:p>
+                      <a:pPr algn="r">
+                        <a:lnSpc>
+                          <a:spcPct val="107000"/>
+                        </a:lnSpc>
+                        <a:spcAft>
+                          <a:spcPts val="800"/>
+                        </a:spcAft>
+                      </a:pPr>
+                      <a:r>
+                        <a:rPr lang="en-IL" sz="1100" kern="0">
+                          <a:effectLst/>
+                          <a:highlight>
+                            <a:srgbClr val="FFFF00"/>
+                          </a:highlight>
+                        </a:rPr>
+                        <a:t>4150</a:t>
+                      </a:r>
+                      <a:endParaRPr lang="en-IL" sz="1100" kern="100">
+                        <a:effectLst/>
+                        <a:latin typeface="Aptos" panose="020B0004020202020204" pitchFamily="34" charset="0"/>
+                        <a:ea typeface="Aptos" panose="020B0004020202020204" pitchFamily="34" charset="0"/>
+                        <a:cs typeface="Arial" panose="020B0604020202020204" pitchFamily="34" charset="0"/>
+                      </a:endParaRPr>
+                    </a:p>
+                  </a:txBody>
+                  <a:tcPr marL="68580" marR="68580" marT="0" marB="0" anchor="b"/>
+                </a:tc>
+                <a:extLst>
+                  <a:ext uri="{0D108BD9-81ED-4DB2-BD59-A6C34878D82A}">
+                    <a16:rowId xmlns:a16="http://schemas.microsoft.com/office/drawing/2014/main" val="3288543495"/>
+                  </a:ext>
+                </a:extLst>
+              </a:tr>
+              <a:tr h="190500">
+                <a:tc>
+                  <a:txBody>
+                    <a:bodyPr/>
+                    <a:lstStyle/>
+                    <a:p>
+                      <a:pPr>
+                        <a:lnSpc>
+                          <a:spcPct val="107000"/>
+                        </a:lnSpc>
+                        <a:spcAft>
+                          <a:spcPts val="800"/>
+                        </a:spcAft>
+                      </a:pPr>
+                      <a:r>
+                        <a:rPr lang="en-IL" sz="1100" kern="0">
+                          <a:effectLst/>
+                        </a:rPr>
+                        <a:t>Voltage_secondary</a:t>
+                      </a:r>
+                      <a:endParaRPr lang="en-IL" sz="1100" kern="100">
+                        <a:effectLst/>
+                        <a:latin typeface="Aptos" panose="020B0004020202020204" pitchFamily="34" charset="0"/>
+                        <a:ea typeface="Aptos" panose="020B0004020202020204" pitchFamily="34" charset="0"/>
+                        <a:cs typeface="Arial" panose="020B0604020202020204" pitchFamily="34" charset="0"/>
+                      </a:endParaRPr>
+                    </a:p>
+                  </a:txBody>
+                  <a:tcPr marL="68580" marR="68580" marT="0" marB="0" anchor="b"/>
+                </a:tc>
+                <a:tc>
+                  <a:txBody>
+                    <a:bodyPr/>
+                    <a:lstStyle/>
+                    <a:p>
+                      <a:pPr algn="r">
+                        <a:lnSpc>
+                          <a:spcPct val="107000"/>
+                        </a:lnSpc>
+                        <a:spcAft>
+                          <a:spcPts val="800"/>
+                        </a:spcAft>
+                      </a:pPr>
+                      <a:r>
+                        <a:rPr lang="en-IL" sz="1100" kern="0">
+                          <a:effectLst/>
+                        </a:rPr>
+                        <a:t>548.6</a:t>
+                      </a:r>
+                      <a:endParaRPr lang="en-IL" sz="1100" kern="100">
+                        <a:effectLst/>
+                        <a:latin typeface="Aptos" panose="020B0004020202020204" pitchFamily="34" charset="0"/>
+                        <a:ea typeface="Aptos" panose="020B0004020202020204" pitchFamily="34" charset="0"/>
+                        <a:cs typeface="Arial" panose="020B0604020202020204" pitchFamily="34" charset="0"/>
+                      </a:endParaRPr>
+                    </a:p>
+                  </a:txBody>
+                  <a:tcPr marL="68580" marR="68580" marT="0" marB="0" anchor="b"/>
+                </a:tc>
+                <a:tc>
+                  <a:txBody>
+                    <a:bodyPr/>
+                    <a:lstStyle/>
+                    <a:p>
+                      <a:pPr algn="r">
+                        <a:lnSpc>
+                          <a:spcPct val="107000"/>
+                        </a:lnSpc>
+                        <a:spcAft>
+                          <a:spcPts val="800"/>
+                        </a:spcAft>
+                      </a:pPr>
+                      <a:r>
+                        <a:rPr lang="en-IL" sz="1100" kern="0">
+                          <a:effectLst/>
+                        </a:rPr>
+                        <a:t>578</a:t>
+                      </a:r>
+                      <a:endParaRPr lang="en-IL" sz="1100" kern="100">
+                        <a:effectLst/>
+                        <a:latin typeface="Aptos" panose="020B0004020202020204" pitchFamily="34" charset="0"/>
+                        <a:ea typeface="Aptos" panose="020B0004020202020204" pitchFamily="34" charset="0"/>
+                        <a:cs typeface="Arial" panose="020B0604020202020204" pitchFamily="34" charset="0"/>
+                      </a:endParaRPr>
+                    </a:p>
+                  </a:txBody>
+                  <a:tcPr marL="68580" marR="68580" marT="0" marB="0" anchor="b"/>
+                </a:tc>
+                <a:tc>
+                  <a:txBody>
+                    <a:bodyPr/>
+                    <a:lstStyle/>
+                    <a:p>
+                      <a:pPr algn="r">
+                        <a:lnSpc>
+                          <a:spcPct val="107000"/>
+                        </a:lnSpc>
+                        <a:spcAft>
+                          <a:spcPts val="800"/>
+                        </a:spcAft>
+                      </a:pPr>
+                      <a:r>
+                        <a:rPr lang="en-IL" sz="1100" kern="0">
+                          <a:effectLst/>
+                        </a:rPr>
+                        <a:t>285.7</a:t>
+                      </a:r>
+                      <a:endParaRPr lang="en-IL" sz="1100" kern="100">
+                        <a:effectLst/>
+                        <a:latin typeface="Aptos" panose="020B0004020202020204" pitchFamily="34" charset="0"/>
+                        <a:ea typeface="Aptos" panose="020B0004020202020204" pitchFamily="34" charset="0"/>
+                        <a:cs typeface="Arial" panose="020B0604020202020204" pitchFamily="34" charset="0"/>
+                      </a:endParaRPr>
+                    </a:p>
+                  </a:txBody>
+                  <a:tcPr marL="68580" marR="68580" marT="0" marB="0" anchor="b"/>
+                </a:tc>
+                <a:tc>
+                  <a:txBody>
+                    <a:bodyPr/>
+                    <a:lstStyle/>
+                    <a:p>
+                      <a:pPr algn="r">
+                        <a:lnSpc>
+                          <a:spcPct val="107000"/>
+                        </a:lnSpc>
+                        <a:spcAft>
+                          <a:spcPts val="800"/>
+                        </a:spcAft>
+                      </a:pPr>
+                      <a:r>
+                        <a:rPr lang="en-IL" sz="1100" kern="0">
+                          <a:effectLst/>
+                        </a:rPr>
+                        <a:t>0</a:t>
+                      </a:r>
+                      <a:endParaRPr lang="en-IL" sz="1100" kern="100">
+                        <a:effectLst/>
+                        <a:latin typeface="Aptos" panose="020B0004020202020204" pitchFamily="34" charset="0"/>
+                        <a:ea typeface="Aptos" panose="020B0004020202020204" pitchFamily="34" charset="0"/>
+                        <a:cs typeface="Arial" panose="020B0604020202020204" pitchFamily="34" charset="0"/>
+                      </a:endParaRPr>
+                    </a:p>
+                  </a:txBody>
+                  <a:tcPr marL="68580" marR="68580" marT="0" marB="0" anchor="b"/>
+                </a:tc>
+                <a:tc>
+                  <a:txBody>
+                    <a:bodyPr/>
+                    <a:lstStyle/>
+                    <a:p>
+                      <a:pPr algn="r">
+                        <a:lnSpc>
+                          <a:spcPct val="107000"/>
+                        </a:lnSpc>
+                        <a:spcAft>
+                          <a:spcPts val="800"/>
+                        </a:spcAft>
+                      </a:pPr>
+                      <a:r>
+                        <a:rPr lang="en-IL" sz="1100" kern="0">
+                          <a:effectLst/>
+                          <a:highlight>
+                            <a:srgbClr val="00FF00"/>
+                          </a:highlight>
+                        </a:rPr>
+                        <a:t>999</a:t>
+                      </a:r>
+                      <a:endParaRPr lang="en-IL" sz="1100" kern="100">
+                        <a:effectLst/>
+                        <a:latin typeface="Aptos" panose="020B0004020202020204" pitchFamily="34" charset="0"/>
+                        <a:ea typeface="Aptos" panose="020B0004020202020204" pitchFamily="34" charset="0"/>
+                        <a:cs typeface="Arial" panose="020B0604020202020204" pitchFamily="34" charset="0"/>
+                      </a:endParaRPr>
+                    </a:p>
+                  </a:txBody>
+                  <a:tcPr marL="68580" marR="68580" marT="0" marB="0" anchor="b"/>
+                </a:tc>
+                <a:tc>
+                  <a:txBody>
+                    <a:bodyPr/>
+                    <a:lstStyle/>
+                    <a:p>
+                      <a:pPr algn="r">
+                        <a:lnSpc>
+                          <a:spcPct val="107000"/>
+                        </a:lnSpc>
+                        <a:spcAft>
+                          <a:spcPts val="800"/>
+                        </a:spcAft>
+                      </a:pPr>
+                      <a:r>
+                        <a:rPr lang="en-IL" sz="1100" kern="0">
+                          <a:effectLst/>
+                          <a:highlight>
+                            <a:srgbClr val="FFFF00"/>
+                          </a:highlight>
+                        </a:rPr>
+                        <a:t>4150</a:t>
+                      </a:r>
+                      <a:endParaRPr lang="en-IL" sz="1100" kern="100">
+                        <a:effectLst/>
+                        <a:latin typeface="Aptos" panose="020B0004020202020204" pitchFamily="34" charset="0"/>
+                        <a:ea typeface="Aptos" panose="020B0004020202020204" pitchFamily="34" charset="0"/>
+                        <a:cs typeface="Arial" panose="020B0604020202020204" pitchFamily="34" charset="0"/>
+                      </a:endParaRPr>
+                    </a:p>
+                  </a:txBody>
+                  <a:tcPr marL="68580" marR="68580" marT="0" marB="0" anchor="b"/>
+                </a:tc>
+                <a:extLst>
+                  <a:ext uri="{0D108BD9-81ED-4DB2-BD59-A6C34878D82A}">
+                    <a16:rowId xmlns:a16="http://schemas.microsoft.com/office/drawing/2014/main" val="136158208"/>
+                  </a:ext>
+                </a:extLst>
+              </a:tr>
+              <a:tr h="190500">
+                <a:tc>
+                  <a:txBody>
+                    <a:bodyPr/>
+                    <a:lstStyle/>
+                    <a:p>
+                      <a:pPr>
+                        <a:lnSpc>
+                          <a:spcPct val="107000"/>
+                        </a:lnSpc>
+                        <a:spcAft>
+                          <a:spcPts val="800"/>
+                        </a:spcAft>
+                      </a:pPr>
+                      <a:r>
+                        <a:rPr lang="en-IL" sz="1100" kern="0">
+                          <a:effectLst/>
+                        </a:rPr>
+                        <a:t>Current_main</a:t>
+                      </a:r>
+                      <a:endParaRPr lang="en-IL" sz="1100" kern="100">
+                        <a:effectLst/>
+                        <a:latin typeface="Aptos" panose="020B0004020202020204" pitchFamily="34" charset="0"/>
+                        <a:ea typeface="Aptos" panose="020B0004020202020204" pitchFamily="34" charset="0"/>
+                        <a:cs typeface="Arial" panose="020B0604020202020204" pitchFamily="34" charset="0"/>
+                      </a:endParaRPr>
+                    </a:p>
+                  </a:txBody>
+                  <a:tcPr marL="68580" marR="68580" marT="0" marB="0" anchor="b"/>
+                </a:tc>
+                <a:tc>
+                  <a:txBody>
+                    <a:bodyPr/>
+                    <a:lstStyle/>
+                    <a:p>
+                      <a:pPr algn="r">
+                        <a:lnSpc>
+                          <a:spcPct val="107000"/>
+                        </a:lnSpc>
+                        <a:spcAft>
+                          <a:spcPts val="800"/>
+                        </a:spcAft>
+                      </a:pPr>
+                      <a:r>
+                        <a:rPr lang="en-IL" sz="1100" kern="0">
+                          <a:effectLst/>
+                        </a:rPr>
+                        <a:t>12.9</a:t>
+                      </a:r>
+                      <a:endParaRPr lang="en-IL" sz="1100" kern="100">
+                        <a:effectLst/>
+                        <a:latin typeface="Aptos" panose="020B0004020202020204" pitchFamily="34" charset="0"/>
+                        <a:ea typeface="Aptos" panose="020B0004020202020204" pitchFamily="34" charset="0"/>
+                        <a:cs typeface="Arial" panose="020B0604020202020204" pitchFamily="34" charset="0"/>
+                      </a:endParaRPr>
+                    </a:p>
+                  </a:txBody>
+                  <a:tcPr marL="68580" marR="68580" marT="0" marB="0" anchor="b"/>
+                </a:tc>
+                <a:tc>
+                  <a:txBody>
+                    <a:bodyPr/>
+                    <a:lstStyle/>
+                    <a:p>
+                      <a:pPr algn="r">
+                        <a:lnSpc>
+                          <a:spcPct val="107000"/>
+                        </a:lnSpc>
+                        <a:spcAft>
+                          <a:spcPts val="800"/>
+                        </a:spcAft>
+                      </a:pPr>
+                      <a:r>
+                        <a:rPr lang="en-IL" sz="1100" kern="0">
+                          <a:effectLst/>
+                        </a:rPr>
+                        <a:t>7</a:t>
+                      </a:r>
+                      <a:endParaRPr lang="en-IL" sz="1100" kern="100">
+                        <a:effectLst/>
+                        <a:latin typeface="Aptos" panose="020B0004020202020204" pitchFamily="34" charset="0"/>
+                        <a:ea typeface="Aptos" panose="020B0004020202020204" pitchFamily="34" charset="0"/>
+                        <a:cs typeface="Arial" panose="020B0604020202020204" pitchFamily="34" charset="0"/>
+                      </a:endParaRPr>
+                    </a:p>
+                  </a:txBody>
+                  <a:tcPr marL="68580" marR="68580" marT="0" marB="0" anchor="b"/>
+                </a:tc>
+                <a:tc>
+                  <a:txBody>
+                    <a:bodyPr/>
+                    <a:lstStyle/>
+                    <a:p>
+                      <a:pPr algn="r">
+                        <a:lnSpc>
+                          <a:spcPct val="107000"/>
+                        </a:lnSpc>
+                        <a:spcAft>
+                          <a:spcPts val="800"/>
+                        </a:spcAft>
+                      </a:pPr>
+                      <a:r>
+                        <a:rPr lang="en-IL" sz="1100" kern="0">
+                          <a:effectLst/>
+                        </a:rPr>
+                        <a:t>16.8</a:t>
+                      </a:r>
+                      <a:endParaRPr lang="en-IL" sz="1100" kern="100">
+                        <a:effectLst/>
+                        <a:latin typeface="Aptos" panose="020B0004020202020204" pitchFamily="34" charset="0"/>
+                        <a:ea typeface="Aptos" panose="020B0004020202020204" pitchFamily="34" charset="0"/>
+                        <a:cs typeface="Arial" panose="020B0604020202020204" pitchFamily="34" charset="0"/>
+                      </a:endParaRPr>
+                    </a:p>
+                  </a:txBody>
+                  <a:tcPr marL="68580" marR="68580" marT="0" marB="0" anchor="b"/>
+                </a:tc>
+                <a:tc>
+                  <a:txBody>
+                    <a:bodyPr/>
+                    <a:lstStyle/>
+                    <a:p>
+                      <a:pPr algn="r">
+                        <a:lnSpc>
+                          <a:spcPct val="107000"/>
+                        </a:lnSpc>
+                        <a:spcAft>
+                          <a:spcPts val="800"/>
+                        </a:spcAft>
+                      </a:pPr>
+                      <a:r>
+                        <a:rPr lang="en-IL" sz="1100" kern="0">
+                          <a:effectLst/>
+                        </a:rPr>
+                        <a:t>1</a:t>
+                      </a:r>
+                      <a:endParaRPr lang="en-IL" sz="1100" kern="100">
+                        <a:effectLst/>
+                        <a:latin typeface="Aptos" panose="020B0004020202020204" pitchFamily="34" charset="0"/>
+                        <a:ea typeface="Aptos" panose="020B0004020202020204" pitchFamily="34" charset="0"/>
+                        <a:cs typeface="Arial" panose="020B0604020202020204" pitchFamily="34" charset="0"/>
+                      </a:endParaRPr>
+                    </a:p>
+                  </a:txBody>
+                  <a:tcPr marL="68580" marR="68580" marT="0" marB="0" anchor="b"/>
+                </a:tc>
+                <a:tc>
+                  <a:txBody>
+                    <a:bodyPr/>
+                    <a:lstStyle/>
+                    <a:p>
+                      <a:pPr algn="r">
+                        <a:lnSpc>
+                          <a:spcPct val="107000"/>
+                        </a:lnSpc>
+                        <a:spcAft>
+                          <a:spcPts val="800"/>
+                        </a:spcAft>
+                      </a:pPr>
+                      <a:r>
+                        <a:rPr lang="en-IL" sz="1100" kern="0">
+                          <a:effectLst/>
+                          <a:highlight>
+                            <a:srgbClr val="00FF00"/>
+                          </a:highlight>
+                        </a:rPr>
+                        <a:t>248</a:t>
+                      </a:r>
+                      <a:endParaRPr lang="en-IL" sz="1100" kern="100">
+                        <a:effectLst/>
+                        <a:latin typeface="Aptos" panose="020B0004020202020204" pitchFamily="34" charset="0"/>
+                        <a:ea typeface="Aptos" panose="020B0004020202020204" pitchFamily="34" charset="0"/>
+                        <a:cs typeface="Arial" panose="020B0604020202020204" pitchFamily="34" charset="0"/>
+                      </a:endParaRPr>
+                    </a:p>
+                  </a:txBody>
+                  <a:tcPr marL="68580" marR="68580" marT="0" marB="0" anchor="b"/>
+                </a:tc>
+                <a:tc>
+                  <a:txBody>
+                    <a:bodyPr/>
+                    <a:lstStyle/>
+                    <a:p>
+                      <a:pPr algn="r">
+                        <a:lnSpc>
+                          <a:spcPct val="107000"/>
+                        </a:lnSpc>
+                        <a:spcAft>
+                          <a:spcPts val="800"/>
+                        </a:spcAft>
+                      </a:pPr>
+                      <a:r>
+                        <a:rPr lang="en-IL" sz="1100" kern="0">
+                          <a:effectLst/>
+                          <a:highlight>
+                            <a:srgbClr val="FFFF00"/>
+                          </a:highlight>
+                        </a:rPr>
+                        <a:t>4150</a:t>
+                      </a:r>
+                      <a:endParaRPr lang="en-IL" sz="1100" kern="100">
+                        <a:effectLst/>
+                        <a:latin typeface="Aptos" panose="020B0004020202020204" pitchFamily="34" charset="0"/>
+                        <a:ea typeface="Aptos" panose="020B0004020202020204" pitchFamily="34" charset="0"/>
+                        <a:cs typeface="Arial" panose="020B0604020202020204" pitchFamily="34" charset="0"/>
+                      </a:endParaRPr>
+                    </a:p>
+                  </a:txBody>
+                  <a:tcPr marL="68580" marR="68580" marT="0" marB="0" anchor="b"/>
+                </a:tc>
+                <a:extLst>
+                  <a:ext uri="{0D108BD9-81ED-4DB2-BD59-A6C34878D82A}">
+                    <a16:rowId xmlns:a16="http://schemas.microsoft.com/office/drawing/2014/main" val="1505040136"/>
+                  </a:ext>
+                </a:extLst>
+              </a:tr>
+              <a:tr h="190500">
+                <a:tc>
+                  <a:txBody>
+                    <a:bodyPr/>
+                    <a:lstStyle/>
+                    <a:p>
+                      <a:pPr>
+                        <a:lnSpc>
+                          <a:spcPct val="107000"/>
+                        </a:lnSpc>
+                        <a:spcAft>
+                          <a:spcPts val="800"/>
+                        </a:spcAft>
+                      </a:pPr>
+                      <a:r>
+                        <a:rPr lang="en-IL" sz="1100" kern="0">
+                          <a:effectLst/>
+                        </a:rPr>
+                        <a:t>Current_secondary</a:t>
+                      </a:r>
+                      <a:endParaRPr lang="en-IL" sz="1100" kern="100">
+                        <a:effectLst/>
+                        <a:latin typeface="Aptos" panose="020B0004020202020204" pitchFamily="34" charset="0"/>
+                        <a:ea typeface="Aptos" panose="020B0004020202020204" pitchFamily="34" charset="0"/>
+                        <a:cs typeface="Arial" panose="020B0604020202020204" pitchFamily="34" charset="0"/>
+                      </a:endParaRPr>
+                    </a:p>
+                  </a:txBody>
+                  <a:tcPr marL="68580" marR="68580" marT="0" marB="0" anchor="b"/>
+                </a:tc>
+                <a:tc>
+                  <a:txBody>
+                    <a:bodyPr/>
+                    <a:lstStyle/>
+                    <a:p>
+                      <a:pPr algn="r">
+                        <a:lnSpc>
+                          <a:spcPct val="107000"/>
+                        </a:lnSpc>
+                        <a:spcAft>
+                          <a:spcPts val="800"/>
+                        </a:spcAft>
+                      </a:pPr>
+                      <a:r>
+                        <a:rPr lang="en-IL" sz="1100" kern="0">
+                          <a:effectLst/>
+                        </a:rPr>
+                        <a:t>501.2</a:t>
+                      </a:r>
+                      <a:endParaRPr lang="en-IL" sz="1100" kern="100">
+                        <a:effectLst/>
+                        <a:latin typeface="Aptos" panose="020B0004020202020204" pitchFamily="34" charset="0"/>
+                        <a:ea typeface="Aptos" panose="020B0004020202020204" pitchFamily="34" charset="0"/>
+                        <a:cs typeface="Arial" panose="020B0604020202020204" pitchFamily="34" charset="0"/>
+                      </a:endParaRPr>
+                    </a:p>
+                  </a:txBody>
+                  <a:tcPr marL="68580" marR="68580" marT="0" marB="0" anchor="b"/>
+                </a:tc>
+                <a:tc>
+                  <a:txBody>
+                    <a:bodyPr/>
+                    <a:lstStyle/>
+                    <a:p>
+                      <a:pPr algn="r">
+                        <a:lnSpc>
+                          <a:spcPct val="107000"/>
+                        </a:lnSpc>
+                        <a:spcAft>
+                          <a:spcPts val="800"/>
+                        </a:spcAft>
+                      </a:pPr>
+                      <a:r>
+                        <a:rPr lang="en-IL" sz="1100" kern="0">
+                          <a:effectLst/>
+                        </a:rPr>
+                        <a:t>503</a:t>
+                      </a:r>
+                      <a:endParaRPr lang="en-IL" sz="1100" kern="100">
+                        <a:effectLst/>
+                        <a:latin typeface="Aptos" panose="020B0004020202020204" pitchFamily="34" charset="0"/>
+                        <a:ea typeface="Aptos" panose="020B0004020202020204" pitchFamily="34" charset="0"/>
+                        <a:cs typeface="Arial" panose="020B0604020202020204" pitchFamily="34" charset="0"/>
+                      </a:endParaRPr>
+                    </a:p>
+                  </a:txBody>
+                  <a:tcPr marL="68580" marR="68580" marT="0" marB="0" anchor="b"/>
+                </a:tc>
+                <a:tc>
+                  <a:txBody>
+                    <a:bodyPr/>
+                    <a:lstStyle/>
+                    <a:p>
+                      <a:pPr algn="r">
+                        <a:lnSpc>
+                          <a:spcPct val="107000"/>
+                        </a:lnSpc>
+                        <a:spcAft>
+                          <a:spcPts val="800"/>
+                        </a:spcAft>
+                      </a:pPr>
+                      <a:r>
+                        <a:rPr lang="en-IL" sz="1100" kern="0">
+                          <a:effectLst/>
+                        </a:rPr>
+                        <a:t>288.4</a:t>
+                      </a:r>
+                      <a:endParaRPr lang="en-IL" sz="1100" kern="100">
+                        <a:effectLst/>
+                        <a:latin typeface="Aptos" panose="020B0004020202020204" pitchFamily="34" charset="0"/>
+                        <a:ea typeface="Aptos" panose="020B0004020202020204" pitchFamily="34" charset="0"/>
+                        <a:cs typeface="Arial" panose="020B0604020202020204" pitchFamily="34" charset="0"/>
+                      </a:endParaRPr>
+                    </a:p>
+                  </a:txBody>
+                  <a:tcPr marL="68580" marR="68580" marT="0" marB="0" anchor="b"/>
+                </a:tc>
+                <a:tc>
+                  <a:txBody>
+                    <a:bodyPr/>
+                    <a:lstStyle/>
+                    <a:p>
+                      <a:pPr algn="r">
+                        <a:lnSpc>
+                          <a:spcPct val="107000"/>
+                        </a:lnSpc>
+                        <a:spcAft>
+                          <a:spcPts val="800"/>
+                        </a:spcAft>
+                      </a:pPr>
+                      <a:r>
+                        <a:rPr lang="en-IL" sz="1100" kern="0">
+                          <a:effectLst/>
+                        </a:rPr>
+                        <a:t>0</a:t>
+                      </a:r>
+                      <a:endParaRPr lang="en-IL" sz="1100" kern="100">
+                        <a:effectLst/>
+                        <a:latin typeface="Aptos" panose="020B0004020202020204" pitchFamily="34" charset="0"/>
+                        <a:ea typeface="Aptos" panose="020B0004020202020204" pitchFamily="34" charset="0"/>
+                        <a:cs typeface="Arial" panose="020B0604020202020204" pitchFamily="34" charset="0"/>
+                      </a:endParaRPr>
+                    </a:p>
+                  </a:txBody>
+                  <a:tcPr marL="68580" marR="68580" marT="0" marB="0" anchor="b"/>
+                </a:tc>
+                <a:tc>
+                  <a:txBody>
+                    <a:bodyPr/>
+                    <a:lstStyle/>
+                    <a:p>
+                      <a:pPr algn="r">
+                        <a:lnSpc>
+                          <a:spcPct val="107000"/>
+                        </a:lnSpc>
+                        <a:spcAft>
+                          <a:spcPts val="800"/>
+                        </a:spcAft>
+                      </a:pPr>
+                      <a:r>
+                        <a:rPr lang="en-IL" sz="1100" kern="0">
+                          <a:effectLst/>
+                          <a:highlight>
+                            <a:srgbClr val="00FF00"/>
+                          </a:highlight>
+                        </a:rPr>
+                        <a:t>999</a:t>
+                      </a:r>
+                      <a:endParaRPr lang="en-IL" sz="1100" kern="100">
+                        <a:effectLst/>
+                        <a:latin typeface="Aptos" panose="020B0004020202020204" pitchFamily="34" charset="0"/>
+                        <a:ea typeface="Aptos" panose="020B0004020202020204" pitchFamily="34" charset="0"/>
+                        <a:cs typeface="Arial" panose="020B0604020202020204" pitchFamily="34" charset="0"/>
+                      </a:endParaRPr>
+                    </a:p>
+                  </a:txBody>
+                  <a:tcPr marL="68580" marR="68580" marT="0" marB="0" anchor="b"/>
+                </a:tc>
+                <a:tc>
+                  <a:txBody>
+                    <a:bodyPr/>
+                    <a:lstStyle/>
+                    <a:p>
+                      <a:pPr algn="r">
+                        <a:lnSpc>
+                          <a:spcPct val="107000"/>
+                        </a:lnSpc>
+                        <a:spcAft>
+                          <a:spcPts val="800"/>
+                        </a:spcAft>
+                      </a:pPr>
+                      <a:r>
+                        <a:rPr lang="en-IL" sz="1100" kern="0">
+                          <a:effectLst/>
+                          <a:highlight>
+                            <a:srgbClr val="FFFF00"/>
+                          </a:highlight>
+                        </a:rPr>
+                        <a:t>4150</a:t>
+                      </a:r>
+                      <a:endParaRPr lang="en-IL" sz="1100" kern="100">
+                        <a:effectLst/>
+                        <a:latin typeface="Aptos" panose="020B0004020202020204" pitchFamily="34" charset="0"/>
+                        <a:ea typeface="Aptos" panose="020B0004020202020204" pitchFamily="34" charset="0"/>
+                        <a:cs typeface="Arial" panose="020B0604020202020204" pitchFamily="34" charset="0"/>
+                      </a:endParaRPr>
+                    </a:p>
+                  </a:txBody>
+                  <a:tcPr marL="68580" marR="68580" marT="0" marB="0" anchor="b"/>
+                </a:tc>
+                <a:extLst>
+                  <a:ext uri="{0D108BD9-81ED-4DB2-BD59-A6C34878D82A}">
+                    <a16:rowId xmlns:a16="http://schemas.microsoft.com/office/drawing/2014/main" val="1324417479"/>
+                  </a:ext>
+                </a:extLst>
+              </a:tr>
+              <a:tr h="190500">
+                <a:tc>
+                  <a:txBody>
+                    <a:bodyPr/>
+                    <a:lstStyle/>
+                    <a:p>
+                      <a:pPr>
+                        <a:lnSpc>
+                          <a:spcPct val="107000"/>
+                        </a:lnSpc>
+                        <a:spcAft>
+                          <a:spcPts val="800"/>
+                        </a:spcAft>
+                      </a:pPr>
+                      <a:r>
+                        <a:rPr lang="en-IL" sz="1100" kern="0">
+                          <a:effectLst/>
+                        </a:rPr>
+                        <a:t>Temperature_main</a:t>
+                      </a:r>
+                      <a:endParaRPr lang="en-IL" sz="1100" kern="100">
+                        <a:effectLst/>
+                        <a:latin typeface="Aptos" panose="020B0004020202020204" pitchFamily="34" charset="0"/>
+                        <a:ea typeface="Aptos" panose="020B0004020202020204" pitchFamily="34" charset="0"/>
+                        <a:cs typeface="Arial" panose="020B0604020202020204" pitchFamily="34" charset="0"/>
+                      </a:endParaRPr>
+                    </a:p>
+                  </a:txBody>
+                  <a:tcPr marL="68580" marR="68580" marT="0" marB="0" anchor="b"/>
+                </a:tc>
+                <a:tc>
+                  <a:txBody>
+                    <a:bodyPr/>
+                    <a:lstStyle/>
+                    <a:p>
+                      <a:pPr algn="r">
+                        <a:lnSpc>
+                          <a:spcPct val="107000"/>
+                        </a:lnSpc>
+                        <a:spcAft>
+                          <a:spcPts val="800"/>
+                        </a:spcAft>
+                      </a:pPr>
+                      <a:r>
+                        <a:rPr lang="en-IL" sz="1100" kern="0">
+                          <a:effectLst/>
+                        </a:rPr>
+                        <a:t>16.1</a:t>
+                      </a:r>
+                      <a:endParaRPr lang="en-IL" sz="1100" kern="100">
+                        <a:effectLst/>
+                        <a:latin typeface="Aptos" panose="020B0004020202020204" pitchFamily="34" charset="0"/>
+                        <a:ea typeface="Aptos" panose="020B0004020202020204" pitchFamily="34" charset="0"/>
+                        <a:cs typeface="Arial" panose="020B0604020202020204" pitchFamily="34" charset="0"/>
+                      </a:endParaRPr>
+                    </a:p>
+                  </a:txBody>
+                  <a:tcPr marL="68580" marR="68580" marT="0" marB="0" anchor="b"/>
+                </a:tc>
+                <a:tc>
+                  <a:txBody>
+                    <a:bodyPr/>
+                    <a:lstStyle/>
+                    <a:p>
+                      <a:pPr algn="r">
+                        <a:lnSpc>
+                          <a:spcPct val="107000"/>
+                        </a:lnSpc>
+                        <a:spcAft>
+                          <a:spcPts val="800"/>
+                        </a:spcAft>
+                      </a:pPr>
+                      <a:r>
+                        <a:rPr lang="en-IL" sz="1100" kern="0">
+                          <a:effectLst/>
+                        </a:rPr>
+                        <a:t>8</a:t>
+                      </a:r>
+                      <a:endParaRPr lang="en-IL" sz="1100" kern="100">
+                        <a:effectLst/>
+                        <a:latin typeface="Aptos" panose="020B0004020202020204" pitchFamily="34" charset="0"/>
+                        <a:ea typeface="Aptos" panose="020B0004020202020204" pitchFamily="34" charset="0"/>
+                        <a:cs typeface="Arial" panose="020B0604020202020204" pitchFamily="34" charset="0"/>
+                      </a:endParaRPr>
+                    </a:p>
+                  </a:txBody>
+                  <a:tcPr marL="68580" marR="68580" marT="0" marB="0" anchor="b"/>
+                </a:tc>
+                <a:tc>
+                  <a:txBody>
+                    <a:bodyPr/>
+                    <a:lstStyle/>
+                    <a:p>
+                      <a:pPr algn="r">
+                        <a:lnSpc>
+                          <a:spcPct val="107000"/>
+                        </a:lnSpc>
+                        <a:spcAft>
+                          <a:spcPts val="800"/>
+                        </a:spcAft>
+                      </a:pPr>
+                      <a:r>
+                        <a:rPr lang="en-IL" sz="1100" kern="0">
+                          <a:effectLst/>
+                        </a:rPr>
+                        <a:t>20.1</a:t>
+                      </a:r>
+                      <a:endParaRPr lang="en-IL" sz="1100" kern="100">
+                        <a:effectLst/>
+                        <a:latin typeface="Aptos" panose="020B0004020202020204" pitchFamily="34" charset="0"/>
+                        <a:ea typeface="Aptos" panose="020B0004020202020204" pitchFamily="34" charset="0"/>
+                        <a:cs typeface="Arial" panose="020B0604020202020204" pitchFamily="34" charset="0"/>
+                      </a:endParaRPr>
+                    </a:p>
+                  </a:txBody>
+                  <a:tcPr marL="68580" marR="68580" marT="0" marB="0" anchor="b"/>
+                </a:tc>
+                <a:tc>
+                  <a:txBody>
+                    <a:bodyPr/>
+                    <a:lstStyle/>
+                    <a:p>
+                      <a:pPr algn="r">
+                        <a:lnSpc>
+                          <a:spcPct val="107000"/>
+                        </a:lnSpc>
+                        <a:spcAft>
+                          <a:spcPts val="800"/>
+                        </a:spcAft>
+                      </a:pPr>
+                      <a:r>
+                        <a:rPr lang="en-IL" sz="1100" kern="0">
+                          <a:effectLst/>
+                        </a:rPr>
+                        <a:t>1</a:t>
+                      </a:r>
+                      <a:endParaRPr lang="en-IL" sz="1100" kern="100">
+                        <a:effectLst/>
+                        <a:latin typeface="Aptos" panose="020B0004020202020204" pitchFamily="34" charset="0"/>
+                        <a:ea typeface="Aptos" panose="020B0004020202020204" pitchFamily="34" charset="0"/>
+                        <a:cs typeface="Arial" panose="020B0604020202020204" pitchFamily="34" charset="0"/>
+                      </a:endParaRPr>
+                    </a:p>
+                  </a:txBody>
+                  <a:tcPr marL="68580" marR="68580" marT="0" marB="0" anchor="b"/>
+                </a:tc>
+                <a:tc>
+                  <a:txBody>
+                    <a:bodyPr/>
+                    <a:lstStyle/>
+                    <a:p>
+                      <a:pPr algn="r">
+                        <a:lnSpc>
+                          <a:spcPct val="107000"/>
+                        </a:lnSpc>
+                        <a:spcAft>
+                          <a:spcPts val="800"/>
+                        </a:spcAft>
+                      </a:pPr>
+                      <a:r>
+                        <a:rPr lang="en-IL" sz="1100" kern="0">
+                          <a:effectLst/>
+                          <a:highlight>
+                            <a:srgbClr val="00FF00"/>
+                          </a:highlight>
+                        </a:rPr>
+                        <a:t>245</a:t>
+                      </a:r>
+                      <a:endParaRPr lang="en-IL" sz="1100" kern="100">
+                        <a:effectLst/>
+                        <a:latin typeface="Aptos" panose="020B0004020202020204" pitchFamily="34" charset="0"/>
+                        <a:ea typeface="Aptos" panose="020B0004020202020204" pitchFamily="34" charset="0"/>
+                        <a:cs typeface="Arial" panose="020B0604020202020204" pitchFamily="34" charset="0"/>
+                      </a:endParaRPr>
+                    </a:p>
+                  </a:txBody>
+                  <a:tcPr marL="68580" marR="68580" marT="0" marB="0" anchor="b"/>
+                </a:tc>
+                <a:tc>
+                  <a:txBody>
+                    <a:bodyPr/>
+                    <a:lstStyle/>
+                    <a:p>
+                      <a:pPr algn="r">
+                        <a:lnSpc>
+                          <a:spcPct val="107000"/>
+                        </a:lnSpc>
+                        <a:spcAft>
+                          <a:spcPts val="800"/>
+                        </a:spcAft>
+                      </a:pPr>
+                      <a:r>
+                        <a:rPr lang="en-IL" sz="1100" kern="0">
+                          <a:effectLst/>
+                          <a:highlight>
+                            <a:srgbClr val="FFFF00"/>
+                          </a:highlight>
+                        </a:rPr>
+                        <a:t>4150</a:t>
+                      </a:r>
+                      <a:endParaRPr lang="en-IL" sz="1100" kern="100">
+                        <a:effectLst/>
+                        <a:latin typeface="Aptos" panose="020B0004020202020204" pitchFamily="34" charset="0"/>
+                        <a:ea typeface="Aptos" panose="020B0004020202020204" pitchFamily="34" charset="0"/>
+                        <a:cs typeface="Arial" panose="020B0604020202020204" pitchFamily="34" charset="0"/>
+                      </a:endParaRPr>
+                    </a:p>
+                  </a:txBody>
+                  <a:tcPr marL="68580" marR="68580" marT="0" marB="0" anchor="b"/>
+                </a:tc>
+                <a:extLst>
+                  <a:ext uri="{0D108BD9-81ED-4DB2-BD59-A6C34878D82A}">
+                    <a16:rowId xmlns:a16="http://schemas.microsoft.com/office/drawing/2014/main" val="3715311803"/>
+                  </a:ext>
+                </a:extLst>
+              </a:tr>
+              <a:tr h="190500">
+                <a:tc>
+                  <a:txBody>
+                    <a:bodyPr/>
+                    <a:lstStyle/>
+                    <a:p>
+                      <a:pPr>
+                        <a:lnSpc>
+                          <a:spcPct val="107000"/>
+                        </a:lnSpc>
+                        <a:spcAft>
+                          <a:spcPts val="800"/>
+                        </a:spcAft>
+                      </a:pPr>
+                      <a:r>
+                        <a:rPr lang="en-IL" sz="1100" kern="0">
+                          <a:effectLst/>
+                        </a:rPr>
+                        <a:t>Temperature_secondary</a:t>
+                      </a:r>
+                      <a:endParaRPr lang="en-IL" sz="1100" kern="100">
+                        <a:effectLst/>
+                        <a:latin typeface="Aptos" panose="020B0004020202020204" pitchFamily="34" charset="0"/>
+                        <a:ea typeface="Aptos" panose="020B0004020202020204" pitchFamily="34" charset="0"/>
+                        <a:cs typeface="Arial" panose="020B0604020202020204" pitchFamily="34" charset="0"/>
+                      </a:endParaRPr>
+                    </a:p>
+                  </a:txBody>
+                  <a:tcPr marL="68580" marR="68580" marT="0" marB="0" anchor="b"/>
+                </a:tc>
+                <a:tc>
+                  <a:txBody>
+                    <a:bodyPr/>
+                    <a:lstStyle/>
+                    <a:p>
+                      <a:pPr algn="r">
+                        <a:lnSpc>
+                          <a:spcPct val="107000"/>
+                        </a:lnSpc>
+                        <a:spcAft>
+                          <a:spcPts val="800"/>
+                        </a:spcAft>
+                      </a:pPr>
+                      <a:r>
+                        <a:rPr lang="en-IL" sz="1100" kern="0">
+                          <a:effectLst/>
+                        </a:rPr>
+                        <a:t>486.8</a:t>
+                      </a:r>
+                      <a:endParaRPr lang="en-IL" sz="1100" kern="100">
+                        <a:effectLst/>
+                        <a:latin typeface="Aptos" panose="020B0004020202020204" pitchFamily="34" charset="0"/>
+                        <a:ea typeface="Aptos" panose="020B0004020202020204" pitchFamily="34" charset="0"/>
+                        <a:cs typeface="Arial" panose="020B0604020202020204" pitchFamily="34" charset="0"/>
+                      </a:endParaRPr>
+                    </a:p>
+                  </a:txBody>
+                  <a:tcPr marL="68580" marR="68580" marT="0" marB="0" anchor="b"/>
+                </a:tc>
+                <a:tc>
+                  <a:txBody>
+                    <a:bodyPr/>
+                    <a:lstStyle/>
+                    <a:p>
+                      <a:pPr algn="r">
+                        <a:lnSpc>
+                          <a:spcPct val="107000"/>
+                        </a:lnSpc>
+                        <a:spcAft>
+                          <a:spcPts val="800"/>
+                        </a:spcAft>
+                      </a:pPr>
+                      <a:r>
+                        <a:rPr lang="en-IL" sz="1100" kern="0">
+                          <a:effectLst/>
+                        </a:rPr>
+                        <a:t>483</a:t>
+                      </a:r>
+                      <a:endParaRPr lang="en-IL" sz="1100" kern="100">
+                        <a:effectLst/>
+                        <a:latin typeface="Aptos" panose="020B0004020202020204" pitchFamily="34" charset="0"/>
+                        <a:ea typeface="Aptos" panose="020B0004020202020204" pitchFamily="34" charset="0"/>
+                        <a:cs typeface="Arial" panose="020B0604020202020204" pitchFamily="34" charset="0"/>
+                      </a:endParaRPr>
+                    </a:p>
+                  </a:txBody>
+                  <a:tcPr marL="68580" marR="68580" marT="0" marB="0" anchor="b"/>
+                </a:tc>
+                <a:tc>
+                  <a:txBody>
+                    <a:bodyPr/>
+                    <a:lstStyle/>
+                    <a:p>
+                      <a:pPr algn="r">
+                        <a:lnSpc>
+                          <a:spcPct val="107000"/>
+                        </a:lnSpc>
+                        <a:spcAft>
+                          <a:spcPts val="800"/>
+                        </a:spcAft>
+                      </a:pPr>
+                      <a:r>
+                        <a:rPr lang="en-IL" sz="1100" kern="0">
+                          <a:effectLst/>
+                        </a:rPr>
+                        <a:t>283.8</a:t>
+                      </a:r>
+                      <a:endParaRPr lang="en-IL" sz="1100" kern="100">
+                        <a:effectLst/>
+                        <a:latin typeface="Aptos" panose="020B0004020202020204" pitchFamily="34" charset="0"/>
+                        <a:ea typeface="Aptos" panose="020B0004020202020204" pitchFamily="34" charset="0"/>
+                        <a:cs typeface="Arial" panose="020B0604020202020204" pitchFamily="34" charset="0"/>
+                      </a:endParaRPr>
+                    </a:p>
+                  </a:txBody>
+                  <a:tcPr marL="68580" marR="68580" marT="0" marB="0" anchor="b"/>
+                </a:tc>
+                <a:tc>
+                  <a:txBody>
+                    <a:bodyPr/>
+                    <a:lstStyle/>
+                    <a:p>
+                      <a:pPr algn="r">
+                        <a:lnSpc>
+                          <a:spcPct val="107000"/>
+                        </a:lnSpc>
+                        <a:spcAft>
+                          <a:spcPts val="800"/>
+                        </a:spcAft>
+                      </a:pPr>
+                      <a:r>
+                        <a:rPr lang="en-IL" sz="1100" kern="0">
+                          <a:effectLst/>
+                        </a:rPr>
+                        <a:t>0</a:t>
+                      </a:r>
+                      <a:endParaRPr lang="en-IL" sz="1100" kern="100">
+                        <a:effectLst/>
+                        <a:latin typeface="Aptos" panose="020B0004020202020204" pitchFamily="34" charset="0"/>
+                        <a:ea typeface="Aptos" panose="020B0004020202020204" pitchFamily="34" charset="0"/>
+                        <a:cs typeface="Arial" panose="020B0604020202020204" pitchFamily="34" charset="0"/>
+                      </a:endParaRPr>
+                    </a:p>
+                  </a:txBody>
+                  <a:tcPr marL="68580" marR="68580" marT="0" marB="0" anchor="b"/>
+                </a:tc>
+                <a:tc>
+                  <a:txBody>
+                    <a:bodyPr/>
+                    <a:lstStyle/>
+                    <a:p>
+                      <a:pPr algn="r">
+                        <a:lnSpc>
+                          <a:spcPct val="107000"/>
+                        </a:lnSpc>
+                        <a:spcAft>
+                          <a:spcPts val="800"/>
+                        </a:spcAft>
+                      </a:pPr>
+                      <a:r>
+                        <a:rPr lang="en-IL" sz="1100" kern="0">
+                          <a:effectLst/>
+                          <a:highlight>
+                            <a:srgbClr val="00FF00"/>
+                          </a:highlight>
+                        </a:rPr>
+                        <a:t>999</a:t>
+                      </a:r>
+                      <a:endParaRPr lang="en-IL" sz="1100" kern="100">
+                        <a:effectLst/>
+                        <a:latin typeface="Aptos" panose="020B0004020202020204" pitchFamily="34" charset="0"/>
+                        <a:ea typeface="Aptos" panose="020B0004020202020204" pitchFamily="34" charset="0"/>
+                        <a:cs typeface="Arial" panose="020B0604020202020204" pitchFamily="34" charset="0"/>
+                      </a:endParaRPr>
+                    </a:p>
+                  </a:txBody>
+                  <a:tcPr marL="68580" marR="68580" marT="0" marB="0" anchor="b"/>
+                </a:tc>
+                <a:tc>
+                  <a:txBody>
+                    <a:bodyPr/>
+                    <a:lstStyle/>
+                    <a:p>
+                      <a:pPr algn="r">
+                        <a:lnSpc>
+                          <a:spcPct val="107000"/>
+                        </a:lnSpc>
+                        <a:spcAft>
+                          <a:spcPts val="800"/>
+                        </a:spcAft>
+                      </a:pPr>
+                      <a:r>
+                        <a:rPr lang="en-IL" sz="1100" kern="0" dirty="0">
+                          <a:effectLst/>
+                          <a:highlight>
+                            <a:srgbClr val="FFFF00"/>
+                          </a:highlight>
+                        </a:rPr>
+                        <a:t>4150</a:t>
+                      </a:r>
+                      <a:endParaRPr lang="en-IL" sz="1100" kern="100" dirty="0">
+                        <a:effectLst/>
+                        <a:latin typeface="Aptos" panose="020B0004020202020204" pitchFamily="34" charset="0"/>
+                        <a:ea typeface="Aptos" panose="020B0004020202020204" pitchFamily="34" charset="0"/>
+                        <a:cs typeface="Arial" panose="020B0604020202020204" pitchFamily="34" charset="0"/>
+                      </a:endParaRPr>
+                    </a:p>
+                  </a:txBody>
+                  <a:tcPr marL="68580" marR="68580" marT="0" marB="0" anchor="b"/>
+                </a:tc>
+                <a:extLst>
+                  <a:ext uri="{0D108BD9-81ED-4DB2-BD59-A6C34878D82A}">
+                    <a16:rowId xmlns:a16="http://schemas.microsoft.com/office/drawing/2014/main" val="749779624"/>
+                  </a:ext>
+                </a:extLst>
+              </a:tr>
+            </a:tbl>
+          </a:graphicData>
+        </a:graphic>
+      </p:graphicFrame>
+      <p:graphicFrame>
+        <p:nvGraphicFramePr>
+          <p:cNvPr id="10" name="Table 9">
+            <a:extLst>
+              <a:ext uri="{FF2B5EF4-FFF2-40B4-BE49-F238E27FC236}">
+                <a16:creationId xmlns:a16="http://schemas.microsoft.com/office/drawing/2014/main" id="{852E998A-4A14-3720-B496-527808B515BE}"/>
+              </a:ext>
+            </a:extLst>
+          </p:cNvPr>
+          <p:cNvGraphicFramePr>
+            <a:graphicFrameLocks noGrp="1"/>
+          </p:cNvGraphicFramePr>
+          <p:nvPr>
+            <p:extLst>
+              <p:ext uri="{D42A27DB-BD31-4B8C-83A1-F6EECF244321}">
+                <p14:modId xmlns:p14="http://schemas.microsoft.com/office/powerpoint/2010/main" val="993981788"/>
+              </p:ext>
+            </p:extLst>
+          </p:nvPr>
+        </p:nvGraphicFramePr>
+        <p:xfrm>
+          <a:off x="6398494" y="4670234"/>
+          <a:ext cx="5170170" cy="1686116"/>
+        </p:xfrm>
+        <a:graphic>
+          <a:graphicData uri="http://schemas.openxmlformats.org/drawingml/2006/table">
+            <a:tbl>
+              <a:tblPr firstRow="1" firstCol="1" bandRow="1">
+                <a:tableStyleId>{5C22544A-7EE6-4342-B048-85BDC9FD1C3A}</a:tableStyleId>
+              </a:tblPr>
+              <a:tblGrid>
+                <a:gridCol w="1511300">
+                  <a:extLst>
+                    <a:ext uri="{9D8B030D-6E8A-4147-A177-3AD203B41FA5}">
+                      <a16:colId xmlns:a16="http://schemas.microsoft.com/office/drawing/2014/main" val="3960944157"/>
+                    </a:ext>
+                  </a:extLst>
+                </a:gridCol>
+                <a:gridCol w="638810">
+                  <a:extLst>
+                    <a:ext uri="{9D8B030D-6E8A-4147-A177-3AD203B41FA5}">
+                      <a16:colId xmlns:a16="http://schemas.microsoft.com/office/drawing/2014/main" val="1304496406"/>
+                    </a:ext>
+                  </a:extLst>
+                </a:gridCol>
+                <a:gridCol w="826770">
+                  <a:extLst>
+                    <a:ext uri="{9D8B030D-6E8A-4147-A177-3AD203B41FA5}">
+                      <a16:colId xmlns:a16="http://schemas.microsoft.com/office/drawing/2014/main" val="4175917933"/>
+                    </a:ext>
+                  </a:extLst>
+                </a:gridCol>
+                <a:gridCol w="638810">
+                  <a:extLst>
+                    <a:ext uri="{9D8B030D-6E8A-4147-A177-3AD203B41FA5}">
+                      <a16:colId xmlns:a16="http://schemas.microsoft.com/office/drawing/2014/main" val="51839344"/>
+                    </a:ext>
+                  </a:extLst>
+                </a:gridCol>
+                <a:gridCol w="435610">
+                  <a:extLst>
+                    <a:ext uri="{9D8B030D-6E8A-4147-A177-3AD203B41FA5}">
+                      <a16:colId xmlns:a16="http://schemas.microsoft.com/office/drawing/2014/main" val="2421134727"/>
+                    </a:ext>
+                  </a:extLst>
+                </a:gridCol>
+                <a:gridCol w="477520">
+                  <a:extLst>
+                    <a:ext uri="{9D8B030D-6E8A-4147-A177-3AD203B41FA5}">
+                      <a16:colId xmlns:a16="http://schemas.microsoft.com/office/drawing/2014/main" val="2042432557"/>
+                    </a:ext>
+                  </a:extLst>
+                </a:gridCol>
+                <a:gridCol w="641350">
+                  <a:extLst>
+                    <a:ext uri="{9D8B030D-6E8A-4147-A177-3AD203B41FA5}">
+                      <a16:colId xmlns:a16="http://schemas.microsoft.com/office/drawing/2014/main" val="1295492875"/>
+                    </a:ext>
+                  </a:extLst>
+                </a:gridCol>
+              </a:tblGrid>
+              <a:tr h="190500">
+                <a:tc>
+                  <a:txBody>
+                    <a:bodyPr/>
+                    <a:lstStyle/>
+                    <a:p>
+                      <a:pPr>
+                        <a:lnSpc>
+                          <a:spcPct val="107000"/>
+                        </a:lnSpc>
+                      </a:pPr>
+                      <a:endParaRPr lang="en-IL" sz="1100" kern="100">
+                        <a:effectLst/>
+                        <a:latin typeface="Aptos" panose="020B0004020202020204" pitchFamily="34" charset="0"/>
+                      </a:endParaRPr>
+                    </a:p>
+                  </a:txBody>
+                  <a:tcPr marL="68580" marR="68580" marT="0" marB="0" anchor="b"/>
+                </a:tc>
+                <a:tc gridSpan="6">
+                  <a:txBody>
+                    <a:bodyPr/>
+                    <a:lstStyle/>
+                    <a:p>
+                      <a:pPr algn="ctr">
+                        <a:lnSpc>
+                          <a:spcPct val="107000"/>
+                        </a:lnSpc>
+                        <a:spcAft>
+                          <a:spcPts val="800"/>
+                        </a:spcAft>
+                      </a:pPr>
+                      <a:r>
+                        <a:rPr lang="en-IL" sz="1100" kern="0">
+                          <a:effectLst/>
+                        </a:rPr>
+                        <a:t>Fault 1-3</a:t>
+                      </a:r>
+                      <a:endParaRPr lang="en-IL" sz="1100" kern="100">
+                        <a:effectLst/>
+                        <a:latin typeface="Aptos" panose="020B0004020202020204" pitchFamily="34" charset="0"/>
+                        <a:ea typeface="Aptos" panose="020B0004020202020204" pitchFamily="34" charset="0"/>
+                        <a:cs typeface="Arial" panose="020B0604020202020204" pitchFamily="34" charset="0"/>
+                      </a:endParaRPr>
+                    </a:p>
+                  </a:txBody>
+                  <a:tcPr marL="68580" marR="68580" marT="0" marB="0" anchor="b"/>
+                </a:tc>
+                <a:tc hMerge="1">
+                  <a:txBody>
+                    <a:bodyPr/>
+                    <a:lstStyle/>
+                    <a:p>
+                      <a:endParaRPr lang="en-IL"/>
+                    </a:p>
+                  </a:txBody>
+                  <a:tcPr/>
+                </a:tc>
+                <a:tc hMerge="1">
+                  <a:txBody>
+                    <a:bodyPr/>
+                    <a:lstStyle/>
+                    <a:p>
+                      <a:endParaRPr lang="en-IL"/>
+                    </a:p>
+                  </a:txBody>
+                  <a:tcPr/>
+                </a:tc>
+                <a:tc hMerge="1">
+                  <a:txBody>
+                    <a:bodyPr/>
+                    <a:lstStyle/>
+                    <a:p>
+                      <a:endParaRPr lang="en-IL"/>
+                    </a:p>
+                  </a:txBody>
+                  <a:tcPr/>
+                </a:tc>
+                <a:tc hMerge="1">
+                  <a:txBody>
+                    <a:bodyPr/>
+                    <a:lstStyle/>
+                    <a:p>
+                      <a:endParaRPr lang="en-IL"/>
+                    </a:p>
+                  </a:txBody>
+                  <a:tcPr/>
+                </a:tc>
+                <a:tc hMerge="1">
+                  <a:txBody>
+                    <a:bodyPr/>
+                    <a:lstStyle/>
+                    <a:p>
+                      <a:endParaRPr lang="en-IL"/>
+                    </a:p>
+                  </a:txBody>
+                  <a:tcPr/>
+                </a:tc>
+                <a:extLst>
+                  <a:ext uri="{0D108BD9-81ED-4DB2-BD59-A6C34878D82A}">
+                    <a16:rowId xmlns:a16="http://schemas.microsoft.com/office/drawing/2014/main" val="1053553936"/>
+                  </a:ext>
+                </a:extLst>
+              </a:tr>
+              <a:tr h="190500">
+                <a:tc>
+                  <a:txBody>
+                    <a:bodyPr/>
+                    <a:lstStyle/>
+                    <a:p>
+                      <a:pPr>
+                        <a:lnSpc>
+                          <a:spcPct val="107000"/>
+                        </a:lnSpc>
+                      </a:pPr>
+                      <a:endParaRPr lang="en-IL" sz="1100" kern="100">
+                        <a:effectLst/>
+                        <a:latin typeface="Aptos" panose="020B0004020202020204" pitchFamily="34" charset="0"/>
+                      </a:endParaRPr>
+                    </a:p>
+                  </a:txBody>
+                  <a:tcPr marL="68580" marR="68580" marT="0" marB="0" anchor="b"/>
+                </a:tc>
+                <a:tc>
+                  <a:txBody>
+                    <a:bodyPr/>
+                    <a:lstStyle/>
+                    <a:p>
+                      <a:pPr>
+                        <a:lnSpc>
+                          <a:spcPct val="107000"/>
+                        </a:lnSpc>
+                        <a:spcAft>
+                          <a:spcPts val="800"/>
+                        </a:spcAft>
+                      </a:pPr>
+                      <a:r>
+                        <a:rPr lang="en-IL" sz="1100" kern="0">
+                          <a:effectLst/>
+                        </a:rPr>
+                        <a:t>mean</a:t>
+                      </a:r>
+                      <a:endParaRPr lang="en-IL" sz="1100" kern="100">
+                        <a:effectLst/>
+                        <a:latin typeface="Aptos" panose="020B0004020202020204" pitchFamily="34" charset="0"/>
+                        <a:ea typeface="Aptos" panose="020B0004020202020204" pitchFamily="34" charset="0"/>
+                        <a:cs typeface="Arial" panose="020B0604020202020204" pitchFamily="34" charset="0"/>
+                      </a:endParaRPr>
+                    </a:p>
+                  </a:txBody>
+                  <a:tcPr marL="68580" marR="68580" marT="0" marB="0" anchor="b"/>
+                </a:tc>
+                <a:tc>
+                  <a:txBody>
+                    <a:bodyPr/>
+                    <a:lstStyle/>
+                    <a:p>
+                      <a:pPr>
+                        <a:lnSpc>
+                          <a:spcPct val="107000"/>
+                        </a:lnSpc>
+                        <a:spcAft>
+                          <a:spcPts val="800"/>
+                        </a:spcAft>
+                      </a:pPr>
+                      <a:r>
+                        <a:rPr lang="en-IL" sz="1100" kern="0">
+                          <a:effectLst/>
+                        </a:rPr>
+                        <a:t>median</a:t>
+                      </a:r>
+                      <a:endParaRPr lang="en-IL" sz="1100" kern="100">
+                        <a:effectLst/>
+                        <a:latin typeface="Aptos" panose="020B0004020202020204" pitchFamily="34" charset="0"/>
+                        <a:ea typeface="Aptos" panose="020B0004020202020204" pitchFamily="34" charset="0"/>
+                        <a:cs typeface="Arial" panose="020B0604020202020204" pitchFamily="34" charset="0"/>
+                      </a:endParaRPr>
+                    </a:p>
+                  </a:txBody>
+                  <a:tcPr marL="68580" marR="68580" marT="0" marB="0" anchor="b"/>
+                </a:tc>
+                <a:tc>
+                  <a:txBody>
+                    <a:bodyPr/>
+                    <a:lstStyle/>
+                    <a:p>
+                      <a:pPr>
+                        <a:lnSpc>
+                          <a:spcPct val="107000"/>
+                        </a:lnSpc>
+                        <a:spcAft>
+                          <a:spcPts val="800"/>
+                        </a:spcAft>
+                      </a:pPr>
+                      <a:r>
+                        <a:rPr lang="en-IL" sz="1100" kern="0">
+                          <a:effectLst/>
+                        </a:rPr>
+                        <a:t>std</a:t>
+                      </a:r>
+                      <a:endParaRPr lang="en-IL" sz="1100" kern="100">
+                        <a:effectLst/>
+                        <a:latin typeface="Aptos" panose="020B0004020202020204" pitchFamily="34" charset="0"/>
+                        <a:ea typeface="Aptos" panose="020B0004020202020204" pitchFamily="34" charset="0"/>
+                        <a:cs typeface="Arial" panose="020B0604020202020204" pitchFamily="34" charset="0"/>
+                      </a:endParaRPr>
+                    </a:p>
+                  </a:txBody>
+                  <a:tcPr marL="68580" marR="68580" marT="0" marB="0" anchor="b"/>
+                </a:tc>
+                <a:tc>
+                  <a:txBody>
+                    <a:bodyPr/>
+                    <a:lstStyle/>
+                    <a:p>
+                      <a:pPr>
+                        <a:lnSpc>
+                          <a:spcPct val="107000"/>
+                        </a:lnSpc>
+                        <a:spcAft>
+                          <a:spcPts val="800"/>
+                        </a:spcAft>
+                      </a:pPr>
+                      <a:r>
+                        <a:rPr lang="en-IL" sz="1100" kern="0">
+                          <a:effectLst/>
+                        </a:rPr>
+                        <a:t>min</a:t>
+                      </a:r>
+                      <a:endParaRPr lang="en-IL" sz="1100" kern="100">
+                        <a:effectLst/>
+                        <a:latin typeface="Aptos" panose="020B0004020202020204" pitchFamily="34" charset="0"/>
+                        <a:ea typeface="Aptos" panose="020B0004020202020204" pitchFamily="34" charset="0"/>
+                        <a:cs typeface="Arial" panose="020B0604020202020204" pitchFamily="34" charset="0"/>
+                      </a:endParaRPr>
+                    </a:p>
+                  </a:txBody>
+                  <a:tcPr marL="68580" marR="68580" marT="0" marB="0" anchor="b"/>
+                </a:tc>
+                <a:tc>
+                  <a:txBody>
+                    <a:bodyPr/>
+                    <a:lstStyle/>
+                    <a:p>
+                      <a:pPr>
+                        <a:lnSpc>
+                          <a:spcPct val="107000"/>
+                        </a:lnSpc>
+                        <a:spcAft>
+                          <a:spcPts val="800"/>
+                        </a:spcAft>
+                      </a:pPr>
+                      <a:r>
+                        <a:rPr lang="en-IL" sz="1100" kern="0">
+                          <a:effectLst/>
+                          <a:highlight>
+                            <a:srgbClr val="00FF00"/>
+                          </a:highlight>
+                        </a:rPr>
+                        <a:t>max</a:t>
+                      </a:r>
+                      <a:endParaRPr lang="en-IL" sz="1100" kern="100">
+                        <a:effectLst/>
+                        <a:latin typeface="Aptos" panose="020B0004020202020204" pitchFamily="34" charset="0"/>
+                        <a:ea typeface="Aptos" panose="020B0004020202020204" pitchFamily="34" charset="0"/>
+                        <a:cs typeface="Arial" panose="020B0604020202020204" pitchFamily="34" charset="0"/>
+                      </a:endParaRPr>
+                    </a:p>
+                  </a:txBody>
+                  <a:tcPr marL="68580" marR="68580" marT="0" marB="0" anchor="b"/>
+                </a:tc>
+                <a:tc>
+                  <a:txBody>
+                    <a:bodyPr/>
+                    <a:lstStyle/>
+                    <a:p>
+                      <a:pPr>
+                        <a:lnSpc>
+                          <a:spcPct val="107000"/>
+                        </a:lnSpc>
+                        <a:spcAft>
+                          <a:spcPts val="800"/>
+                        </a:spcAft>
+                      </a:pPr>
+                      <a:r>
+                        <a:rPr lang="en-IL" sz="1100" kern="0">
+                          <a:effectLst/>
+                          <a:highlight>
+                            <a:srgbClr val="FFFF00"/>
+                          </a:highlight>
+                        </a:rPr>
+                        <a:t>count</a:t>
+                      </a:r>
+                      <a:endParaRPr lang="en-IL" sz="1100" kern="100">
+                        <a:effectLst/>
+                        <a:latin typeface="Aptos" panose="020B0004020202020204" pitchFamily="34" charset="0"/>
+                        <a:ea typeface="Aptos" panose="020B0004020202020204" pitchFamily="34" charset="0"/>
+                        <a:cs typeface="Arial" panose="020B0604020202020204" pitchFamily="34" charset="0"/>
+                      </a:endParaRPr>
+                    </a:p>
+                  </a:txBody>
+                  <a:tcPr marL="68580" marR="68580" marT="0" marB="0" anchor="b"/>
+                </a:tc>
+                <a:extLst>
+                  <a:ext uri="{0D108BD9-81ED-4DB2-BD59-A6C34878D82A}">
+                    <a16:rowId xmlns:a16="http://schemas.microsoft.com/office/drawing/2014/main" val="810706137"/>
+                  </a:ext>
+                </a:extLst>
+              </a:tr>
+              <a:tr h="190500">
+                <a:tc>
+                  <a:txBody>
+                    <a:bodyPr/>
+                    <a:lstStyle/>
+                    <a:p>
+                      <a:pPr>
+                        <a:lnSpc>
+                          <a:spcPct val="107000"/>
+                        </a:lnSpc>
+                        <a:spcAft>
+                          <a:spcPts val="800"/>
+                        </a:spcAft>
+                      </a:pPr>
+                      <a:r>
+                        <a:rPr lang="en-IL" sz="1100" kern="0">
+                          <a:effectLst/>
+                        </a:rPr>
+                        <a:t>Voltage_main</a:t>
+                      </a:r>
+                      <a:endParaRPr lang="en-IL" sz="1100" kern="100">
+                        <a:effectLst/>
+                        <a:latin typeface="Aptos" panose="020B0004020202020204" pitchFamily="34" charset="0"/>
+                        <a:ea typeface="Aptos" panose="020B0004020202020204" pitchFamily="34" charset="0"/>
+                        <a:cs typeface="Arial" panose="020B0604020202020204" pitchFamily="34" charset="0"/>
+                      </a:endParaRPr>
+                    </a:p>
+                  </a:txBody>
+                  <a:tcPr marL="68580" marR="68580" marT="0" marB="0" anchor="b"/>
+                </a:tc>
+                <a:tc>
+                  <a:txBody>
+                    <a:bodyPr/>
+                    <a:lstStyle/>
+                    <a:p>
+                      <a:pPr algn="r">
+                        <a:lnSpc>
+                          <a:spcPct val="107000"/>
+                        </a:lnSpc>
+                        <a:spcAft>
+                          <a:spcPts val="800"/>
+                        </a:spcAft>
+                      </a:pPr>
+                      <a:r>
+                        <a:rPr lang="en-IL" sz="1100" kern="0">
+                          <a:effectLst/>
+                        </a:rPr>
+                        <a:t>53.5</a:t>
+                      </a:r>
+                      <a:endParaRPr lang="en-IL" sz="1100" kern="100">
+                        <a:effectLst/>
+                        <a:latin typeface="Aptos" panose="020B0004020202020204" pitchFamily="34" charset="0"/>
+                        <a:ea typeface="Aptos" panose="020B0004020202020204" pitchFamily="34" charset="0"/>
+                        <a:cs typeface="Arial" panose="020B0604020202020204" pitchFamily="34" charset="0"/>
+                      </a:endParaRPr>
+                    </a:p>
+                  </a:txBody>
+                  <a:tcPr marL="68580" marR="68580" marT="0" marB="0" anchor="b"/>
+                </a:tc>
+                <a:tc>
+                  <a:txBody>
+                    <a:bodyPr/>
+                    <a:lstStyle/>
+                    <a:p>
+                      <a:pPr algn="r">
+                        <a:lnSpc>
+                          <a:spcPct val="107000"/>
+                        </a:lnSpc>
+                        <a:spcAft>
+                          <a:spcPts val="800"/>
+                        </a:spcAft>
+                      </a:pPr>
+                      <a:r>
+                        <a:rPr lang="en-IL" sz="1100" kern="0">
+                          <a:effectLst/>
+                        </a:rPr>
+                        <a:t>7</a:t>
+                      </a:r>
+                      <a:endParaRPr lang="en-IL" sz="1100" kern="100">
+                        <a:effectLst/>
+                        <a:latin typeface="Aptos" panose="020B0004020202020204" pitchFamily="34" charset="0"/>
+                        <a:ea typeface="Aptos" panose="020B0004020202020204" pitchFamily="34" charset="0"/>
+                        <a:cs typeface="Arial" panose="020B0604020202020204" pitchFamily="34" charset="0"/>
+                      </a:endParaRPr>
+                    </a:p>
+                  </a:txBody>
+                  <a:tcPr marL="68580" marR="68580" marT="0" marB="0" anchor="b"/>
+                </a:tc>
+                <a:tc>
+                  <a:txBody>
+                    <a:bodyPr/>
+                    <a:lstStyle/>
+                    <a:p>
+                      <a:pPr algn="r">
+                        <a:lnSpc>
+                          <a:spcPct val="107000"/>
+                        </a:lnSpc>
+                        <a:spcAft>
+                          <a:spcPts val="800"/>
+                        </a:spcAft>
+                      </a:pPr>
+                      <a:r>
+                        <a:rPr lang="en-IL" sz="1100" kern="0">
+                          <a:effectLst/>
+                        </a:rPr>
+                        <a:t>164</a:t>
+                      </a:r>
+                      <a:endParaRPr lang="en-IL" sz="1100" kern="100">
+                        <a:effectLst/>
+                        <a:latin typeface="Aptos" panose="020B0004020202020204" pitchFamily="34" charset="0"/>
+                        <a:ea typeface="Aptos" panose="020B0004020202020204" pitchFamily="34" charset="0"/>
+                        <a:cs typeface="Arial" panose="020B0604020202020204" pitchFamily="34" charset="0"/>
+                      </a:endParaRPr>
+                    </a:p>
+                  </a:txBody>
+                  <a:tcPr marL="68580" marR="68580" marT="0" marB="0" anchor="b"/>
+                </a:tc>
+                <a:tc>
+                  <a:txBody>
+                    <a:bodyPr/>
+                    <a:lstStyle/>
+                    <a:p>
+                      <a:pPr algn="r">
+                        <a:lnSpc>
+                          <a:spcPct val="107000"/>
+                        </a:lnSpc>
+                        <a:spcAft>
+                          <a:spcPts val="800"/>
+                        </a:spcAft>
+                      </a:pPr>
+                      <a:r>
+                        <a:rPr lang="en-IL" sz="1100" kern="0">
+                          <a:effectLst/>
+                        </a:rPr>
+                        <a:t>0</a:t>
+                      </a:r>
+                      <a:endParaRPr lang="en-IL" sz="1100" kern="100">
+                        <a:effectLst/>
+                        <a:latin typeface="Aptos" panose="020B0004020202020204" pitchFamily="34" charset="0"/>
+                        <a:ea typeface="Aptos" panose="020B0004020202020204" pitchFamily="34" charset="0"/>
+                        <a:cs typeface="Arial" panose="020B0604020202020204" pitchFamily="34" charset="0"/>
+                      </a:endParaRPr>
+                    </a:p>
+                  </a:txBody>
+                  <a:tcPr marL="68580" marR="68580" marT="0" marB="0" anchor="b"/>
+                </a:tc>
+                <a:tc>
+                  <a:txBody>
+                    <a:bodyPr/>
+                    <a:lstStyle/>
+                    <a:p>
+                      <a:pPr algn="r">
+                        <a:lnSpc>
+                          <a:spcPct val="107000"/>
+                        </a:lnSpc>
+                        <a:spcAft>
+                          <a:spcPts val="800"/>
+                        </a:spcAft>
+                      </a:pPr>
+                      <a:r>
+                        <a:rPr lang="en-IL" sz="1100" kern="0">
+                          <a:effectLst/>
+                          <a:highlight>
+                            <a:srgbClr val="00FF00"/>
+                          </a:highlight>
+                        </a:rPr>
+                        <a:t>850</a:t>
+                      </a:r>
+                      <a:endParaRPr lang="en-IL" sz="1100" kern="100">
+                        <a:effectLst/>
+                        <a:latin typeface="Aptos" panose="020B0004020202020204" pitchFamily="34" charset="0"/>
+                        <a:ea typeface="Aptos" panose="020B0004020202020204" pitchFamily="34" charset="0"/>
+                        <a:cs typeface="Arial" panose="020B0604020202020204" pitchFamily="34" charset="0"/>
+                      </a:endParaRPr>
+                    </a:p>
+                  </a:txBody>
+                  <a:tcPr marL="68580" marR="68580" marT="0" marB="0" anchor="b"/>
+                </a:tc>
+                <a:tc>
+                  <a:txBody>
+                    <a:bodyPr/>
+                    <a:lstStyle/>
+                    <a:p>
+                      <a:pPr algn="r">
+                        <a:lnSpc>
+                          <a:spcPct val="107000"/>
+                        </a:lnSpc>
+                        <a:spcAft>
+                          <a:spcPts val="800"/>
+                        </a:spcAft>
+                      </a:pPr>
+                      <a:r>
+                        <a:rPr lang="en-IL" sz="1100" kern="0">
+                          <a:effectLst/>
+                          <a:highlight>
+                            <a:srgbClr val="FFFF00"/>
+                          </a:highlight>
+                        </a:rPr>
+                        <a:t>5181</a:t>
+                      </a:r>
+                      <a:endParaRPr lang="en-IL" sz="1100" kern="100">
+                        <a:effectLst/>
+                        <a:latin typeface="Aptos" panose="020B0004020202020204" pitchFamily="34" charset="0"/>
+                        <a:ea typeface="Aptos" panose="020B0004020202020204" pitchFamily="34" charset="0"/>
+                        <a:cs typeface="Arial" panose="020B0604020202020204" pitchFamily="34" charset="0"/>
+                      </a:endParaRPr>
+                    </a:p>
+                  </a:txBody>
+                  <a:tcPr marL="68580" marR="68580" marT="0" marB="0" anchor="b"/>
+                </a:tc>
+                <a:extLst>
+                  <a:ext uri="{0D108BD9-81ED-4DB2-BD59-A6C34878D82A}">
+                    <a16:rowId xmlns:a16="http://schemas.microsoft.com/office/drawing/2014/main" val="3400319354"/>
+                  </a:ext>
+                </a:extLst>
+              </a:tr>
+              <a:tr h="190500">
+                <a:tc>
+                  <a:txBody>
+                    <a:bodyPr/>
+                    <a:lstStyle/>
+                    <a:p>
+                      <a:pPr>
+                        <a:lnSpc>
+                          <a:spcPct val="107000"/>
+                        </a:lnSpc>
+                        <a:spcAft>
+                          <a:spcPts val="800"/>
+                        </a:spcAft>
+                      </a:pPr>
+                      <a:r>
+                        <a:rPr lang="en-IL" sz="1100" kern="0">
+                          <a:effectLst/>
+                        </a:rPr>
+                        <a:t>Voltage_secondary</a:t>
+                      </a:r>
+                      <a:endParaRPr lang="en-IL" sz="1100" kern="100">
+                        <a:effectLst/>
+                        <a:latin typeface="Aptos" panose="020B0004020202020204" pitchFamily="34" charset="0"/>
+                        <a:ea typeface="Aptos" panose="020B0004020202020204" pitchFamily="34" charset="0"/>
+                        <a:cs typeface="Arial" panose="020B0604020202020204" pitchFamily="34" charset="0"/>
+                      </a:endParaRPr>
+                    </a:p>
+                  </a:txBody>
+                  <a:tcPr marL="68580" marR="68580" marT="0" marB="0" anchor="b"/>
+                </a:tc>
+                <a:tc>
+                  <a:txBody>
+                    <a:bodyPr/>
+                    <a:lstStyle/>
+                    <a:p>
+                      <a:pPr algn="r">
+                        <a:lnSpc>
+                          <a:spcPct val="107000"/>
+                        </a:lnSpc>
+                        <a:spcAft>
+                          <a:spcPts val="800"/>
+                        </a:spcAft>
+                      </a:pPr>
+                      <a:r>
+                        <a:rPr lang="en-IL" sz="1100" kern="0">
+                          <a:effectLst/>
+                        </a:rPr>
+                        <a:t>490.4</a:t>
+                      </a:r>
+                      <a:endParaRPr lang="en-IL" sz="1100" kern="100">
+                        <a:effectLst/>
+                        <a:latin typeface="Aptos" panose="020B0004020202020204" pitchFamily="34" charset="0"/>
+                        <a:ea typeface="Aptos" panose="020B0004020202020204" pitchFamily="34" charset="0"/>
+                        <a:cs typeface="Arial" panose="020B0604020202020204" pitchFamily="34" charset="0"/>
+                      </a:endParaRPr>
+                    </a:p>
+                  </a:txBody>
+                  <a:tcPr marL="68580" marR="68580" marT="0" marB="0" anchor="b"/>
+                </a:tc>
+                <a:tc>
+                  <a:txBody>
+                    <a:bodyPr/>
+                    <a:lstStyle/>
+                    <a:p>
+                      <a:pPr algn="r">
+                        <a:lnSpc>
+                          <a:spcPct val="107000"/>
+                        </a:lnSpc>
+                        <a:spcAft>
+                          <a:spcPts val="800"/>
+                        </a:spcAft>
+                      </a:pPr>
+                      <a:r>
+                        <a:rPr lang="en-IL" sz="1100" kern="0">
+                          <a:effectLst/>
+                        </a:rPr>
+                        <a:t>479</a:t>
+                      </a:r>
+                      <a:endParaRPr lang="en-IL" sz="1100" kern="100">
+                        <a:effectLst/>
+                        <a:latin typeface="Aptos" panose="020B0004020202020204" pitchFamily="34" charset="0"/>
+                        <a:ea typeface="Aptos" panose="020B0004020202020204" pitchFamily="34" charset="0"/>
+                        <a:cs typeface="Arial" panose="020B0604020202020204" pitchFamily="34" charset="0"/>
+                      </a:endParaRPr>
+                    </a:p>
+                  </a:txBody>
+                  <a:tcPr marL="68580" marR="68580" marT="0" marB="0" anchor="b"/>
+                </a:tc>
+                <a:tc>
+                  <a:txBody>
+                    <a:bodyPr/>
+                    <a:lstStyle/>
+                    <a:p>
+                      <a:pPr algn="r">
+                        <a:lnSpc>
+                          <a:spcPct val="107000"/>
+                        </a:lnSpc>
+                        <a:spcAft>
+                          <a:spcPts val="800"/>
+                        </a:spcAft>
+                      </a:pPr>
+                      <a:r>
+                        <a:rPr lang="en-IL" sz="1100" kern="0">
+                          <a:effectLst/>
+                        </a:rPr>
+                        <a:t>289.7</a:t>
+                      </a:r>
+                      <a:endParaRPr lang="en-IL" sz="1100" kern="100">
+                        <a:effectLst/>
+                        <a:latin typeface="Aptos" panose="020B0004020202020204" pitchFamily="34" charset="0"/>
+                        <a:ea typeface="Aptos" panose="020B0004020202020204" pitchFamily="34" charset="0"/>
+                        <a:cs typeface="Arial" panose="020B0604020202020204" pitchFamily="34" charset="0"/>
+                      </a:endParaRPr>
+                    </a:p>
+                  </a:txBody>
+                  <a:tcPr marL="68580" marR="68580" marT="0" marB="0" anchor="b"/>
+                </a:tc>
+                <a:tc>
+                  <a:txBody>
+                    <a:bodyPr/>
+                    <a:lstStyle/>
+                    <a:p>
+                      <a:pPr algn="r">
+                        <a:lnSpc>
+                          <a:spcPct val="107000"/>
+                        </a:lnSpc>
+                        <a:spcAft>
+                          <a:spcPts val="800"/>
+                        </a:spcAft>
+                      </a:pPr>
+                      <a:r>
+                        <a:rPr lang="en-IL" sz="1100" kern="0">
+                          <a:effectLst/>
+                        </a:rPr>
+                        <a:t>0</a:t>
+                      </a:r>
+                      <a:endParaRPr lang="en-IL" sz="1100" kern="100">
+                        <a:effectLst/>
+                        <a:latin typeface="Aptos" panose="020B0004020202020204" pitchFamily="34" charset="0"/>
+                        <a:ea typeface="Aptos" panose="020B0004020202020204" pitchFamily="34" charset="0"/>
+                        <a:cs typeface="Arial" panose="020B0604020202020204" pitchFamily="34" charset="0"/>
+                      </a:endParaRPr>
+                    </a:p>
+                  </a:txBody>
+                  <a:tcPr marL="68580" marR="68580" marT="0" marB="0" anchor="b"/>
+                </a:tc>
+                <a:tc>
+                  <a:txBody>
+                    <a:bodyPr/>
+                    <a:lstStyle/>
+                    <a:p>
+                      <a:pPr algn="r">
+                        <a:lnSpc>
+                          <a:spcPct val="107000"/>
+                        </a:lnSpc>
+                        <a:spcAft>
+                          <a:spcPts val="800"/>
+                        </a:spcAft>
+                      </a:pPr>
+                      <a:r>
+                        <a:rPr lang="en-IL" sz="1100" kern="0">
+                          <a:effectLst/>
+                          <a:highlight>
+                            <a:srgbClr val="00FF00"/>
+                          </a:highlight>
+                        </a:rPr>
+                        <a:t>999</a:t>
+                      </a:r>
+                      <a:endParaRPr lang="en-IL" sz="1100" kern="100">
+                        <a:effectLst/>
+                        <a:latin typeface="Aptos" panose="020B0004020202020204" pitchFamily="34" charset="0"/>
+                        <a:ea typeface="Aptos" panose="020B0004020202020204" pitchFamily="34" charset="0"/>
+                        <a:cs typeface="Arial" panose="020B0604020202020204" pitchFamily="34" charset="0"/>
+                      </a:endParaRPr>
+                    </a:p>
+                  </a:txBody>
+                  <a:tcPr marL="68580" marR="68580" marT="0" marB="0" anchor="b"/>
+                </a:tc>
+                <a:tc>
+                  <a:txBody>
+                    <a:bodyPr/>
+                    <a:lstStyle/>
+                    <a:p>
+                      <a:pPr algn="r">
+                        <a:lnSpc>
+                          <a:spcPct val="107000"/>
+                        </a:lnSpc>
+                        <a:spcAft>
+                          <a:spcPts val="800"/>
+                        </a:spcAft>
+                      </a:pPr>
+                      <a:r>
+                        <a:rPr lang="en-IL" sz="1100" kern="0">
+                          <a:effectLst/>
+                          <a:highlight>
+                            <a:srgbClr val="FFFF00"/>
+                          </a:highlight>
+                        </a:rPr>
+                        <a:t>5181</a:t>
+                      </a:r>
+                      <a:endParaRPr lang="en-IL" sz="1100" kern="100">
+                        <a:effectLst/>
+                        <a:latin typeface="Aptos" panose="020B0004020202020204" pitchFamily="34" charset="0"/>
+                        <a:ea typeface="Aptos" panose="020B0004020202020204" pitchFamily="34" charset="0"/>
+                        <a:cs typeface="Arial" panose="020B0604020202020204" pitchFamily="34" charset="0"/>
+                      </a:endParaRPr>
+                    </a:p>
+                  </a:txBody>
+                  <a:tcPr marL="68580" marR="68580" marT="0" marB="0" anchor="b"/>
+                </a:tc>
+                <a:extLst>
+                  <a:ext uri="{0D108BD9-81ED-4DB2-BD59-A6C34878D82A}">
+                    <a16:rowId xmlns:a16="http://schemas.microsoft.com/office/drawing/2014/main" val="3572004747"/>
+                  </a:ext>
+                </a:extLst>
+              </a:tr>
+              <a:tr h="190500">
+                <a:tc>
+                  <a:txBody>
+                    <a:bodyPr/>
+                    <a:lstStyle/>
+                    <a:p>
+                      <a:pPr>
+                        <a:lnSpc>
+                          <a:spcPct val="107000"/>
+                        </a:lnSpc>
+                        <a:spcAft>
+                          <a:spcPts val="800"/>
+                        </a:spcAft>
+                      </a:pPr>
+                      <a:r>
+                        <a:rPr lang="en-IL" sz="1100" kern="0">
+                          <a:effectLst/>
+                        </a:rPr>
+                        <a:t>Current_main</a:t>
+                      </a:r>
+                      <a:endParaRPr lang="en-IL" sz="1100" kern="100">
+                        <a:effectLst/>
+                        <a:latin typeface="Aptos" panose="020B0004020202020204" pitchFamily="34" charset="0"/>
+                        <a:ea typeface="Aptos" panose="020B0004020202020204" pitchFamily="34" charset="0"/>
+                        <a:cs typeface="Arial" panose="020B0604020202020204" pitchFamily="34" charset="0"/>
+                      </a:endParaRPr>
+                    </a:p>
+                  </a:txBody>
+                  <a:tcPr marL="68580" marR="68580" marT="0" marB="0" anchor="b"/>
+                </a:tc>
+                <a:tc>
+                  <a:txBody>
+                    <a:bodyPr/>
+                    <a:lstStyle/>
+                    <a:p>
+                      <a:pPr algn="r">
+                        <a:lnSpc>
+                          <a:spcPct val="107000"/>
+                        </a:lnSpc>
+                        <a:spcAft>
+                          <a:spcPts val="800"/>
+                        </a:spcAft>
+                      </a:pPr>
+                      <a:r>
+                        <a:rPr lang="en-IL" sz="1100" kern="0">
+                          <a:effectLst/>
+                        </a:rPr>
+                        <a:t>15.3</a:t>
+                      </a:r>
+                      <a:endParaRPr lang="en-IL" sz="1100" kern="100">
+                        <a:effectLst/>
+                        <a:latin typeface="Aptos" panose="020B0004020202020204" pitchFamily="34" charset="0"/>
+                        <a:ea typeface="Aptos" panose="020B0004020202020204" pitchFamily="34" charset="0"/>
+                        <a:cs typeface="Arial" panose="020B0604020202020204" pitchFamily="34" charset="0"/>
+                      </a:endParaRPr>
+                    </a:p>
+                  </a:txBody>
+                  <a:tcPr marL="68580" marR="68580" marT="0" marB="0" anchor="b"/>
+                </a:tc>
+                <a:tc>
+                  <a:txBody>
+                    <a:bodyPr/>
+                    <a:lstStyle/>
+                    <a:p>
+                      <a:pPr algn="r">
+                        <a:lnSpc>
+                          <a:spcPct val="107000"/>
+                        </a:lnSpc>
+                        <a:spcAft>
+                          <a:spcPts val="800"/>
+                        </a:spcAft>
+                      </a:pPr>
+                      <a:r>
+                        <a:rPr lang="en-IL" sz="1100" kern="0">
+                          <a:effectLst/>
+                        </a:rPr>
+                        <a:t>7</a:t>
+                      </a:r>
+                      <a:endParaRPr lang="en-IL" sz="1100" kern="100">
+                        <a:effectLst/>
+                        <a:latin typeface="Aptos" panose="020B0004020202020204" pitchFamily="34" charset="0"/>
+                        <a:ea typeface="Aptos" panose="020B0004020202020204" pitchFamily="34" charset="0"/>
+                        <a:cs typeface="Arial" panose="020B0604020202020204" pitchFamily="34" charset="0"/>
+                      </a:endParaRPr>
+                    </a:p>
+                  </a:txBody>
+                  <a:tcPr marL="68580" marR="68580" marT="0" marB="0" anchor="b"/>
+                </a:tc>
+                <a:tc>
+                  <a:txBody>
+                    <a:bodyPr/>
+                    <a:lstStyle/>
+                    <a:p>
+                      <a:pPr algn="r">
+                        <a:lnSpc>
+                          <a:spcPct val="107000"/>
+                        </a:lnSpc>
+                        <a:spcAft>
+                          <a:spcPts val="800"/>
+                        </a:spcAft>
+                      </a:pPr>
+                      <a:r>
+                        <a:rPr lang="en-IL" sz="1100" kern="0">
+                          <a:effectLst/>
+                        </a:rPr>
+                        <a:t>19.7</a:t>
+                      </a:r>
+                      <a:endParaRPr lang="en-IL" sz="1100" kern="100">
+                        <a:effectLst/>
+                        <a:latin typeface="Aptos" panose="020B0004020202020204" pitchFamily="34" charset="0"/>
+                        <a:ea typeface="Aptos" panose="020B0004020202020204" pitchFamily="34" charset="0"/>
+                        <a:cs typeface="Arial" panose="020B0604020202020204" pitchFamily="34" charset="0"/>
+                      </a:endParaRPr>
+                    </a:p>
+                  </a:txBody>
+                  <a:tcPr marL="68580" marR="68580" marT="0" marB="0" anchor="b"/>
+                </a:tc>
+                <a:tc>
+                  <a:txBody>
+                    <a:bodyPr/>
+                    <a:lstStyle/>
+                    <a:p>
+                      <a:pPr algn="r">
+                        <a:lnSpc>
+                          <a:spcPct val="107000"/>
+                        </a:lnSpc>
+                        <a:spcAft>
+                          <a:spcPts val="800"/>
+                        </a:spcAft>
+                      </a:pPr>
+                      <a:r>
+                        <a:rPr lang="en-IL" sz="1100" kern="0">
+                          <a:effectLst/>
+                        </a:rPr>
+                        <a:t>0</a:t>
+                      </a:r>
+                      <a:endParaRPr lang="en-IL" sz="1100" kern="100">
+                        <a:effectLst/>
+                        <a:latin typeface="Aptos" panose="020B0004020202020204" pitchFamily="34" charset="0"/>
+                        <a:ea typeface="Aptos" panose="020B0004020202020204" pitchFamily="34" charset="0"/>
+                        <a:cs typeface="Arial" panose="020B0604020202020204" pitchFamily="34" charset="0"/>
+                      </a:endParaRPr>
+                    </a:p>
+                  </a:txBody>
+                  <a:tcPr marL="68580" marR="68580" marT="0" marB="0" anchor="b"/>
+                </a:tc>
+                <a:tc>
+                  <a:txBody>
+                    <a:bodyPr/>
+                    <a:lstStyle/>
+                    <a:p>
+                      <a:pPr algn="r">
+                        <a:lnSpc>
+                          <a:spcPct val="107000"/>
+                        </a:lnSpc>
+                        <a:spcAft>
+                          <a:spcPts val="800"/>
+                        </a:spcAft>
+                      </a:pPr>
+                      <a:r>
+                        <a:rPr lang="en-IL" sz="1100" kern="0">
+                          <a:effectLst/>
+                          <a:highlight>
+                            <a:srgbClr val="00FF00"/>
+                          </a:highlight>
+                        </a:rPr>
+                        <a:t>250</a:t>
+                      </a:r>
+                      <a:endParaRPr lang="en-IL" sz="1100" kern="100">
+                        <a:effectLst/>
+                        <a:latin typeface="Aptos" panose="020B0004020202020204" pitchFamily="34" charset="0"/>
+                        <a:ea typeface="Aptos" panose="020B0004020202020204" pitchFamily="34" charset="0"/>
+                        <a:cs typeface="Arial" panose="020B0604020202020204" pitchFamily="34" charset="0"/>
+                      </a:endParaRPr>
+                    </a:p>
+                  </a:txBody>
+                  <a:tcPr marL="68580" marR="68580" marT="0" marB="0" anchor="b"/>
+                </a:tc>
+                <a:tc>
+                  <a:txBody>
+                    <a:bodyPr/>
+                    <a:lstStyle/>
+                    <a:p>
+                      <a:pPr algn="r">
+                        <a:lnSpc>
+                          <a:spcPct val="107000"/>
+                        </a:lnSpc>
+                        <a:spcAft>
+                          <a:spcPts val="800"/>
+                        </a:spcAft>
+                      </a:pPr>
+                      <a:r>
+                        <a:rPr lang="en-IL" sz="1100" kern="0">
+                          <a:effectLst/>
+                          <a:highlight>
+                            <a:srgbClr val="FFFF00"/>
+                          </a:highlight>
+                        </a:rPr>
+                        <a:t>5181</a:t>
+                      </a:r>
+                      <a:endParaRPr lang="en-IL" sz="1100" kern="100">
+                        <a:effectLst/>
+                        <a:latin typeface="Aptos" panose="020B0004020202020204" pitchFamily="34" charset="0"/>
+                        <a:ea typeface="Aptos" panose="020B0004020202020204" pitchFamily="34" charset="0"/>
+                        <a:cs typeface="Arial" panose="020B0604020202020204" pitchFamily="34" charset="0"/>
+                      </a:endParaRPr>
+                    </a:p>
+                  </a:txBody>
+                  <a:tcPr marL="68580" marR="68580" marT="0" marB="0" anchor="b"/>
+                </a:tc>
+                <a:extLst>
+                  <a:ext uri="{0D108BD9-81ED-4DB2-BD59-A6C34878D82A}">
+                    <a16:rowId xmlns:a16="http://schemas.microsoft.com/office/drawing/2014/main" val="1284580591"/>
+                  </a:ext>
+                </a:extLst>
+              </a:tr>
+              <a:tr h="190500">
+                <a:tc>
+                  <a:txBody>
+                    <a:bodyPr/>
+                    <a:lstStyle/>
+                    <a:p>
+                      <a:pPr>
+                        <a:lnSpc>
+                          <a:spcPct val="107000"/>
+                        </a:lnSpc>
+                        <a:spcAft>
+                          <a:spcPts val="800"/>
+                        </a:spcAft>
+                      </a:pPr>
+                      <a:r>
+                        <a:rPr lang="en-IL" sz="1100" kern="0">
+                          <a:effectLst/>
+                        </a:rPr>
+                        <a:t>Current_secondary</a:t>
+                      </a:r>
+                      <a:endParaRPr lang="en-IL" sz="1100" kern="100">
+                        <a:effectLst/>
+                        <a:latin typeface="Aptos" panose="020B0004020202020204" pitchFamily="34" charset="0"/>
+                        <a:ea typeface="Aptos" panose="020B0004020202020204" pitchFamily="34" charset="0"/>
+                        <a:cs typeface="Arial" panose="020B0604020202020204" pitchFamily="34" charset="0"/>
+                      </a:endParaRPr>
+                    </a:p>
+                  </a:txBody>
+                  <a:tcPr marL="68580" marR="68580" marT="0" marB="0" anchor="b"/>
+                </a:tc>
+                <a:tc>
+                  <a:txBody>
+                    <a:bodyPr/>
+                    <a:lstStyle/>
+                    <a:p>
+                      <a:pPr algn="r">
+                        <a:lnSpc>
+                          <a:spcPct val="107000"/>
+                        </a:lnSpc>
+                        <a:spcAft>
+                          <a:spcPts val="800"/>
+                        </a:spcAft>
+                      </a:pPr>
+                      <a:r>
+                        <a:rPr lang="en-IL" sz="1100" kern="0">
+                          <a:effectLst/>
+                        </a:rPr>
+                        <a:t>495.3</a:t>
+                      </a:r>
+                      <a:endParaRPr lang="en-IL" sz="1100" kern="100">
+                        <a:effectLst/>
+                        <a:latin typeface="Aptos" panose="020B0004020202020204" pitchFamily="34" charset="0"/>
+                        <a:ea typeface="Aptos" panose="020B0004020202020204" pitchFamily="34" charset="0"/>
+                        <a:cs typeface="Arial" panose="020B0604020202020204" pitchFamily="34" charset="0"/>
+                      </a:endParaRPr>
+                    </a:p>
+                  </a:txBody>
+                  <a:tcPr marL="68580" marR="68580" marT="0" marB="0" anchor="b"/>
+                </a:tc>
+                <a:tc>
+                  <a:txBody>
+                    <a:bodyPr/>
+                    <a:lstStyle/>
+                    <a:p>
+                      <a:pPr algn="r">
+                        <a:lnSpc>
+                          <a:spcPct val="107000"/>
+                        </a:lnSpc>
+                        <a:spcAft>
+                          <a:spcPts val="800"/>
+                        </a:spcAft>
+                      </a:pPr>
+                      <a:r>
+                        <a:rPr lang="en-IL" sz="1100" kern="0">
+                          <a:effectLst/>
+                        </a:rPr>
+                        <a:t>500</a:t>
+                      </a:r>
+                      <a:endParaRPr lang="en-IL" sz="1100" kern="100">
+                        <a:effectLst/>
+                        <a:latin typeface="Aptos" panose="020B0004020202020204" pitchFamily="34" charset="0"/>
+                        <a:ea typeface="Aptos" panose="020B0004020202020204" pitchFamily="34" charset="0"/>
+                        <a:cs typeface="Arial" panose="020B0604020202020204" pitchFamily="34" charset="0"/>
+                      </a:endParaRPr>
+                    </a:p>
+                  </a:txBody>
+                  <a:tcPr marL="68580" marR="68580" marT="0" marB="0" anchor="b"/>
+                </a:tc>
+                <a:tc>
+                  <a:txBody>
+                    <a:bodyPr/>
+                    <a:lstStyle/>
+                    <a:p>
+                      <a:pPr algn="r">
+                        <a:lnSpc>
+                          <a:spcPct val="107000"/>
+                        </a:lnSpc>
+                        <a:spcAft>
+                          <a:spcPts val="800"/>
+                        </a:spcAft>
+                      </a:pPr>
+                      <a:r>
+                        <a:rPr lang="en-IL" sz="1100" kern="0">
+                          <a:effectLst/>
+                        </a:rPr>
+                        <a:t>283.4</a:t>
+                      </a:r>
+                      <a:endParaRPr lang="en-IL" sz="1100" kern="100">
+                        <a:effectLst/>
+                        <a:latin typeface="Aptos" panose="020B0004020202020204" pitchFamily="34" charset="0"/>
+                        <a:ea typeface="Aptos" panose="020B0004020202020204" pitchFamily="34" charset="0"/>
+                        <a:cs typeface="Arial" panose="020B0604020202020204" pitchFamily="34" charset="0"/>
+                      </a:endParaRPr>
+                    </a:p>
+                  </a:txBody>
+                  <a:tcPr marL="68580" marR="68580" marT="0" marB="0" anchor="b"/>
+                </a:tc>
+                <a:tc>
+                  <a:txBody>
+                    <a:bodyPr/>
+                    <a:lstStyle/>
+                    <a:p>
+                      <a:pPr algn="r">
+                        <a:lnSpc>
+                          <a:spcPct val="107000"/>
+                        </a:lnSpc>
+                        <a:spcAft>
+                          <a:spcPts val="800"/>
+                        </a:spcAft>
+                      </a:pPr>
+                      <a:r>
+                        <a:rPr lang="en-IL" sz="1100" kern="0">
+                          <a:effectLst/>
+                        </a:rPr>
+                        <a:t>0</a:t>
+                      </a:r>
+                      <a:endParaRPr lang="en-IL" sz="1100" kern="100">
+                        <a:effectLst/>
+                        <a:latin typeface="Aptos" panose="020B0004020202020204" pitchFamily="34" charset="0"/>
+                        <a:ea typeface="Aptos" panose="020B0004020202020204" pitchFamily="34" charset="0"/>
+                        <a:cs typeface="Arial" panose="020B0604020202020204" pitchFamily="34" charset="0"/>
+                      </a:endParaRPr>
+                    </a:p>
+                  </a:txBody>
+                  <a:tcPr marL="68580" marR="68580" marT="0" marB="0" anchor="b"/>
+                </a:tc>
+                <a:tc>
+                  <a:txBody>
+                    <a:bodyPr/>
+                    <a:lstStyle/>
+                    <a:p>
+                      <a:pPr algn="r">
+                        <a:lnSpc>
+                          <a:spcPct val="107000"/>
+                        </a:lnSpc>
+                        <a:spcAft>
+                          <a:spcPts val="800"/>
+                        </a:spcAft>
+                      </a:pPr>
+                      <a:r>
+                        <a:rPr lang="en-IL" sz="1100" kern="0">
+                          <a:effectLst/>
+                          <a:highlight>
+                            <a:srgbClr val="00FF00"/>
+                          </a:highlight>
+                        </a:rPr>
+                        <a:t>999</a:t>
+                      </a:r>
+                      <a:endParaRPr lang="en-IL" sz="1100" kern="100">
+                        <a:effectLst/>
+                        <a:latin typeface="Aptos" panose="020B0004020202020204" pitchFamily="34" charset="0"/>
+                        <a:ea typeface="Aptos" panose="020B0004020202020204" pitchFamily="34" charset="0"/>
+                        <a:cs typeface="Arial" panose="020B0604020202020204" pitchFamily="34" charset="0"/>
+                      </a:endParaRPr>
+                    </a:p>
+                  </a:txBody>
+                  <a:tcPr marL="68580" marR="68580" marT="0" marB="0" anchor="b"/>
+                </a:tc>
+                <a:tc>
+                  <a:txBody>
+                    <a:bodyPr/>
+                    <a:lstStyle/>
+                    <a:p>
+                      <a:pPr algn="r">
+                        <a:lnSpc>
+                          <a:spcPct val="107000"/>
+                        </a:lnSpc>
+                        <a:spcAft>
+                          <a:spcPts val="800"/>
+                        </a:spcAft>
+                      </a:pPr>
+                      <a:r>
+                        <a:rPr lang="en-IL" sz="1100" kern="0">
+                          <a:effectLst/>
+                          <a:highlight>
+                            <a:srgbClr val="FFFF00"/>
+                          </a:highlight>
+                        </a:rPr>
+                        <a:t>5181</a:t>
+                      </a:r>
+                      <a:endParaRPr lang="en-IL" sz="1100" kern="100">
+                        <a:effectLst/>
+                        <a:latin typeface="Aptos" panose="020B0004020202020204" pitchFamily="34" charset="0"/>
+                        <a:ea typeface="Aptos" panose="020B0004020202020204" pitchFamily="34" charset="0"/>
+                        <a:cs typeface="Arial" panose="020B0604020202020204" pitchFamily="34" charset="0"/>
+                      </a:endParaRPr>
+                    </a:p>
+                  </a:txBody>
+                  <a:tcPr marL="68580" marR="68580" marT="0" marB="0" anchor="b"/>
+                </a:tc>
+                <a:extLst>
+                  <a:ext uri="{0D108BD9-81ED-4DB2-BD59-A6C34878D82A}">
+                    <a16:rowId xmlns:a16="http://schemas.microsoft.com/office/drawing/2014/main" val="3474477479"/>
+                  </a:ext>
+                </a:extLst>
+              </a:tr>
+              <a:tr h="190500">
+                <a:tc>
+                  <a:txBody>
+                    <a:bodyPr/>
+                    <a:lstStyle/>
+                    <a:p>
+                      <a:pPr>
+                        <a:lnSpc>
+                          <a:spcPct val="107000"/>
+                        </a:lnSpc>
+                        <a:spcAft>
+                          <a:spcPts val="800"/>
+                        </a:spcAft>
+                      </a:pPr>
+                      <a:r>
+                        <a:rPr lang="en-IL" sz="1100" kern="0">
+                          <a:effectLst/>
+                        </a:rPr>
+                        <a:t>Temperature_main</a:t>
+                      </a:r>
+                      <a:endParaRPr lang="en-IL" sz="1100" kern="100">
+                        <a:effectLst/>
+                        <a:latin typeface="Aptos" panose="020B0004020202020204" pitchFamily="34" charset="0"/>
+                        <a:ea typeface="Aptos" panose="020B0004020202020204" pitchFamily="34" charset="0"/>
+                        <a:cs typeface="Arial" panose="020B0604020202020204" pitchFamily="34" charset="0"/>
+                      </a:endParaRPr>
+                    </a:p>
+                  </a:txBody>
+                  <a:tcPr marL="68580" marR="68580" marT="0" marB="0" anchor="b"/>
+                </a:tc>
+                <a:tc>
+                  <a:txBody>
+                    <a:bodyPr/>
+                    <a:lstStyle/>
+                    <a:p>
+                      <a:pPr algn="r">
+                        <a:lnSpc>
+                          <a:spcPct val="107000"/>
+                        </a:lnSpc>
+                        <a:spcAft>
+                          <a:spcPts val="800"/>
+                        </a:spcAft>
+                      </a:pPr>
+                      <a:r>
+                        <a:rPr lang="en-IL" sz="1100" kern="0">
+                          <a:effectLst/>
+                        </a:rPr>
+                        <a:t>13.9</a:t>
+                      </a:r>
+                      <a:endParaRPr lang="en-IL" sz="1100" kern="100">
+                        <a:effectLst/>
+                        <a:latin typeface="Aptos" panose="020B0004020202020204" pitchFamily="34" charset="0"/>
+                        <a:ea typeface="Aptos" panose="020B0004020202020204" pitchFamily="34" charset="0"/>
+                        <a:cs typeface="Arial" panose="020B0604020202020204" pitchFamily="34" charset="0"/>
+                      </a:endParaRPr>
+                    </a:p>
+                  </a:txBody>
+                  <a:tcPr marL="68580" marR="68580" marT="0" marB="0" anchor="b"/>
+                </a:tc>
+                <a:tc>
+                  <a:txBody>
+                    <a:bodyPr/>
+                    <a:lstStyle/>
+                    <a:p>
+                      <a:pPr algn="r">
+                        <a:lnSpc>
+                          <a:spcPct val="107000"/>
+                        </a:lnSpc>
+                        <a:spcAft>
+                          <a:spcPts val="800"/>
+                        </a:spcAft>
+                      </a:pPr>
+                      <a:r>
+                        <a:rPr lang="en-IL" sz="1100" kern="0">
+                          <a:effectLst/>
+                        </a:rPr>
+                        <a:t>7</a:t>
+                      </a:r>
+                      <a:endParaRPr lang="en-IL" sz="1100" kern="100">
+                        <a:effectLst/>
+                        <a:latin typeface="Aptos" panose="020B0004020202020204" pitchFamily="34" charset="0"/>
+                        <a:ea typeface="Aptos" panose="020B0004020202020204" pitchFamily="34" charset="0"/>
+                        <a:cs typeface="Arial" panose="020B0604020202020204" pitchFamily="34" charset="0"/>
+                      </a:endParaRPr>
+                    </a:p>
+                  </a:txBody>
+                  <a:tcPr marL="68580" marR="68580" marT="0" marB="0" anchor="b"/>
+                </a:tc>
+                <a:tc>
+                  <a:txBody>
+                    <a:bodyPr/>
+                    <a:lstStyle/>
+                    <a:p>
+                      <a:pPr algn="r">
+                        <a:lnSpc>
+                          <a:spcPct val="107000"/>
+                        </a:lnSpc>
+                        <a:spcAft>
+                          <a:spcPts val="800"/>
+                        </a:spcAft>
+                      </a:pPr>
+                      <a:r>
+                        <a:rPr lang="en-IL" sz="1100" kern="0">
+                          <a:effectLst/>
+                        </a:rPr>
+                        <a:t>19</a:t>
+                      </a:r>
+                      <a:endParaRPr lang="en-IL" sz="1100" kern="100">
+                        <a:effectLst/>
+                        <a:latin typeface="Aptos" panose="020B0004020202020204" pitchFamily="34" charset="0"/>
+                        <a:ea typeface="Aptos" panose="020B0004020202020204" pitchFamily="34" charset="0"/>
+                        <a:cs typeface="Arial" panose="020B0604020202020204" pitchFamily="34" charset="0"/>
+                      </a:endParaRPr>
+                    </a:p>
+                  </a:txBody>
+                  <a:tcPr marL="68580" marR="68580" marT="0" marB="0" anchor="b"/>
+                </a:tc>
+                <a:tc>
+                  <a:txBody>
+                    <a:bodyPr/>
+                    <a:lstStyle/>
+                    <a:p>
+                      <a:pPr algn="r">
+                        <a:lnSpc>
+                          <a:spcPct val="107000"/>
+                        </a:lnSpc>
+                        <a:spcAft>
+                          <a:spcPts val="800"/>
+                        </a:spcAft>
+                      </a:pPr>
+                      <a:r>
+                        <a:rPr lang="en-IL" sz="1100" kern="0">
+                          <a:effectLst/>
+                        </a:rPr>
+                        <a:t>0</a:t>
+                      </a:r>
+                      <a:endParaRPr lang="en-IL" sz="1100" kern="100">
+                        <a:effectLst/>
+                        <a:latin typeface="Aptos" panose="020B0004020202020204" pitchFamily="34" charset="0"/>
+                        <a:ea typeface="Aptos" panose="020B0004020202020204" pitchFamily="34" charset="0"/>
+                        <a:cs typeface="Arial" panose="020B0604020202020204" pitchFamily="34" charset="0"/>
+                      </a:endParaRPr>
+                    </a:p>
+                  </a:txBody>
+                  <a:tcPr marL="68580" marR="68580" marT="0" marB="0" anchor="b"/>
+                </a:tc>
+                <a:tc>
+                  <a:txBody>
+                    <a:bodyPr/>
+                    <a:lstStyle/>
+                    <a:p>
+                      <a:pPr algn="r">
+                        <a:lnSpc>
+                          <a:spcPct val="107000"/>
+                        </a:lnSpc>
+                        <a:spcAft>
+                          <a:spcPts val="800"/>
+                        </a:spcAft>
+                      </a:pPr>
+                      <a:r>
+                        <a:rPr lang="en-IL" sz="1100" kern="0">
+                          <a:effectLst/>
+                          <a:highlight>
+                            <a:srgbClr val="00FF00"/>
+                          </a:highlight>
+                        </a:rPr>
+                        <a:t>248</a:t>
+                      </a:r>
+                      <a:endParaRPr lang="en-IL" sz="1100" kern="100">
+                        <a:effectLst/>
+                        <a:latin typeface="Aptos" panose="020B0004020202020204" pitchFamily="34" charset="0"/>
+                        <a:ea typeface="Aptos" panose="020B0004020202020204" pitchFamily="34" charset="0"/>
+                        <a:cs typeface="Arial" panose="020B0604020202020204" pitchFamily="34" charset="0"/>
+                      </a:endParaRPr>
+                    </a:p>
+                  </a:txBody>
+                  <a:tcPr marL="68580" marR="68580" marT="0" marB="0" anchor="b"/>
+                </a:tc>
+                <a:tc>
+                  <a:txBody>
+                    <a:bodyPr/>
+                    <a:lstStyle/>
+                    <a:p>
+                      <a:pPr algn="r">
+                        <a:lnSpc>
+                          <a:spcPct val="107000"/>
+                        </a:lnSpc>
+                        <a:spcAft>
+                          <a:spcPts val="800"/>
+                        </a:spcAft>
+                      </a:pPr>
+                      <a:r>
+                        <a:rPr lang="en-IL" sz="1100" kern="0">
+                          <a:effectLst/>
+                          <a:highlight>
+                            <a:srgbClr val="FFFF00"/>
+                          </a:highlight>
+                        </a:rPr>
+                        <a:t>5181</a:t>
+                      </a:r>
+                      <a:endParaRPr lang="en-IL" sz="1100" kern="100">
+                        <a:effectLst/>
+                        <a:latin typeface="Aptos" panose="020B0004020202020204" pitchFamily="34" charset="0"/>
+                        <a:ea typeface="Aptos" panose="020B0004020202020204" pitchFamily="34" charset="0"/>
+                        <a:cs typeface="Arial" panose="020B0604020202020204" pitchFamily="34" charset="0"/>
+                      </a:endParaRPr>
+                    </a:p>
+                  </a:txBody>
+                  <a:tcPr marL="68580" marR="68580" marT="0" marB="0" anchor="b"/>
+                </a:tc>
+                <a:extLst>
+                  <a:ext uri="{0D108BD9-81ED-4DB2-BD59-A6C34878D82A}">
+                    <a16:rowId xmlns:a16="http://schemas.microsoft.com/office/drawing/2014/main" val="435817034"/>
+                  </a:ext>
+                </a:extLst>
+              </a:tr>
+              <a:tr h="190500">
+                <a:tc>
+                  <a:txBody>
+                    <a:bodyPr/>
+                    <a:lstStyle/>
+                    <a:p>
+                      <a:pPr>
+                        <a:lnSpc>
+                          <a:spcPct val="107000"/>
+                        </a:lnSpc>
+                        <a:spcAft>
+                          <a:spcPts val="800"/>
+                        </a:spcAft>
+                      </a:pPr>
+                      <a:r>
+                        <a:rPr lang="en-IL" sz="1100" kern="0">
+                          <a:effectLst/>
+                        </a:rPr>
+                        <a:t>Temperature_secondary</a:t>
+                      </a:r>
+                      <a:endParaRPr lang="en-IL" sz="1100" kern="100">
+                        <a:effectLst/>
+                        <a:latin typeface="Aptos" panose="020B0004020202020204" pitchFamily="34" charset="0"/>
+                        <a:ea typeface="Aptos" panose="020B0004020202020204" pitchFamily="34" charset="0"/>
+                        <a:cs typeface="Arial" panose="020B0604020202020204" pitchFamily="34" charset="0"/>
+                      </a:endParaRPr>
+                    </a:p>
+                  </a:txBody>
+                  <a:tcPr marL="68580" marR="68580" marT="0" marB="0" anchor="b"/>
+                </a:tc>
+                <a:tc>
+                  <a:txBody>
+                    <a:bodyPr/>
+                    <a:lstStyle/>
+                    <a:p>
+                      <a:pPr algn="r">
+                        <a:lnSpc>
+                          <a:spcPct val="107000"/>
+                        </a:lnSpc>
+                        <a:spcAft>
+                          <a:spcPts val="800"/>
+                        </a:spcAft>
+                      </a:pPr>
+                      <a:r>
+                        <a:rPr lang="en-IL" sz="1100" kern="0">
+                          <a:effectLst/>
+                        </a:rPr>
+                        <a:t>495.2</a:t>
+                      </a:r>
+                      <a:endParaRPr lang="en-IL" sz="1100" kern="100">
+                        <a:effectLst/>
+                        <a:latin typeface="Aptos" panose="020B0004020202020204" pitchFamily="34" charset="0"/>
+                        <a:ea typeface="Aptos" panose="020B0004020202020204" pitchFamily="34" charset="0"/>
+                        <a:cs typeface="Arial" panose="020B0604020202020204" pitchFamily="34" charset="0"/>
+                      </a:endParaRPr>
+                    </a:p>
+                  </a:txBody>
+                  <a:tcPr marL="68580" marR="68580" marT="0" marB="0" anchor="b"/>
+                </a:tc>
+                <a:tc>
+                  <a:txBody>
+                    <a:bodyPr/>
+                    <a:lstStyle/>
+                    <a:p>
+                      <a:pPr algn="r">
+                        <a:lnSpc>
+                          <a:spcPct val="107000"/>
+                        </a:lnSpc>
+                        <a:spcAft>
+                          <a:spcPts val="800"/>
+                        </a:spcAft>
+                      </a:pPr>
+                      <a:r>
+                        <a:rPr lang="en-IL" sz="1100" kern="0">
+                          <a:effectLst/>
+                        </a:rPr>
+                        <a:t>494</a:t>
+                      </a:r>
+                      <a:endParaRPr lang="en-IL" sz="1100" kern="100">
+                        <a:effectLst/>
+                        <a:latin typeface="Aptos" panose="020B0004020202020204" pitchFamily="34" charset="0"/>
+                        <a:ea typeface="Aptos" panose="020B0004020202020204" pitchFamily="34" charset="0"/>
+                        <a:cs typeface="Arial" panose="020B0604020202020204" pitchFamily="34" charset="0"/>
+                      </a:endParaRPr>
+                    </a:p>
+                  </a:txBody>
+                  <a:tcPr marL="68580" marR="68580" marT="0" marB="0" anchor="b"/>
+                </a:tc>
+                <a:tc>
+                  <a:txBody>
+                    <a:bodyPr/>
+                    <a:lstStyle/>
+                    <a:p>
+                      <a:pPr algn="r">
+                        <a:lnSpc>
+                          <a:spcPct val="107000"/>
+                        </a:lnSpc>
+                        <a:spcAft>
+                          <a:spcPts val="800"/>
+                        </a:spcAft>
+                      </a:pPr>
+                      <a:r>
+                        <a:rPr lang="en-IL" sz="1100" kern="0">
+                          <a:effectLst/>
+                        </a:rPr>
+                        <a:t>283.7</a:t>
+                      </a:r>
+                      <a:endParaRPr lang="en-IL" sz="1100" kern="100">
+                        <a:effectLst/>
+                        <a:latin typeface="Aptos" panose="020B0004020202020204" pitchFamily="34" charset="0"/>
+                        <a:ea typeface="Aptos" panose="020B0004020202020204" pitchFamily="34" charset="0"/>
+                        <a:cs typeface="Arial" panose="020B0604020202020204" pitchFamily="34" charset="0"/>
+                      </a:endParaRPr>
+                    </a:p>
+                  </a:txBody>
+                  <a:tcPr marL="68580" marR="68580" marT="0" marB="0" anchor="b"/>
+                </a:tc>
+                <a:tc>
+                  <a:txBody>
+                    <a:bodyPr/>
+                    <a:lstStyle/>
+                    <a:p>
+                      <a:pPr algn="r">
+                        <a:lnSpc>
+                          <a:spcPct val="107000"/>
+                        </a:lnSpc>
+                        <a:spcAft>
+                          <a:spcPts val="800"/>
+                        </a:spcAft>
+                      </a:pPr>
+                      <a:r>
+                        <a:rPr lang="en-IL" sz="1100" kern="0">
+                          <a:effectLst/>
+                        </a:rPr>
+                        <a:t>0</a:t>
+                      </a:r>
+                      <a:endParaRPr lang="en-IL" sz="1100" kern="100">
+                        <a:effectLst/>
+                        <a:latin typeface="Aptos" panose="020B0004020202020204" pitchFamily="34" charset="0"/>
+                        <a:ea typeface="Aptos" panose="020B0004020202020204" pitchFamily="34" charset="0"/>
+                        <a:cs typeface="Arial" panose="020B0604020202020204" pitchFamily="34" charset="0"/>
+                      </a:endParaRPr>
+                    </a:p>
+                  </a:txBody>
+                  <a:tcPr marL="68580" marR="68580" marT="0" marB="0" anchor="b"/>
+                </a:tc>
+                <a:tc>
+                  <a:txBody>
+                    <a:bodyPr/>
+                    <a:lstStyle/>
+                    <a:p>
+                      <a:pPr algn="r">
+                        <a:lnSpc>
+                          <a:spcPct val="107000"/>
+                        </a:lnSpc>
+                        <a:spcAft>
+                          <a:spcPts val="800"/>
+                        </a:spcAft>
+                      </a:pPr>
+                      <a:r>
+                        <a:rPr lang="en-IL" sz="1100" kern="0">
+                          <a:effectLst/>
+                          <a:highlight>
+                            <a:srgbClr val="00FF00"/>
+                          </a:highlight>
+                        </a:rPr>
+                        <a:t>999</a:t>
+                      </a:r>
+                      <a:endParaRPr lang="en-IL" sz="1100" kern="100">
+                        <a:effectLst/>
+                        <a:latin typeface="Aptos" panose="020B0004020202020204" pitchFamily="34" charset="0"/>
+                        <a:ea typeface="Aptos" panose="020B0004020202020204" pitchFamily="34" charset="0"/>
+                        <a:cs typeface="Arial" panose="020B0604020202020204" pitchFamily="34" charset="0"/>
+                      </a:endParaRPr>
+                    </a:p>
+                  </a:txBody>
+                  <a:tcPr marL="68580" marR="68580" marT="0" marB="0" anchor="b"/>
+                </a:tc>
+                <a:tc>
+                  <a:txBody>
+                    <a:bodyPr/>
+                    <a:lstStyle/>
+                    <a:p>
+                      <a:pPr algn="r">
+                        <a:lnSpc>
+                          <a:spcPct val="107000"/>
+                        </a:lnSpc>
+                        <a:spcAft>
+                          <a:spcPts val="800"/>
+                        </a:spcAft>
+                      </a:pPr>
+                      <a:r>
+                        <a:rPr lang="en-IL" sz="1100" kern="0" dirty="0">
+                          <a:effectLst/>
+                          <a:highlight>
+                            <a:srgbClr val="FFFF00"/>
+                          </a:highlight>
+                        </a:rPr>
+                        <a:t>5181</a:t>
+                      </a:r>
+                      <a:endParaRPr lang="en-IL" sz="1100" kern="100" dirty="0">
+                        <a:effectLst/>
+                        <a:latin typeface="Aptos" panose="020B0004020202020204" pitchFamily="34" charset="0"/>
+                        <a:ea typeface="Aptos" panose="020B0004020202020204" pitchFamily="34" charset="0"/>
+                        <a:cs typeface="Arial" panose="020B0604020202020204" pitchFamily="34" charset="0"/>
+                      </a:endParaRPr>
+                    </a:p>
+                  </a:txBody>
+                  <a:tcPr marL="68580" marR="68580" marT="0" marB="0" anchor="b"/>
+                </a:tc>
+                <a:extLst>
+                  <a:ext uri="{0D108BD9-81ED-4DB2-BD59-A6C34878D82A}">
+                    <a16:rowId xmlns:a16="http://schemas.microsoft.com/office/drawing/2014/main" val="1340081036"/>
+                  </a:ext>
+                </a:extLst>
+              </a:tr>
+            </a:tbl>
+          </a:graphicData>
+        </a:graphic>
+      </p:graphicFrame>
+      <p:sp>
+        <p:nvSpPr>
+          <p:cNvPr id="11" name="Oval 10">
+            <a:extLst>
+              <a:ext uri="{FF2B5EF4-FFF2-40B4-BE49-F238E27FC236}">
+                <a16:creationId xmlns:a16="http://schemas.microsoft.com/office/drawing/2014/main" id="{C9515630-1195-5EBF-213A-03EE7FDCC157}"/>
+              </a:ext>
+            </a:extLst>
+          </p:cNvPr>
+          <p:cNvSpPr/>
+          <p:nvPr/>
+        </p:nvSpPr>
+        <p:spPr>
+          <a:xfrm>
+            <a:off x="1490472" y="4507992"/>
+            <a:ext cx="1764792" cy="2130551"/>
+          </a:xfrm>
+          <a:prstGeom prst="ellipse">
+            <a:avLst/>
+          </a:prstGeom>
+          <a:solidFill>
+            <a:srgbClr val="961702">
+              <a:alpha val="29020"/>
+            </a:srgbClr>
+          </a:solidFill>
+        </p:spPr>
+        <p:style>
+          <a:lnRef idx="2">
+            <a:schemeClr val="accent1">
+              <a:shade val="15000"/>
+            </a:schemeClr>
+          </a:lnRef>
+          <a:fillRef idx="1">
+            <a:schemeClr val="accent1"/>
+          </a:fillRef>
+          <a:effectRef idx="0">
+            <a:schemeClr val="accent1"/>
+          </a:effectRef>
+          <a:fontRef idx="minor">
+            <a:schemeClr val="lt1"/>
+          </a:fontRef>
+        </p:style>
+        <p:txBody>
+          <a:bodyPr rtlCol="0" anchor="ctr"/>
+          <a:lstStyle/>
+          <a:p>
+            <a:pPr algn="ctr"/>
+            <a:endParaRPr lang="en-IL"/>
+          </a:p>
+        </p:txBody>
+      </p:sp>
+      <p:sp>
+        <p:nvSpPr>
+          <p:cNvPr id="12" name="Oval 11">
+            <a:extLst>
+              <a:ext uri="{FF2B5EF4-FFF2-40B4-BE49-F238E27FC236}">
+                <a16:creationId xmlns:a16="http://schemas.microsoft.com/office/drawing/2014/main" id="{5F8FCE28-F02A-851A-DA2A-36428BEA8968}"/>
+              </a:ext>
+            </a:extLst>
+          </p:cNvPr>
+          <p:cNvSpPr/>
+          <p:nvPr/>
+        </p:nvSpPr>
+        <p:spPr>
+          <a:xfrm>
+            <a:off x="7728204" y="4507992"/>
+            <a:ext cx="1764792" cy="2130551"/>
+          </a:xfrm>
+          <a:prstGeom prst="ellipse">
+            <a:avLst/>
+          </a:prstGeom>
+          <a:solidFill>
+            <a:srgbClr val="961702">
+              <a:alpha val="29020"/>
+            </a:srgbClr>
+          </a:solidFill>
+        </p:spPr>
+        <p:style>
+          <a:lnRef idx="2">
+            <a:schemeClr val="accent1">
+              <a:shade val="15000"/>
+            </a:schemeClr>
+          </a:lnRef>
+          <a:fillRef idx="1">
+            <a:schemeClr val="accent1"/>
+          </a:fillRef>
+          <a:effectRef idx="0">
+            <a:schemeClr val="accent1"/>
+          </a:effectRef>
+          <a:fontRef idx="minor">
+            <a:schemeClr val="lt1"/>
+          </a:fontRef>
+        </p:style>
+        <p:txBody>
+          <a:bodyPr rtlCol="0" anchor="ctr"/>
+          <a:lstStyle/>
+          <a:p>
+            <a:pPr algn="ctr"/>
+            <a:endParaRPr lang="en-IL"/>
+          </a:p>
+        </p:txBody>
+      </p:sp>
+      <p:sp>
+        <p:nvSpPr>
+          <p:cNvPr id="13" name="Oval 12">
+            <a:extLst>
+              <a:ext uri="{FF2B5EF4-FFF2-40B4-BE49-F238E27FC236}">
+                <a16:creationId xmlns:a16="http://schemas.microsoft.com/office/drawing/2014/main" id="{84E7D575-8BE3-0ECE-88C5-BE1B6D74AEFB}"/>
+              </a:ext>
+            </a:extLst>
+          </p:cNvPr>
+          <p:cNvSpPr/>
+          <p:nvPr/>
+        </p:nvSpPr>
+        <p:spPr>
+          <a:xfrm>
+            <a:off x="1490472" y="5047488"/>
+            <a:ext cx="1691640" cy="246888"/>
+          </a:xfrm>
+          <a:prstGeom prst="ellipse">
+            <a:avLst/>
+          </a:prstGeom>
+          <a:solidFill>
+            <a:srgbClr val="FFFF00">
+              <a:alpha val="25882"/>
+            </a:srgbClr>
+          </a:solidFill>
+        </p:spPr>
+        <p:style>
+          <a:lnRef idx="2">
+            <a:schemeClr val="accent1">
+              <a:shade val="15000"/>
+            </a:schemeClr>
+          </a:lnRef>
+          <a:fillRef idx="1">
+            <a:schemeClr val="accent1"/>
+          </a:fillRef>
+          <a:effectRef idx="0">
+            <a:schemeClr val="accent1"/>
+          </a:effectRef>
+          <a:fontRef idx="minor">
+            <a:schemeClr val="lt1"/>
+          </a:fontRef>
+        </p:style>
+        <p:txBody>
+          <a:bodyPr rtlCol="0" anchor="ctr"/>
+          <a:lstStyle/>
+          <a:p>
+            <a:pPr algn="ctr"/>
+            <a:endParaRPr lang="en-IL"/>
+          </a:p>
+        </p:txBody>
+      </p:sp>
+      <p:sp>
+        <p:nvSpPr>
+          <p:cNvPr id="14" name="Oval 13">
+            <a:extLst>
+              <a:ext uri="{FF2B5EF4-FFF2-40B4-BE49-F238E27FC236}">
+                <a16:creationId xmlns:a16="http://schemas.microsoft.com/office/drawing/2014/main" id="{08FEE61B-A7AF-C0BE-1E15-4EEEBD4354A6}"/>
+              </a:ext>
+            </a:extLst>
+          </p:cNvPr>
+          <p:cNvSpPr/>
+          <p:nvPr/>
+        </p:nvSpPr>
+        <p:spPr>
+          <a:xfrm>
+            <a:off x="7801356" y="5047488"/>
+            <a:ext cx="1691640" cy="246888"/>
+          </a:xfrm>
+          <a:prstGeom prst="ellipse">
+            <a:avLst/>
+          </a:prstGeom>
+          <a:solidFill>
+            <a:srgbClr val="FFFF00">
+              <a:alpha val="25882"/>
+            </a:srgbClr>
+          </a:solidFill>
+        </p:spPr>
+        <p:style>
+          <a:lnRef idx="2">
+            <a:schemeClr val="accent1">
+              <a:shade val="15000"/>
+            </a:schemeClr>
+          </a:lnRef>
+          <a:fillRef idx="1">
+            <a:schemeClr val="accent1"/>
+          </a:fillRef>
+          <a:effectRef idx="0">
+            <a:schemeClr val="accent1"/>
+          </a:effectRef>
+          <a:fontRef idx="minor">
+            <a:schemeClr val="lt1"/>
+          </a:fontRef>
+        </p:style>
+        <p:txBody>
+          <a:bodyPr rtlCol="0" anchor="ctr"/>
+          <a:lstStyle/>
+          <a:p>
+            <a:pPr algn="ctr"/>
+            <a:endParaRPr lang="en-IL"/>
+          </a:p>
+        </p:txBody>
+      </p:sp>
+      <p:sp>
+        <p:nvSpPr>
+          <p:cNvPr id="15" name="Oval 14">
+            <a:extLst>
+              <a:ext uri="{FF2B5EF4-FFF2-40B4-BE49-F238E27FC236}">
+                <a16:creationId xmlns:a16="http://schemas.microsoft.com/office/drawing/2014/main" id="{79B57479-8023-DA42-76FF-64726918D839}"/>
+              </a:ext>
+            </a:extLst>
+          </p:cNvPr>
+          <p:cNvSpPr/>
+          <p:nvPr/>
+        </p:nvSpPr>
+        <p:spPr>
+          <a:xfrm>
+            <a:off x="1563624" y="5243226"/>
+            <a:ext cx="1691640" cy="246888"/>
+          </a:xfrm>
+          <a:prstGeom prst="ellipse">
+            <a:avLst/>
+          </a:prstGeom>
+          <a:solidFill>
+            <a:srgbClr val="FF0000">
+              <a:alpha val="25882"/>
+            </a:srgbClr>
+          </a:solidFill>
+        </p:spPr>
+        <p:style>
+          <a:lnRef idx="2">
+            <a:schemeClr val="accent1">
+              <a:shade val="15000"/>
+            </a:schemeClr>
+          </a:lnRef>
+          <a:fillRef idx="1">
+            <a:schemeClr val="accent1"/>
+          </a:fillRef>
+          <a:effectRef idx="0">
+            <a:schemeClr val="accent1"/>
+          </a:effectRef>
+          <a:fontRef idx="minor">
+            <a:schemeClr val="lt1"/>
+          </a:fontRef>
+        </p:style>
+        <p:txBody>
+          <a:bodyPr rtlCol="0" anchor="ctr"/>
+          <a:lstStyle/>
+          <a:p>
+            <a:pPr algn="ctr"/>
+            <a:endParaRPr lang="en-IL"/>
+          </a:p>
+        </p:txBody>
+      </p:sp>
+      <p:sp>
+        <p:nvSpPr>
+          <p:cNvPr id="16" name="Oval 15">
+            <a:extLst>
+              <a:ext uri="{FF2B5EF4-FFF2-40B4-BE49-F238E27FC236}">
+                <a16:creationId xmlns:a16="http://schemas.microsoft.com/office/drawing/2014/main" id="{924DBD61-D75C-184E-4281-20DB35032409}"/>
+              </a:ext>
+            </a:extLst>
+          </p:cNvPr>
+          <p:cNvSpPr/>
+          <p:nvPr/>
+        </p:nvSpPr>
+        <p:spPr>
+          <a:xfrm>
+            <a:off x="7801356" y="5243226"/>
+            <a:ext cx="1691640" cy="246888"/>
+          </a:xfrm>
+          <a:prstGeom prst="ellipse">
+            <a:avLst/>
+          </a:prstGeom>
+          <a:solidFill>
+            <a:srgbClr val="FF0000">
+              <a:alpha val="25882"/>
+            </a:srgbClr>
+          </a:solidFill>
+        </p:spPr>
+        <p:style>
+          <a:lnRef idx="2">
+            <a:schemeClr val="accent1">
+              <a:shade val="15000"/>
+            </a:schemeClr>
+          </a:lnRef>
+          <a:fillRef idx="1">
+            <a:schemeClr val="accent1"/>
+          </a:fillRef>
+          <a:effectRef idx="0">
+            <a:schemeClr val="accent1"/>
+          </a:effectRef>
+          <a:fontRef idx="minor">
+            <a:schemeClr val="lt1"/>
+          </a:fontRef>
+        </p:style>
+        <p:txBody>
+          <a:bodyPr rtlCol="0" anchor="ctr"/>
+          <a:lstStyle/>
+          <a:p>
+            <a:pPr algn="ctr"/>
+            <a:endParaRPr lang="en-IL"/>
+          </a:p>
+        </p:txBody>
+      </p:sp>
+    </p:spTree>
+    <p:extLst>
+      <p:ext uri="{BB962C8B-B14F-4D97-AF65-F5344CB8AC3E}">
+        <p14:creationId xmlns:p14="http://schemas.microsoft.com/office/powerpoint/2010/main" val="2906492109"/>
+      </p:ext>
+    </p:extLst>
+  </p:cSld>
+  <p:clrMapOvr>
+    <a:masterClrMapping/>
+  </p:clrMapOvr>
+</p:sld>
+</file>
+
+<file path=ppt/slides/slide4.xml><?xml version="1.0" encoding="utf-8"?>
+<p:sld xmlns:a="http://schemas.openxmlformats.org/drawingml/2006/main" xmlns:r="http://schemas.openxmlformats.org/officeDocument/2006/relationships" xmlns:p="http://schemas.openxmlformats.org/presentationml/2006/main">
+  <p:cSld>
+    <p:spTree>
+      <p:nvGrpSpPr>
+        <p:cNvPr id="1" name="">
+          <a:extLst>
+            <a:ext uri="{FF2B5EF4-FFF2-40B4-BE49-F238E27FC236}">
+              <a16:creationId xmlns:a16="http://schemas.microsoft.com/office/drawing/2014/main" id="{117B98F1-F00B-BFD2-72C1-39347D66EEB5}"/>
+            </a:ext>
+          </a:extLst>
+        </p:cNvPr>
+        <p:cNvGrpSpPr/>
+        <p:nvPr/>
+      </p:nvGrpSpPr>
+      <p:grpSpPr>
+        <a:xfrm>
+          <a:off x="0" y="0"/>
+          <a:ext cx="0" cy="0"/>
+          <a:chOff x="0" y="0"/>
+          <a:chExt cx="0" cy="0"/>
+        </a:xfrm>
+      </p:grpSpPr>
+      <p:sp>
+        <p:nvSpPr>
+          <p:cNvPr id="4" name="Footer Placeholder 3">
+            <a:extLst>
+              <a:ext uri="{FF2B5EF4-FFF2-40B4-BE49-F238E27FC236}">
+                <a16:creationId xmlns:a16="http://schemas.microsoft.com/office/drawing/2014/main" id="{B1A769B0-8874-4CE9-30DD-65A6D743EB83}"/>
+              </a:ext>
+            </a:extLst>
+          </p:cNvPr>
+          <p:cNvSpPr>
+            <a:spLocks noGrp="1"/>
+          </p:cNvSpPr>
+          <p:nvPr>
+            <p:ph type="ftr" sz="quarter" idx="11"/>
+          </p:nvPr>
+        </p:nvSpPr>
+        <p:spPr/>
+        <p:txBody>
+          <a:bodyPr/>
+          <a:lstStyle/>
+          <a:p>
+            <a:r>
+              <a:rPr lang="pl-PL" dirty="0"/>
+              <a:t>Ilya Polonsky </a:t>
+            </a:r>
+            <a:r>
+              <a:rPr lang="he-IL" dirty="0"/>
+              <a:t>ענת גרוסמן </a:t>
+            </a:r>
+            <a:r>
+              <a:rPr lang="he-IL" dirty="0" err="1"/>
+              <a:t>ג'וניש</a:t>
+            </a:r>
+            <a:r>
+              <a:rPr lang="he-IL" dirty="0"/>
+              <a:t> </a:t>
+            </a:r>
+            <a:r>
+              <a:rPr lang="pl-PL" dirty="0"/>
+              <a:t>BIU_DS_019</a:t>
+            </a:r>
+            <a:endParaRPr lang="en-IL" dirty="0"/>
+          </a:p>
+        </p:txBody>
+      </p:sp>
+      <p:sp>
+        <p:nvSpPr>
+          <p:cNvPr id="5" name="Slide Number Placeholder 4">
+            <a:extLst>
+              <a:ext uri="{FF2B5EF4-FFF2-40B4-BE49-F238E27FC236}">
+                <a16:creationId xmlns:a16="http://schemas.microsoft.com/office/drawing/2014/main" id="{7CC63FE8-6D69-AFA8-7E8F-A636ED9CC615}"/>
+              </a:ext>
+            </a:extLst>
+          </p:cNvPr>
+          <p:cNvSpPr>
+            <a:spLocks noGrp="1"/>
+          </p:cNvSpPr>
+          <p:nvPr>
+            <p:ph type="sldNum" sz="quarter" idx="12"/>
+          </p:nvPr>
+        </p:nvSpPr>
+        <p:spPr/>
+        <p:txBody>
+          <a:bodyPr/>
+          <a:lstStyle/>
+          <a:p>
+            <a:fld id="{D48DEEBB-C9CA-4DDB-83BF-C3B86CF116A3}" type="slidenum">
+              <a:rPr lang="en-IL" smtClean="0"/>
+              <a:t>4</a:t>
+            </a:fld>
+            <a:endParaRPr lang="en-IL"/>
+          </a:p>
+        </p:txBody>
+      </p:sp>
+      <p:pic>
+        <p:nvPicPr>
+          <p:cNvPr id="2" name="Picture 1">
+            <a:extLst>
+              <a:ext uri="{FF2B5EF4-FFF2-40B4-BE49-F238E27FC236}">
+                <a16:creationId xmlns:a16="http://schemas.microsoft.com/office/drawing/2014/main" id="{BF9CD84B-0E4B-46D0-052A-60E91D714E1C}"/>
+              </a:ext>
+            </a:extLst>
+          </p:cNvPr>
+          <p:cNvPicPr>
+            <a:picLocks noChangeAspect="1"/>
+          </p:cNvPicPr>
+          <p:nvPr/>
+        </p:nvPicPr>
+        <p:blipFill>
+          <a:blip r:embed="rId3" cstate="print">
+            <a:extLst>
+              <a:ext uri="{28A0092B-C50C-407E-A947-70E740481C1C}">
+                <a14:useLocalDpi xmlns:a14="http://schemas.microsoft.com/office/drawing/2010/main" val="0"/>
+              </a:ext>
+            </a:extLst>
+          </a:blip>
+          <a:srcRect/>
+          <a:stretch>
+            <a:fillRect/>
+          </a:stretch>
+        </p:blipFill>
+        <p:spPr bwMode="auto">
+          <a:xfrm>
+            <a:off x="283186" y="331650"/>
+            <a:ext cx="3938016" cy="2623306"/>
+          </a:xfrm>
+          <a:prstGeom prst="rect">
+            <a:avLst/>
+          </a:prstGeom>
+          <a:noFill/>
+          <a:ln>
+            <a:noFill/>
+          </a:ln>
+        </p:spPr>
+      </p:pic>
+      <p:pic>
+        <p:nvPicPr>
+          <p:cNvPr id="3" name="Picture 2">
+            <a:extLst>
+              <a:ext uri="{FF2B5EF4-FFF2-40B4-BE49-F238E27FC236}">
+                <a16:creationId xmlns:a16="http://schemas.microsoft.com/office/drawing/2014/main" id="{63A90558-33C2-50EC-5A8E-5569419C2400}"/>
+              </a:ext>
+            </a:extLst>
+          </p:cNvPr>
+          <p:cNvPicPr>
+            <a:picLocks noChangeAspect="1"/>
+          </p:cNvPicPr>
+          <p:nvPr/>
+        </p:nvPicPr>
+        <p:blipFill>
+          <a:blip r:embed="rId4" cstate="print">
+            <a:extLst>
+              <a:ext uri="{28A0092B-C50C-407E-A947-70E740481C1C}">
+                <a14:useLocalDpi xmlns:a14="http://schemas.microsoft.com/office/drawing/2010/main" val="0"/>
+              </a:ext>
+            </a:extLst>
+          </a:blip>
+          <a:srcRect/>
+          <a:stretch>
+            <a:fillRect/>
+          </a:stretch>
+        </p:blipFill>
+        <p:spPr bwMode="auto">
+          <a:xfrm>
+            <a:off x="4483008" y="502960"/>
+            <a:ext cx="3615723" cy="2451996"/>
+          </a:xfrm>
+          <a:prstGeom prst="rect">
+            <a:avLst/>
+          </a:prstGeom>
+          <a:noFill/>
+          <a:ln>
+            <a:noFill/>
+          </a:ln>
+        </p:spPr>
+      </p:pic>
+      <p:pic>
+        <p:nvPicPr>
+          <p:cNvPr id="6" name="Picture 5">
+            <a:extLst>
+              <a:ext uri="{FF2B5EF4-FFF2-40B4-BE49-F238E27FC236}">
+                <a16:creationId xmlns:a16="http://schemas.microsoft.com/office/drawing/2014/main" id="{005FB78D-1317-E1B3-4CD8-258304D57E9F}"/>
+              </a:ext>
+            </a:extLst>
+          </p:cNvPr>
+          <p:cNvPicPr>
+            <a:picLocks noChangeAspect="1"/>
+          </p:cNvPicPr>
+          <p:nvPr/>
+        </p:nvPicPr>
+        <p:blipFill>
+          <a:blip r:embed="rId5" cstate="print">
+            <a:extLst>
+              <a:ext uri="{28A0092B-C50C-407E-A947-70E740481C1C}">
+                <a14:useLocalDpi xmlns:a14="http://schemas.microsoft.com/office/drawing/2010/main" val="0"/>
+              </a:ext>
+            </a:extLst>
+          </a:blip>
+          <a:srcRect/>
+          <a:stretch>
+            <a:fillRect/>
+          </a:stretch>
+        </p:blipFill>
+        <p:spPr bwMode="auto">
+          <a:xfrm>
+            <a:off x="8310209" y="373124"/>
+            <a:ext cx="3868337" cy="2623306"/>
+          </a:xfrm>
+          <a:prstGeom prst="rect">
+            <a:avLst/>
+          </a:prstGeom>
+          <a:noFill/>
+          <a:ln>
+            <a:noFill/>
+          </a:ln>
+        </p:spPr>
+      </p:pic>
+      <p:sp>
+        <p:nvSpPr>
+          <p:cNvPr id="7" name="TextBox 6">
+            <a:extLst>
+              <a:ext uri="{FF2B5EF4-FFF2-40B4-BE49-F238E27FC236}">
+                <a16:creationId xmlns:a16="http://schemas.microsoft.com/office/drawing/2014/main" id="{D9C0564F-8C39-4F5A-8DD5-7E7A49DF30A1}"/>
+              </a:ext>
+            </a:extLst>
+          </p:cNvPr>
+          <p:cNvSpPr txBox="1"/>
+          <p:nvPr/>
+        </p:nvSpPr>
+        <p:spPr>
+          <a:xfrm>
+            <a:off x="473516" y="2954956"/>
+            <a:ext cx="3615722" cy="369332"/>
+          </a:xfrm>
+          <a:prstGeom prst="rect">
+            <a:avLst/>
+          </a:prstGeom>
+          <a:noFill/>
+        </p:spPr>
+        <p:txBody>
+          <a:bodyPr wrap="square" rtlCol="0">
+            <a:spAutoFit/>
+          </a:bodyPr>
+          <a:lstStyle/>
+          <a:p>
+            <a:r>
+              <a:rPr lang="en-US" dirty="0"/>
+              <a:t>Voltage: 94.43% =&lt; 9 | count 3919</a:t>
+            </a:r>
+          </a:p>
+        </p:txBody>
+      </p:sp>
+      <p:sp>
+        <p:nvSpPr>
+          <p:cNvPr id="17" name="TextBox 16">
+            <a:extLst>
+              <a:ext uri="{FF2B5EF4-FFF2-40B4-BE49-F238E27FC236}">
+                <a16:creationId xmlns:a16="http://schemas.microsoft.com/office/drawing/2014/main" id="{D51B61D7-A4AD-4404-45B1-D09140308CE3}"/>
+              </a:ext>
+            </a:extLst>
+          </p:cNvPr>
+          <p:cNvSpPr txBox="1"/>
+          <p:nvPr/>
+        </p:nvSpPr>
+        <p:spPr>
+          <a:xfrm>
+            <a:off x="4369869" y="2996430"/>
+            <a:ext cx="3783531" cy="369332"/>
+          </a:xfrm>
+          <a:prstGeom prst="rect">
+            <a:avLst/>
+          </a:prstGeom>
+          <a:noFill/>
+        </p:spPr>
+        <p:txBody>
+          <a:bodyPr wrap="square" rtlCol="0">
+            <a:spAutoFit/>
+          </a:bodyPr>
+          <a:lstStyle/>
+          <a:p>
+            <a:r>
+              <a:rPr lang="en-US" dirty="0"/>
+              <a:t>Current: 75.57% =&lt; 14 | Count 3136</a:t>
+            </a:r>
+            <a:endParaRPr lang="en-IL" dirty="0"/>
+          </a:p>
+        </p:txBody>
+      </p:sp>
+      <p:sp>
+        <p:nvSpPr>
+          <p:cNvPr id="18" name="TextBox 17">
+            <a:extLst>
+              <a:ext uri="{FF2B5EF4-FFF2-40B4-BE49-F238E27FC236}">
+                <a16:creationId xmlns:a16="http://schemas.microsoft.com/office/drawing/2014/main" id="{5B607E0A-70E8-B05F-28E2-1337E8ED9BF0}"/>
+              </a:ext>
+            </a:extLst>
+          </p:cNvPr>
+          <p:cNvSpPr txBox="1"/>
+          <p:nvPr/>
+        </p:nvSpPr>
+        <p:spPr>
+          <a:xfrm>
+            <a:off x="8442174" y="2954775"/>
+            <a:ext cx="3469892" cy="369332"/>
+          </a:xfrm>
+          <a:prstGeom prst="rect">
+            <a:avLst/>
+          </a:prstGeom>
+          <a:noFill/>
+        </p:spPr>
+        <p:txBody>
+          <a:bodyPr wrap="square" rtlCol="0">
+            <a:spAutoFit/>
+          </a:bodyPr>
+          <a:lstStyle/>
+          <a:p>
+            <a:r>
+              <a:rPr lang="en-US" dirty="0"/>
+              <a:t>Temp: 75.76% =&lt; 25 | Count 3144</a:t>
+            </a:r>
+            <a:endParaRPr lang="en-IL" dirty="0"/>
+          </a:p>
+        </p:txBody>
+      </p:sp>
+      <p:sp>
+        <p:nvSpPr>
+          <p:cNvPr id="19" name="TextBox 18">
+            <a:extLst>
+              <a:ext uri="{FF2B5EF4-FFF2-40B4-BE49-F238E27FC236}">
+                <a16:creationId xmlns:a16="http://schemas.microsoft.com/office/drawing/2014/main" id="{9BE2122A-A9CC-EB04-5FC3-ADBF673FA6B8}"/>
+              </a:ext>
+            </a:extLst>
+          </p:cNvPr>
+          <p:cNvSpPr txBox="1"/>
+          <p:nvPr/>
+        </p:nvSpPr>
+        <p:spPr>
+          <a:xfrm>
+            <a:off x="5590145" y="124002"/>
+            <a:ext cx="3051208" cy="369332"/>
+          </a:xfrm>
+          <a:prstGeom prst="rect">
+            <a:avLst/>
+          </a:prstGeom>
+          <a:noFill/>
+        </p:spPr>
+        <p:txBody>
+          <a:bodyPr wrap="square" rtlCol="0">
+            <a:spAutoFit/>
+          </a:bodyPr>
+          <a:lstStyle/>
+          <a:p>
+            <a:r>
+              <a:rPr lang="en-US" dirty="0"/>
+              <a:t>Fault 0</a:t>
+            </a:r>
+            <a:endParaRPr lang="en-IL" dirty="0"/>
+          </a:p>
+        </p:txBody>
+      </p:sp>
+      <p:sp>
+        <p:nvSpPr>
+          <p:cNvPr id="20" name="TextBox 19">
+            <a:extLst>
+              <a:ext uri="{FF2B5EF4-FFF2-40B4-BE49-F238E27FC236}">
+                <a16:creationId xmlns:a16="http://schemas.microsoft.com/office/drawing/2014/main" id="{89351E5F-96F9-10B9-0974-8C6573CB6FD6}"/>
+              </a:ext>
+            </a:extLst>
+          </p:cNvPr>
+          <p:cNvSpPr txBox="1"/>
+          <p:nvPr/>
+        </p:nvSpPr>
+        <p:spPr>
+          <a:xfrm>
+            <a:off x="5559392" y="3227751"/>
+            <a:ext cx="3051208" cy="369332"/>
+          </a:xfrm>
+          <a:prstGeom prst="rect">
+            <a:avLst/>
+          </a:prstGeom>
+          <a:noFill/>
+        </p:spPr>
+        <p:txBody>
+          <a:bodyPr wrap="square" rtlCol="0">
+            <a:spAutoFit/>
+          </a:bodyPr>
+          <a:lstStyle/>
+          <a:p>
+            <a:r>
+              <a:rPr lang="en-US" dirty="0"/>
+              <a:t>Fault 1-3</a:t>
+            </a:r>
+            <a:endParaRPr lang="en-IL" dirty="0"/>
+          </a:p>
+        </p:txBody>
+      </p:sp>
+      <p:pic>
+        <p:nvPicPr>
+          <p:cNvPr id="21" name="Picture 20">
+            <a:extLst>
+              <a:ext uri="{FF2B5EF4-FFF2-40B4-BE49-F238E27FC236}">
+                <a16:creationId xmlns:a16="http://schemas.microsoft.com/office/drawing/2014/main" id="{1246F018-C847-F0B4-44EB-D18B7A94F74D}"/>
+              </a:ext>
+            </a:extLst>
+          </p:cNvPr>
+          <p:cNvPicPr>
+            <a:picLocks noChangeAspect="1"/>
+          </p:cNvPicPr>
+          <p:nvPr/>
+        </p:nvPicPr>
+        <p:blipFill>
+          <a:blip r:embed="rId6" cstate="print">
+            <a:extLst>
+              <a:ext uri="{28A0092B-C50C-407E-A947-70E740481C1C}">
+                <a14:useLocalDpi xmlns:a14="http://schemas.microsoft.com/office/drawing/2010/main" val="0"/>
+              </a:ext>
+            </a:extLst>
+          </a:blip>
+          <a:srcRect/>
+          <a:stretch>
+            <a:fillRect/>
+          </a:stretch>
+        </p:blipFill>
+        <p:spPr bwMode="auto">
+          <a:xfrm>
+            <a:off x="283186" y="3429000"/>
+            <a:ext cx="4311898" cy="2872367"/>
+          </a:xfrm>
+          <a:prstGeom prst="rect">
+            <a:avLst/>
+          </a:prstGeom>
+          <a:noFill/>
+          <a:ln>
+            <a:noFill/>
+          </a:ln>
+        </p:spPr>
+      </p:pic>
+      <p:sp>
+        <p:nvSpPr>
+          <p:cNvPr id="22" name="TextBox 21">
+            <a:extLst>
+              <a:ext uri="{FF2B5EF4-FFF2-40B4-BE49-F238E27FC236}">
+                <a16:creationId xmlns:a16="http://schemas.microsoft.com/office/drawing/2014/main" id="{ABDEE378-A366-42B5-3271-29C2E8081DA8}"/>
+              </a:ext>
+            </a:extLst>
+          </p:cNvPr>
+          <p:cNvSpPr txBox="1"/>
+          <p:nvPr/>
+        </p:nvSpPr>
+        <p:spPr>
+          <a:xfrm>
+            <a:off x="492365" y="6246385"/>
+            <a:ext cx="3615722" cy="369332"/>
+          </a:xfrm>
+          <a:prstGeom prst="rect">
+            <a:avLst/>
+          </a:prstGeom>
+          <a:noFill/>
+        </p:spPr>
+        <p:txBody>
+          <a:bodyPr wrap="square" rtlCol="0">
+            <a:spAutoFit/>
+          </a:bodyPr>
+          <a:lstStyle/>
+          <a:p>
+            <a:r>
+              <a:rPr lang="en-US"/>
+              <a:t>Voltage: 80.93% =&lt; 9 | count 4393</a:t>
+            </a:r>
+            <a:endParaRPr lang="en-US" dirty="0"/>
+          </a:p>
+        </p:txBody>
+      </p:sp>
+      <p:pic>
+        <p:nvPicPr>
+          <p:cNvPr id="23" name="Picture 22">
+            <a:extLst>
+              <a:ext uri="{FF2B5EF4-FFF2-40B4-BE49-F238E27FC236}">
+                <a16:creationId xmlns:a16="http://schemas.microsoft.com/office/drawing/2014/main" id="{F9681DBD-6748-9327-3632-22A0300C97CF}"/>
+              </a:ext>
+            </a:extLst>
+          </p:cNvPr>
+          <p:cNvPicPr>
+            <a:picLocks noChangeAspect="1"/>
+          </p:cNvPicPr>
+          <p:nvPr/>
+        </p:nvPicPr>
+        <p:blipFill>
+          <a:blip r:embed="rId7" cstate="print">
+            <a:extLst>
+              <a:ext uri="{28A0092B-C50C-407E-A947-70E740481C1C}">
+                <a14:useLocalDpi xmlns:a14="http://schemas.microsoft.com/office/drawing/2010/main" val="0"/>
+              </a:ext>
+            </a:extLst>
+          </a:blip>
+          <a:srcRect/>
+          <a:stretch>
+            <a:fillRect/>
+          </a:stretch>
+        </p:blipFill>
+        <p:spPr bwMode="auto">
+          <a:xfrm>
+            <a:off x="4495799" y="3489400"/>
+            <a:ext cx="4114801" cy="2790445"/>
+          </a:xfrm>
+          <a:prstGeom prst="rect">
+            <a:avLst/>
+          </a:prstGeom>
+          <a:noFill/>
+          <a:ln>
+            <a:noFill/>
+          </a:ln>
+        </p:spPr>
+      </p:pic>
+      <p:sp>
+        <p:nvSpPr>
+          <p:cNvPr id="24" name="TextBox 23">
+            <a:extLst>
+              <a:ext uri="{FF2B5EF4-FFF2-40B4-BE49-F238E27FC236}">
+                <a16:creationId xmlns:a16="http://schemas.microsoft.com/office/drawing/2014/main" id="{75BB7BA4-97AA-D42F-22C8-0A95E8F5CB26}"/>
+              </a:ext>
+            </a:extLst>
+          </p:cNvPr>
+          <p:cNvSpPr txBox="1"/>
+          <p:nvPr/>
+        </p:nvSpPr>
+        <p:spPr>
+          <a:xfrm>
+            <a:off x="4495798" y="6146834"/>
+            <a:ext cx="3824901" cy="369332"/>
+          </a:xfrm>
+          <a:prstGeom prst="rect">
+            <a:avLst/>
+          </a:prstGeom>
+          <a:noFill/>
+        </p:spPr>
+        <p:txBody>
+          <a:bodyPr wrap="square" rtlCol="0">
+            <a:spAutoFit/>
+          </a:bodyPr>
+          <a:lstStyle/>
+          <a:p>
+            <a:r>
+              <a:rPr lang="en-US" dirty="0"/>
+              <a:t>Current: 75.95% =&lt; 23 | count 3935</a:t>
+            </a:r>
+          </a:p>
+        </p:txBody>
+      </p:sp>
+      <p:pic>
+        <p:nvPicPr>
+          <p:cNvPr id="25" name="Picture 24">
+            <a:extLst>
+              <a:ext uri="{FF2B5EF4-FFF2-40B4-BE49-F238E27FC236}">
+                <a16:creationId xmlns:a16="http://schemas.microsoft.com/office/drawing/2014/main" id="{69665C72-782F-8331-8EBB-9A4D9A2976A0}"/>
+              </a:ext>
+            </a:extLst>
+          </p:cNvPr>
+          <p:cNvPicPr>
+            <a:picLocks noChangeAspect="1"/>
+          </p:cNvPicPr>
+          <p:nvPr/>
+        </p:nvPicPr>
+        <p:blipFill>
+          <a:blip r:embed="rId8" cstate="print">
+            <a:extLst>
+              <a:ext uri="{28A0092B-C50C-407E-A947-70E740481C1C}">
+                <a14:useLocalDpi xmlns:a14="http://schemas.microsoft.com/office/drawing/2010/main" val="0"/>
+              </a:ext>
+            </a:extLst>
+          </a:blip>
+          <a:srcRect/>
+          <a:stretch>
+            <a:fillRect/>
+          </a:stretch>
+        </p:blipFill>
+        <p:spPr bwMode="auto">
+          <a:xfrm>
+            <a:off x="8442174" y="3673588"/>
+            <a:ext cx="3496566" cy="2371190"/>
+          </a:xfrm>
+          <a:prstGeom prst="rect">
+            <a:avLst/>
+          </a:prstGeom>
+          <a:noFill/>
+          <a:ln>
+            <a:noFill/>
+          </a:ln>
+        </p:spPr>
+      </p:pic>
+      <p:sp>
+        <p:nvSpPr>
+          <p:cNvPr id="26" name="TextBox 25">
+            <a:extLst>
+              <a:ext uri="{FF2B5EF4-FFF2-40B4-BE49-F238E27FC236}">
+                <a16:creationId xmlns:a16="http://schemas.microsoft.com/office/drawing/2014/main" id="{57B1C0FF-38FB-3C20-1FCE-9192F100B74D}"/>
+              </a:ext>
+            </a:extLst>
+          </p:cNvPr>
+          <p:cNvSpPr txBox="1"/>
+          <p:nvPr/>
+        </p:nvSpPr>
+        <p:spPr>
+          <a:xfrm>
+            <a:off x="8348017" y="6038083"/>
+            <a:ext cx="3469892" cy="369332"/>
+          </a:xfrm>
+          <a:prstGeom prst="rect">
+            <a:avLst/>
+          </a:prstGeom>
+          <a:noFill/>
+        </p:spPr>
+        <p:txBody>
+          <a:bodyPr wrap="square" rtlCol="0">
+            <a:spAutoFit/>
+          </a:bodyPr>
+          <a:lstStyle/>
+          <a:p>
+            <a:r>
+              <a:rPr lang="en-US" dirty="0"/>
+              <a:t>Temp: 75.82% =&lt; 17 | Count 3928</a:t>
+            </a:r>
+            <a:endParaRPr lang="en-IL" dirty="0"/>
+          </a:p>
+        </p:txBody>
+      </p:sp>
+    </p:spTree>
+    <p:extLst>
+      <p:ext uri="{BB962C8B-B14F-4D97-AF65-F5344CB8AC3E}">
+        <p14:creationId xmlns:p14="http://schemas.microsoft.com/office/powerpoint/2010/main" val="712434410"/>
+      </p:ext>
+    </p:extLst>
+  </p:cSld>
+  <p:clrMapOvr>
+    <a:masterClrMapping/>
+  </p:clrMapOvr>
+</p:sld>
+</file>
+
+<file path=ppt/slides/slide5.xml><?xml version="1.0" encoding="utf-8"?>
+<p:sld xmlns:a="http://schemas.openxmlformats.org/drawingml/2006/main" xmlns:r="http://schemas.openxmlformats.org/officeDocument/2006/relationships" xmlns:p="http://schemas.openxmlformats.org/presentationml/2006/main">
+  <p:cSld>
+    <p:spTree>
+      <p:nvGrpSpPr>
+        <p:cNvPr id="1" name="">
+          <a:extLst>
+            <a:ext uri="{FF2B5EF4-FFF2-40B4-BE49-F238E27FC236}">
+              <a16:creationId xmlns:a16="http://schemas.microsoft.com/office/drawing/2014/main" id="{746BB531-2D32-ABCD-35FD-D7A084F98E99}"/>
+            </a:ext>
+          </a:extLst>
+        </p:cNvPr>
+        <p:cNvGrpSpPr/>
+        <p:nvPr/>
+      </p:nvGrpSpPr>
+      <p:grpSpPr>
+        <a:xfrm>
+          <a:off x="0" y="0"/>
+          <a:ext cx="0" cy="0"/>
+          <a:chOff x="0" y="0"/>
+          <a:chExt cx="0" cy="0"/>
+        </a:xfrm>
+      </p:grpSpPr>
+      <p:sp>
+        <p:nvSpPr>
+          <p:cNvPr id="4" name="Footer Placeholder 3">
+            <a:extLst>
+              <a:ext uri="{FF2B5EF4-FFF2-40B4-BE49-F238E27FC236}">
+                <a16:creationId xmlns:a16="http://schemas.microsoft.com/office/drawing/2014/main" id="{FD1D9606-8DE2-D2FF-6965-9E0FE7C7DD7A}"/>
+              </a:ext>
+            </a:extLst>
+          </p:cNvPr>
+          <p:cNvSpPr>
+            <a:spLocks noGrp="1"/>
+          </p:cNvSpPr>
+          <p:nvPr>
+            <p:ph type="ftr" sz="quarter" idx="11"/>
+          </p:nvPr>
+        </p:nvSpPr>
+        <p:spPr/>
+        <p:txBody>
+          <a:bodyPr/>
+          <a:lstStyle/>
+          <a:p>
+            <a:r>
+              <a:rPr lang="pl-PL"/>
+              <a:t>Ilya Polonsky </a:t>
+            </a:r>
+            <a:r>
+              <a:rPr lang="he-IL"/>
+              <a:t>ענת גרוסמן ג'וניש </a:t>
+            </a:r>
+            <a:r>
+              <a:rPr lang="pl-PL"/>
+              <a:t>BIU_DS_019</a:t>
+            </a:r>
+            <a:endParaRPr lang="en-IL"/>
+          </a:p>
+        </p:txBody>
+      </p:sp>
+      <p:sp>
+        <p:nvSpPr>
+          <p:cNvPr id="5" name="Slide Number Placeholder 4">
+            <a:extLst>
+              <a:ext uri="{FF2B5EF4-FFF2-40B4-BE49-F238E27FC236}">
+                <a16:creationId xmlns:a16="http://schemas.microsoft.com/office/drawing/2014/main" id="{E1E6A183-2B17-DF54-982A-62B72F8631DF}"/>
+              </a:ext>
+            </a:extLst>
+          </p:cNvPr>
+          <p:cNvSpPr>
+            <a:spLocks noGrp="1"/>
+          </p:cNvSpPr>
+          <p:nvPr>
+            <p:ph type="sldNum" sz="quarter" idx="12"/>
+          </p:nvPr>
+        </p:nvSpPr>
+        <p:spPr/>
+        <p:txBody>
+          <a:bodyPr/>
+          <a:lstStyle/>
+          <a:p>
+            <a:fld id="{D48DEEBB-C9CA-4DDB-83BF-C3B86CF116A3}" type="slidenum">
+              <a:rPr lang="en-IL" smtClean="0"/>
+              <a:t>5</a:t>
+            </a:fld>
+            <a:endParaRPr lang="en-IL"/>
+          </a:p>
+        </p:txBody>
+      </p:sp>
+      <p:sp>
+        <p:nvSpPr>
+          <p:cNvPr id="8" name="TextBox 7">
+            <a:extLst>
+              <a:ext uri="{FF2B5EF4-FFF2-40B4-BE49-F238E27FC236}">
+                <a16:creationId xmlns:a16="http://schemas.microsoft.com/office/drawing/2014/main" id="{7C8E559B-15AD-19EF-CEDA-EBE3012BDD58}"/>
+              </a:ext>
+            </a:extLst>
+          </p:cNvPr>
+          <p:cNvSpPr txBox="1"/>
+          <p:nvPr/>
+        </p:nvSpPr>
+        <p:spPr>
+          <a:xfrm>
+            <a:off x="0" y="972267"/>
+            <a:ext cx="11956025" cy="5963940"/>
+          </a:xfrm>
+          <a:prstGeom prst="rect">
+            <a:avLst/>
+          </a:prstGeom>
+          <a:noFill/>
+        </p:spPr>
+        <p:txBody>
+          <a:bodyPr wrap="square" rtlCol="0">
+            <a:spAutoFit/>
+          </a:bodyPr>
+          <a:lstStyle/>
+          <a:p>
+            <a:pPr>
+              <a:lnSpc>
+                <a:spcPct val="107000"/>
+              </a:lnSpc>
+              <a:spcAft>
+                <a:spcPts val="800"/>
+              </a:spcAft>
+            </a:pPr>
+            <a:r>
+              <a:rPr lang="en-IL" sz="1800" b="1" kern="100" dirty="0">
+                <a:effectLst/>
+                <a:latin typeface="Aptos" panose="020B0004020202020204" pitchFamily="34" charset="0"/>
+                <a:ea typeface="Aptos" panose="020B0004020202020204" pitchFamily="34" charset="0"/>
+                <a:cs typeface="Arial" panose="020B0604020202020204" pitchFamily="34" charset="0"/>
+              </a:rPr>
+              <a:t>crash </a:t>
+            </a:r>
+            <a:r>
+              <a:rPr lang="en-IL" sz="1800" kern="100" dirty="0">
+                <a:effectLst/>
+                <a:latin typeface="Aptos" panose="020B0004020202020204" pitchFamily="34" charset="0"/>
+                <a:ea typeface="Aptos" panose="020B0004020202020204" pitchFamily="34" charset="0"/>
+                <a:cs typeface="Arial" panose="020B0604020202020204" pitchFamily="34" charset="0"/>
+              </a:rPr>
+              <a:t>= </a:t>
+            </a:r>
+            <a:r>
+              <a:rPr lang="en-US" kern="100" dirty="0">
+                <a:latin typeface="Aptos" panose="020B0004020202020204" pitchFamily="34" charset="0"/>
+                <a:ea typeface="Aptos" panose="020B0004020202020204" pitchFamily="34" charset="0"/>
+                <a:cs typeface="Arial" panose="020B0604020202020204" pitchFamily="34" charset="0"/>
+              </a:rPr>
+              <a:t>	 </a:t>
+            </a:r>
+            <a:r>
+              <a:rPr lang="en-IL" kern="100" dirty="0">
+                <a:latin typeface="Aptos" panose="020B0004020202020204" pitchFamily="34" charset="0"/>
+                <a:ea typeface="Aptos" panose="020B0004020202020204" pitchFamily="34" charset="0"/>
+                <a:cs typeface="Arial" panose="020B0604020202020204" pitchFamily="34" charset="0"/>
+              </a:rPr>
+              <a:t>(</a:t>
+            </a:r>
+            <a:r>
+              <a:rPr lang="en-IL" kern="100" dirty="0" err="1">
+                <a:latin typeface="Aptos" panose="020B0004020202020204" pitchFamily="34" charset="0"/>
+                <a:ea typeface="Aptos" panose="020B0004020202020204" pitchFamily="34" charset="0"/>
+                <a:cs typeface="Arial" panose="020B0604020202020204" pitchFamily="34" charset="0"/>
+              </a:rPr>
+              <a:t>temp.main</a:t>
+            </a:r>
+            <a:r>
+              <a:rPr lang="en-IL" kern="100" dirty="0">
+                <a:latin typeface="Aptos" panose="020B0004020202020204" pitchFamily="34" charset="0"/>
+                <a:ea typeface="Aptos" panose="020B0004020202020204" pitchFamily="34" charset="0"/>
+                <a:cs typeface="Arial" panose="020B0604020202020204" pitchFamily="34" charset="0"/>
+              </a:rPr>
+              <a:t> &gt; 5.8 AND (</a:t>
+            </a:r>
+            <a:r>
+              <a:rPr lang="en-IL" kern="100" dirty="0" err="1">
+                <a:latin typeface="Aptos" panose="020B0004020202020204" pitchFamily="34" charset="0"/>
+                <a:ea typeface="Aptos" panose="020B0004020202020204" pitchFamily="34" charset="0"/>
+                <a:cs typeface="Arial" panose="020B0604020202020204" pitchFamily="34" charset="0"/>
+              </a:rPr>
+              <a:t>current.main</a:t>
+            </a:r>
+            <a:r>
+              <a:rPr lang="en-IL" kern="100" dirty="0">
+                <a:latin typeface="Aptos" panose="020B0004020202020204" pitchFamily="34" charset="0"/>
+                <a:ea typeface="Aptos" panose="020B0004020202020204" pitchFamily="34" charset="0"/>
+                <a:cs typeface="Arial" panose="020B0604020202020204" pitchFamily="34" charset="0"/>
+              </a:rPr>
+              <a:t> &gt; 5 OR </a:t>
+            </a:r>
+            <a:r>
+              <a:rPr lang="en-IL" kern="100" dirty="0" err="1">
+                <a:latin typeface="Aptos" panose="020B0004020202020204" pitchFamily="34" charset="0"/>
+                <a:ea typeface="Aptos" panose="020B0004020202020204" pitchFamily="34" charset="0"/>
+                <a:cs typeface="Arial" panose="020B0604020202020204" pitchFamily="34" charset="0"/>
+              </a:rPr>
+              <a:t>current.main</a:t>
+            </a:r>
+            <a:r>
+              <a:rPr lang="en-IL" kern="100" dirty="0">
+                <a:latin typeface="Aptos" panose="020B0004020202020204" pitchFamily="34" charset="0"/>
+                <a:ea typeface="Aptos" panose="020B0004020202020204" pitchFamily="34" charset="0"/>
+                <a:cs typeface="Arial" panose="020B0604020202020204" pitchFamily="34" charset="0"/>
+              </a:rPr>
+              <a:t> &lt; 4) AND </a:t>
+            </a:r>
+            <a:r>
+              <a:rPr lang="en-IL" kern="100" dirty="0" err="1">
+                <a:latin typeface="Aptos" panose="020B0004020202020204" pitchFamily="34" charset="0"/>
+                <a:ea typeface="Aptos" panose="020B0004020202020204" pitchFamily="34" charset="0"/>
+                <a:cs typeface="Arial" panose="020B0604020202020204" pitchFamily="34" charset="0"/>
+              </a:rPr>
+              <a:t>voltage.main</a:t>
+            </a:r>
+            <a:r>
+              <a:rPr lang="en-IL" kern="100" dirty="0">
+                <a:latin typeface="Aptos" panose="020B0004020202020204" pitchFamily="34" charset="0"/>
+                <a:ea typeface="Aptos" panose="020B0004020202020204" pitchFamily="34" charset="0"/>
+                <a:cs typeface="Arial" panose="020B0604020202020204" pitchFamily="34" charset="0"/>
+              </a:rPr>
+              <a:t> &lt; 7)</a:t>
+            </a:r>
+            <a:endParaRPr lang="en-US" kern="100" dirty="0">
+              <a:latin typeface="Aptos" panose="020B0004020202020204" pitchFamily="34" charset="0"/>
+              <a:ea typeface="Aptos" panose="020B0004020202020204" pitchFamily="34" charset="0"/>
+              <a:cs typeface="Arial" panose="020B0604020202020204" pitchFamily="34" charset="0"/>
+            </a:endParaRPr>
+          </a:p>
+          <a:p>
+            <a:pPr>
+              <a:lnSpc>
+                <a:spcPct val="107000"/>
+              </a:lnSpc>
+              <a:spcAft>
+                <a:spcPts val="800"/>
+              </a:spcAft>
+            </a:pPr>
+            <a:endParaRPr lang="en-IL" sz="1800" kern="100" dirty="0">
+              <a:effectLst/>
+              <a:latin typeface="Aptos" panose="020B0004020202020204" pitchFamily="34" charset="0"/>
+              <a:ea typeface="Aptos" panose="020B0004020202020204" pitchFamily="34" charset="0"/>
+              <a:cs typeface="Arial" panose="020B0604020202020204" pitchFamily="34" charset="0"/>
+            </a:endParaRPr>
+          </a:p>
+          <a:p>
+            <a:pPr marL="457200">
+              <a:lnSpc>
+                <a:spcPct val="107000"/>
+              </a:lnSpc>
+              <a:spcAft>
+                <a:spcPts val="800"/>
+              </a:spcAft>
+            </a:pPr>
+            <a:r>
+              <a:rPr lang="en-IL" sz="1800" kern="100" dirty="0">
+                <a:effectLst/>
+                <a:latin typeface="Aptos" panose="020B0004020202020204" pitchFamily="34" charset="0"/>
+                <a:ea typeface="Aptos" panose="020B0004020202020204" pitchFamily="34" charset="0"/>
+                <a:cs typeface="Arial" panose="020B0604020202020204" pitchFamily="34" charset="0"/>
+              </a:rPr>
+              <a:t>Fault Detection Rate (26.29%):</a:t>
+            </a:r>
+          </a:p>
+          <a:p>
+            <a:pPr marL="457200" indent="457200">
+              <a:lnSpc>
+                <a:spcPct val="107000"/>
+              </a:lnSpc>
+              <a:spcAft>
+                <a:spcPts val="800"/>
+              </a:spcAft>
+            </a:pPr>
+            <a:r>
+              <a:rPr lang="en-IL" sz="1800" kern="100" dirty="0">
+                <a:effectLst/>
+                <a:latin typeface="Aptos" panose="020B0004020202020204" pitchFamily="34" charset="0"/>
+                <a:ea typeface="Aptos" panose="020B0004020202020204" pitchFamily="34" charset="0"/>
+                <a:cs typeface="Arial" panose="020B0604020202020204" pitchFamily="34" charset="0"/>
+              </a:rPr>
+              <a:t>Total fault cases in dataset: 5,181</a:t>
+            </a:r>
+          </a:p>
+          <a:p>
+            <a:pPr marL="457200" indent="457200">
+              <a:lnSpc>
+                <a:spcPct val="107000"/>
+              </a:lnSpc>
+              <a:spcAft>
+                <a:spcPts val="800"/>
+              </a:spcAft>
+            </a:pPr>
+            <a:r>
+              <a:rPr lang="en-IL" sz="1800" kern="100" dirty="0">
+                <a:effectLst/>
+                <a:latin typeface="Aptos" panose="020B0004020202020204" pitchFamily="34" charset="0"/>
+                <a:ea typeface="Aptos" panose="020B0004020202020204" pitchFamily="34" charset="0"/>
+                <a:cs typeface="Arial" panose="020B0604020202020204" pitchFamily="34" charset="0"/>
+              </a:rPr>
+              <a:t>Number of faults detected by your method: 1,362</a:t>
+            </a:r>
+          </a:p>
+          <a:p>
+            <a:pPr marL="457200" indent="457200">
+              <a:lnSpc>
+                <a:spcPct val="107000"/>
+              </a:lnSpc>
+              <a:spcAft>
+                <a:spcPts val="800"/>
+              </a:spcAft>
+            </a:pPr>
+            <a:r>
+              <a:rPr lang="en-IL" sz="1800" kern="100" dirty="0">
+                <a:effectLst/>
+                <a:latin typeface="Aptos" panose="020B0004020202020204" pitchFamily="34" charset="0"/>
+                <a:ea typeface="Aptos" panose="020B0004020202020204" pitchFamily="34" charset="0"/>
+                <a:cs typeface="Arial" panose="020B0604020202020204" pitchFamily="34" charset="0"/>
+              </a:rPr>
+              <a:t>Calculation: (1362/5181) × 100 = 26.29%</a:t>
+            </a:r>
+          </a:p>
+          <a:p>
+            <a:pPr marL="457200" indent="457200">
+              <a:lnSpc>
+                <a:spcPct val="107000"/>
+              </a:lnSpc>
+              <a:spcAft>
+                <a:spcPts val="800"/>
+              </a:spcAft>
+            </a:pPr>
+            <a:r>
+              <a:rPr lang="en-IL" sz="1800" kern="100" dirty="0">
+                <a:effectLst/>
+                <a:latin typeface="Aptos" panose="020B0004020202020204" pitchFamily="34" charset="0"/>
+                <a:ea typeface="Aptos" panose="020B0004020202020204" pitchFamily="34" charset="0"/>
+                <a:cs typeface="Arial" panose="020B0604020202020204" pitchFamily="34" charset="0"/>
+              </a:rPr>
+              <a:t>False Positive Rate (0%):</a:t>
+            </a:r>
+          </a:p>
+          <a:p>
+            <a:pPr marL="457200">
+              <a:lnSpc>
+                <a:spcPct val="107000"/>
+              </a:lnSpc>
+              <a:spcAft>
+                <a:spcPts val="800"/>
+              </a:spcAft>
+            </a:pPr>
+            <a:r>
+              <a:rPr lang="en-IL" sz="1800" kern="100" dirty="0">
+                <a:effectLst/>
+                <a:latin typeface="Aptos" panose="020B0004020202020204" pitchFamily="34" charset="0"/>
+                <a:ea typeface="Aptos" panose="020B0004020202020204" pitchFamily="34" charset="0"/>
+                <a:cs typeface="Arial" panose="020B0604020202020204" pitchFamily="34" charset="0"/>
+              </a:rPr>
+              <a:t>Total normal cases: 4,150</a:t>
+            </a:r>
+          </a:p>
+          <a:p>
+            <a:pPr marL="457200" indent="457200">
+              <a:lnSpc>
+                <a:spcPct val="107000"/>
+              </a:lnSpc>
+              <a:spcAft>
+                <a:spcPts val="800"/>
+              </a:spcAft>
+            </a:pPr>
+            <a:r>
+              <a:rPr lang="en-IL" sz="1800" kern="100" dirty="0">
+                <a:effectLst/>
+                <a:latin typeface="Aptos" panose="020B0004020202020204" pitchFamily="34" charset="0"/>
+                <a:ea typeface="Aptos" panose="020B0004020202020204" pitchFamily="34" charset="0"/>
+                <a:cs typeface="Arial" panose="020B0604020202020204" pitchFamily="34" charset="0"/>
+              </a:rPr>
+              <a:t>Number of false alarms: 0</a:t>
+            </a:r>
+          </a:p>
+          <a:p>
+            <a:pPr marL="457200" indent="457200">
+              <a:lnSpc>
+                <a:spcPct val="107000"/>
+              </a:lnSpc>
+              <a:spcAft>
+                <a:spcPts val="800"/>
+              </a:spcAft>
+            </a:pPr>
+            <a:r>
+              <a:rPr lang="en-IL" sz="1800" kern="100" dirty="0">
+                <a:effectLst/>
+                <a:latin typeface="Aptos" panose="020B0004020202020204" pitchFamily="34" charset="0"/>
+                <a:ea typeface="Aptos" panose="020B0004020202020204" pitchFamily="34" charset="0"/>
+                <a:cs typeface="Arial" panose="020B0604020202020204" pitchFamily="34" charset="0"/>
+              </a:rPr>
+              <a:t>Calculation: (0/4150) × 100 = 0%</a:t>
+            </a:r>
+          </a:p>
+          <a:p>
+            <a:pPr marL="457200" indent="457200">
+              <a:lnSpc>
+                <a:spcPct val="107000"/>
+              </a:lnSpc>
+              <a:spcAft>
+                <a:spcPts val="800"/>
+              </a:spcAft>
+            </a:pPr>
+            <a:r>
+              <a:rPr lang="en-IL" sz="1800" kern="100" dirty="0">
+                <a:effectLst/>
+                <a:latin typeface="Aptos" panose="020B0004020202020204" pitchFamily="34" charset="0"/>
+                <a:ea typeface="Aptos" panose="020B0004020202020204" pitchFamily="34" charset="0"/>
+                <a:cs typeface="Arial" panose="020B0604020202020204" pitchFamily="34" charset="0"/>
+              </a:rPr>
+              <a:t>Calculation: 1362/(1362 + 0) × 100 = 100%</a:t>
+            </a:r>
+          </a:p>
+          <a:p>
+            <a:pPr marL="457200" indent="457200">
+              <a:lnSpc>
+                <a:spcPct val="107000"/>
+              </a:lnSpc>
+              <a:spcAft>
+                <a:spcPts val="800"/>
+              </a:spcAft>
+            </a:pPr>
+            <a:r>
+              <a:rPr lang="en-IL" sz="1800" kern="100" dirty="0">
+                <a:effectLst/>
+                <a:latin typeface="Aptos" panose="020B0004020202020204" pitchFamily="34" charset="0"/>
+                <a:ea typeface="Aptos" panose="020B0004020202020204" pitchFamily="34" charset="0"/>
+                <a:cs typeface="Arial" panose="020B0604020202020204" pitchFamily="34" charset="0"/>
+              </a:rPr>
+              <a:t>Precision (100%):</a:t>
+            </a:r>
+          </a:p>
+          <a:p>
+            <a:pPr marL="457200">
+              <a:lnSpc>
+                <a:spcPct val="107000"/>
+              </a:lnSpc>
+              <a:spcAft>
+                <a:spcPts val="800"/>
+              </a:spcAft>
+            </a:pPr>
+            <a:r>
+              <a:rPr lang="en-IL" sz="1800" kern="100" dirty="0">
+                <a:effectLst/>
+                <a:latin typeface="Aptos" panose="020B0004020202020204" pitchFamily="34" charset="0"/>
+                <a:ea typeface="Aptos" panose="020B0004020202020204" pitchFamily="34" charset="0"/>
+                <a:cs typeface="Arial" panose="020B0604020202020204" pitchFamily="34" charset="0"/>
+              </a:rPr>
+              <a:t>True Positives: 1,362</a:t>
+            </a:r>
+          </a:p>
+          <a:p>
+            <a:pPr marL="457200">
+              <a:lnSpc>
+                <a:spcPct val="107000"/>
+              </a:lnSpc>
+              <a:spcAft>
+                <a:spcPts val="800"/>
+              </a:spcAft>
+            </a:pPr>
+            <a:r>
+              <a:rPr lang="en-IL" sz="1800" kern="100" dirty="0">
+                <a:effectLst/>
+                <a:latin typeface="Aptos" panose="020B0004020202020204" pitchFamily="34" charset="0"/>
+                <a:ea typeface="Aptos" panose="020B0004020202020204" pitchFamily="34" charset="0"/>
+                <a:cs typeface="Arial" panose="020B0604020202020204" pitchFamily="34" charset="0"/>
+              </a:rPr>
+              <a:t>False Positives: 0</a:t>
+            </a:r>
+          </a:p>
+          <a:p>
+            <a:pPr>
+              <a:lnSpc>
+                <a:spcPct val="107000"/>
+              </a:lnSpc>
+              <a:spcAft>
+                <a:spcPts val="800"/>
+              </a:spcAft>
+            </a:pPr>
+            <a:endParaRPr lang="en-IL" sz="1800" kern="100" dirty="0">
+              <a:effectLst/>
+              <a:latin typeface="Aptos" panose="020B0004020202020204" pitchFamily="34" charset="0"/>
+              <a:ea typeface="Aptos" panose="020B0004020202020204" pitchFamily="34" charset="0"/>
+              <a:cs typeface="Arial" panose="020B0604020202020204" pitchFamily="34" charset="0"/>
+            </a:endParaRPr>
+          </a:p>
+        </p:txBody>
+      </p:sp>
+    </p:spTree>
+    <p:extLst>
+      <p:ext uri="{BB962C8B-B14F-4D97-AF65-F5344CB8AC3E}">
+        <p14:creationId xmlns:p14="http://schemas.microsoft.com/office/powerpoint/2010/main" val="3341883080"/>
+      </p:ext>
+    </p:extLst>
+  </p:cSld>
+  <p:clrMapOvr>
+    <a:masterClrMapping/>
+  </p:clrMapOvr>
+</p:sld>
+</file>
+
+<file path=ppt/slides/slide6.xml><?xml version="1.0" encoding="utf-8"?>
+<p:sld xmlns:a="http://schemas.openxmlformats.org/drawingml/2006/main" xmlns:r="http://schemas.openxmlformats.org/officeDocument/2006/relationships" xmlns:p="http://schemas.openxmlformats.org/presentationml/2006/main">
+  <p:cSld>
+    <p:spTree>
+      <p:nvGrpSpPr>
+        <p:cNvPr id="1" name="">
+          <a:extLst>
+            <a:ext uri="{FF2B5EF4-FFF2-40B4-BE49-F238E27FC236}">
+              <a16:creationId xmlns:a16="http://schemas.microsoft.com/office/drawing/2014/main" id="{5B5AE7BC-31A4-5093-3AD1-DA9C4311F074}"/>
+            </a:ext>
+          </a:extLst>
+        </p:cNvPr>
+        <p:cNvGrpSpPr/>
+        <p:nvPr/>
+      </p:nvGrpSpPr>
+      <p:grpSpPr>
+        <a:xfrm>
+          <a:off x="0" y="0"/>
+          <a:ext cx="0" cy="0"/>
+          <a:chOff x="0" y="0"/>
+          <a:chExt cx="0" cy="0"/>
+        </a:xfrm>
+      </p:grpSpPr>
+      <p:sp>
+        <p:nvSpPr>
+          <p:cNvPr id="4" name="Footer Placeholder 3">
+            <a:extLst>
+              <a:ext uri="{FF2B5EF4-FFF2-40B4-BE49-F238E27FC236}">
+                <a16:creationId xmlns:a16="http://schemas.microsoft.com/office/drawing/2014/main" id="{CF968CBC-877F-9FF7-90D8-19E9A286C751}"/>
+              </a:ext>
+            </a:extLst>
+          </p:cNvPr>
+          <p:cNvSpPr>
+            <a:spLocks noGrp="1"/>
+          </p:cNvSpPr>
+          <p:nvPr>
+            <p:ph type="ftr" sz="quarter" idx="11"/>
+          </p:nvPr>
+        </p:nvSpPr>
+        <p:spPr/>
+        <p:txBody>
+          <a:bodyPr/>
+          <a:lstStyle/>
+          <a:p>
+            <a:r>
+              <a:rPr lang="pl-PL"/>
+              <a:t>Ilya Polonsky </a:t>
+            </a:r>
+            <a:r>
+              <a:rPr lang="he-IL"/>
+              <a:t>ענת גרוסמן ג'וניש </a:t>
+            </a:r>
+            <a:r>
+              <a:rPr lang="pl-PL"/>
+              <a:t>BIU_DS_019</a:t>
+            </a:r>
+            <a:endParaRPr lang="en-IL"/>
+          </a:p>
+        </p:txBody>
+      </p:sp>
+      <p:sp>
+        <p:nvSpPr>
+          <p:cNvPr id="5" name="Slide Number Placeholder 4">
+            <a:extLst>
+              <a:ext uri="{FF2B5EF4-FFF2-40B4-BE49-F238E27FC236}">
+                <a16:creationId xmlns:a16="http://schemas.microsoft.com/office/drawing/2014/main" id="{865ABC15-C708-BC84-85B2-E7529FB0E5AF}"/>
+              </a:ext>
+            </a:extLst>
+          </p:cNvPr>
+          <p:cNvSpPr>
+            <a:spLocks noGrp="1"/>
+          </p:cNvSpPr>
+          <p:nvPr>
+            <p:ph type="sldNum" sz="quarter" idx="12"/>
+          </p:nvPr>
+        </p:nvSpPr>
+        <p:spPr/>
+        <p:txBody>
+          <a:bodyPr/>
+          <a:lstStyle/>
+          <a:p>
+            <a:fld id="{D48DEEBB-C9CA-4DDB-83BF-C3B86CF116A3}" type="slidenum">
+              <a:rPr lang="en-IL" smtClean="0"/>
+              <a:t>6</a:t>
+            </a:fld>
+            <a:endParaRPr lang="en-IL"/>
+          </a:p>
+        </p:txBody>
+      </p:sp>
+      <p:sp>
+        <p:nvSpPr>
+          <p:cNvPr id="8" name="TextBox 7">
+            <a:extLst>
+              <a:ext uri="{FF2B5EF4-FFF2-40B4-BE49-F238E27FC236}">
+                <a16:creationId xmlns:a16="http://schemas.microsoft.com/office/drawing/2014/main" id="{C8840A37-5DAE-B2A8-A7DA-006A588FF595}"/>
+              </a:ext>
+            </a:extLst>
+          </p:cNvPr>
+          <p:cNvSpPr txBox="1"/>
+          <p:nvPr/>
+        </p:nvSpPr>
+        <p:spPr>
+          <a:xfrm>
+            <a:off x="0" y="972267"/>
+            <a:ext cx="11956025" cy="4559390"/>
+          </a:xfrm>
+          <a:prstGeom prst="rect">
+            <a:avLst/>
+          </a:prstGeom>
+          <a:noFill/>
+        </p:spPr>
+        <p:txBody>
+          <a:bodyPr wrap="square" rtlCol="0">
+            <a:spAutoFit/>
+          </a:bodyPr>
+          <a:lstStyle/>
+          <a:p>
+            <a:pPr algn="r" rtl="1">
+              <a:lnSpc>
+                <a:spcPct val="107000"/>
+              </a:lnSpc>
+              <a:spcAft>
+                <a:spcPts val="800"/>
+              </a:spcAft>
+            </a:pPr>
+            <a:r>
+              <a:rPr lang="he-IL" sz="1800" kern="100" dirty="0">
+                <a:effectLst/>
+                <a:latin typeface="Aptos" panose="020B0004020202020204" pitchFamily="34" charset="0"/>
+                <a:ea typeface="Aptos" panose="020B0004020202020204" pitchFamily="34" charset="0"/>
+                <a:cs typeface="Arial" panose="020B0604020202020204" pitchFamily="34" charset="0"/>
+              </a:rPr>
+              <a:t>מודל חיזוי</a:t>
+            </a:r>
+          </a:p>
+          <a:p>
+            <a:pPr algn="r" rtl="1">
+              <a:lnSpc>
+                <a:spcPct val="107000"/>
+              </a:lnSpc>
+              <a:spcAft>
+                <a:spcPts val="800"/>
+              </a:spcAft>
+            </a:pPr>
+            <a:r>
+              <a:rPr lang="en-US" kern="100" dirty="0">
+                <a:latin typeface="Aptos" panose="020B0004020202020204" pitchFamily="34" charset="0"/>
+                <a:ea typeface="Aptos" panose="020B0004020202020204" pitchFamily="34" charset="0"/>
+                <a:cs typeface="Arial" panose="020B0604020202020204" pitchFamily="34" charset="0"/>
+              </a:rPr>
+              <a:t>Prophet</a:t>
+            </a:r>
+            <a:endParaRPr lang="he-IL" kern="100" dirty="0">
+              <a:latin typeface="Aptos" panose="020B0004020202020204" pitchFamily="34" charset="0"/>
+              <a:ea typeface="Aptos" panose="020B0004020202020204" pitchFamily="34" charset="0"/>
+              <a:cs typeface="Arial" panose="020B0604020202020204" pitchFamily="34" charset="0"/>
+            </a:endParaRPr>
+          </a:p>
+          <a:p>
+            <a:pPr algn="r" rtl="1">
+              <a:lnSpc>
+                <a:spcPct val="107000"/>
+              </a:lnSpc>
+              <a:spcAft>
+                <a:spcPts val="800"/>
+              </a:spcAft>
+            </a:pPr>
+            <a:r>
+              <a:rPr lang="he-IL" sz="1800" kern="100" dirty="0">
+                <a:effectLst/>
+                <a:latin typeface="Aptos" panose="020B0004020202020204" pitchFamily="34" charset="0"/>
+                <a:ea typeface="Aptos" panose="020B0004020202020204" pitchFamily="34" charset="0"/>
+                <a:cs typeface="Arial" panose="020B0604020202020204" pitchFamily="34" charset="0"/>
+              </a:rPr>
+              <a:t>	1. יכולת לעבוד אם נתונים לא </a:t>
+            </a:r>
+            <a:r>
+              <a:rPr lang="he-IL" sz="1800" kern="100" dirty="0" err="1">
+                <a:effectLst/>
+                <a:latin typeface="Aptos" panose="020B0004020202020204" pitchFamily="34" charset="0"/>
+                <a:ea typeface="Aptos" panose="020B0004020202020204" pitchFamily="34" charset="0"/>
+                <a:cs typeface="Arial" panose="020B0604020202020204" pitchFamily="34" charset="0"/>
+              </a:rPr>
+              <a:t>לניאריים</a:t>
+            </a:r>
+            <a:r>
+              <a:rPr lang="he-IL" sz="1800" kern="100" dirty="0">
+                <a:effectLst/>
+                <a:latin typeface="Aptos" panose="020B0004020202020204" pitchFamily="34" charset="0"/>
+                <a:ea typeface="Aptos" panose="020B0004020202020204" pitchFamily="34" charset="0"/>
+                <a:cs typeface="Arial" panose="020B0604020202020204" pitchFamily="34" charset="0"/>
+              </a:rPr>
+              <a:t> .</a:t>
+            </a:r>
+          </a:p>
+          <a:p>
+            <a:pPr algn="r" rtl="1">
+              <a:lnSpc>
+                <a:spcPct val="107000"/>
+              </a:lnSpc>
+              <a:spcAft>
+                <a:spcPts val="800"/>
+              </a:spcAft>
+            </a:pPr>
+            <a:r>
+              <a:rPr lang="he-IL" kern="100" dirty="0">
+                <a:latin typeface="Aptos" panose="020B0004020202020204" pitchFamily="34" charset="0"/>
+                <a:ea typeface="Aptos" panose="020B0004020202020204" pitchFamily="34" charset="0"/>
+                <a:cs typeface="Arial" panose="020B0604020202020204" pitchFamily="34" charset="0"/>
+              </a:rPr>
+              <a:t>	2.</a:t>
+            </a:r>
+            <a:r>
+              <a:rPr lang="he-IL" sz="1800" kern="100" dirty="0">
+                <a:effectLst/>
+                <a:latin typeface="Aptos" panose="020B0004020202020204" pitchFamily="34" charset="0"/>
+                <a:ea typeface="Aptos" panose="020B0004020202020204" pitchFamily="34" charset="0"/>
+                <a:cs typeface="Arial" panose="020B0604020202020204" pitchFamily="34" charset="0"/>
+              </a:rPr>
+              <a:t>ניתוח של מגמות עבור כל משתנה וכיוון ההתקדמות לנקודות קיצון בכל משתנה בנפרד. אפשרות הגדרת יעד למגמה.</a:t>
+            </a:r>
+          </a:p>
+          <a:p>
+            <a:pPr algn="r" rtl="1">
+              <a:lnSpc>
+                <a:spcPct val="107000"/>
+              </a:lnSpc>
+              <a:spcAft>
+                <a:spcPts val="800"/>
+              </a:spcAft>
+            </a:pPr>
+            <a:r>
+              <a:rPr lang="he-IL" sz="1800" kern="100" dirty="0">
+                <a:effectLst/>
+                <a:latin typeface="Aptos" panose="020B0004020202020204" pitchFamily="34" charset="0"/>
+                <a:ea typeface="Aptos" panose="020B0004020202020204" pitchFamily="34" charset="0"/>
+                <a:cs typeface="Arial" panose="020B0604020202020204" pitchFamily="34" charset="0"/>
+              </a:rPr>
+              <a:t>אתגרים ועבודה להמשך: </a:t>
+            </a:r>
+          </a:p>
+          <a:p>
+            <a:pPr algn="r" rtl="1">
+              <a:lnSpc>
+                <a:spcPct val="107000"/>
+              </a:lnSpc>
+              <a:spcAft>
+                <a:spcPts val="800"/>
+              </a:spcAft>
+            </a:pPr>
+            <a:r>
+              <a:rPr lang="he-IL" kern="100" dirty="0">
+                <a:latin typeface="Aptos" panose="020B0004020202020204" pitchFamily="34" charset="0"/>
+                <a:ea typeface="Aptos" panose="020B0004020202020204" pitchFamily="34" charset="0"/>
+                <a:cs typeface="Arial" panose="020B0604020202020204" pitchFamily="34" charset="0"/>
+              </a:rPr>
+              <a:t>	1. מתן משקל נכון בניתוח מגמות לכל משתנה ולא רק על בסיס תוצאה בוליאנית.</a:t>
+            </a:r>
+          </a:p>
+          <a:p>
+            <a:pPr algn="r" rtl="1">
+              <a:lnSpc>
+                <a:spcPct val="107000"/>
+              </a:lnSpc>
+              <a:spcAft>
+                <a:spcPts val="800"/>
+              </a:spcAft>
+            </a:pPr>
+            <a:r>
+              <a:rPr lang="he-IL" kern="100" dirty="0">
+                <a:latin typeface="Aptos" panose="020B0004020202020204" pitchFamily="34" charset="0"/>
+                <a:ea typeface="Aptos" panose="020B0004020202020204" pitchFamily="34" charset="0"/>
+                <a:cs typeface="Arial" panose="020B0604020202020204" pitchFamily="34" charset="0"/>
+              </a:rPr>
+              <a:t>		א. 	3. לבסס החלטה על חיזוי כל משתנה בנפרד.</a:t>
+            </a:r>
+          </a:p>
+          <a:p>
+            <a:pPr algn="r" rtl="1">
+              <a:lnSpc>
+                <a:spcPct val="107000"/>
+              </a:lnSpc>
+              <a:spcAft>
+                <a:spcPts val="800"/>
+              </a:spcAft>
+            </a:pPr>
+            <a:r>
+              <a:rPr lang="he-IL" kern="100" dirty="0">
+                <a:latin typeface="Aptos" panose="020B0004020202020204" pitchFamily="34" charset="0"/>
+                <a:ea typeface="Aptos" panose="020B0004020202020204" pitchFamily="34" charset="0"/>
+                <a:cs typeface="Arial" panose="020B0604020202020204" pitchFamily="34" charset="0"/>
+              </a:rPr>
+              <a:t>	2. עבודה עם נתונים "נקיים", בעיקר בתחום תיוג עבודה תקינה (כיום בין 6% ל 24.5% מהנתונים התקינים נמצאים בגבולות 	הקיצוניים) </a:t>
+            </a:r>
+          </a:p>
+          <a:p>
+            <a:pPr algn="r" rtl="1">
+              <a:lnSpc>
+                <a:spcPct val="107000"/>
+              </a:lnSpc>
+              <a:spcAft>
+                <a:spcPts val="800"/>
+              </a:spcAft>
+            </a:pPr>
+            <a:r>
+              <a:rPr lang="he-IL" kern="100" dirty="0">
+                <a:latin typeface="Aptos" panose="020B0004020202020204" pitchFamily="34" charset="0"/>
+                <a:ea typeface="Aptos" panose="020B0004020202020204" pitchFamily="34" charset="0"/>
+                <a:cs typeface="Arial" panose="020B0604020202020204" pitchFamily="34" charset="0"/>
+              </a:rPr>
+              <a:t>	3. בניית תהליך תיוג ואימון מודל לכל תצפית ולכל משתנה: להתייחס לחיזוי של כל משתנה בנפרד </a:t>
+            </a:r>
+            <a:r>
+              <a:rPr lang="he-IL" kern="100" dirty="0" err="1">
+                <a:latin typeface="Aptos" panose="020B0004020202020204" pitchFamily="34" charset="0"/>
+                <a:ea typeface="Aptos" panose="020B0004020202020204" pitchFamily="34" charset="0"/>
+                <a:cs typeface="Arial" panose="020B0604020202020204" pitchFamily="34" charset="0"/>
+              </a:rPr>
+              <a:t>ולתכלל</a:t>
+            </a:r>
+            <a:r>
+              <a:rPr lang="he-IL" kern="100" dirty="0">
+                <a:latin typeface="Aptos" panose="020B0004020202020204" pitchFamily="34" charset="0"/>
+                <a:ea typeface="Aptos" panose="020B0004020202020204" pitchFamily="34" charset="0"/>
+                <a:cs typeface="Arial" panose="020B0604020202020204" pitchFamily="34" charset="0"/>
+              </a:rPr>
+              <a:t> את סך החיזויים 	כתיקוף ההחלטה.</a:t>
+            </a:r>
+          </a:p>
+          <a:p>
+            <a:pPr algn="r" rtl="1">
+              <a:lnSpc>
+                <a:spcPct val="107000"/>
+              </a:lnSpc>
+              <a:spcAft>
+                <a:spcPts val="800"/>
+              </a:spcAft>
+            </a:pPr>
+            <a:r>
+              <a:rPr lang="he-IL" sz="1800" kern="100" dirty="0">
+                <a:effectLst/>
+                <a:latin typeface="Aptos" panose="020B0004020202020204" pitchFamily="34" charset="0"/>
+                <a:ea typeface="Aptos" panose="020B0004020202020204" pitchFamily="34" charset="0"/>
+                <a:cs typeface="Arial" panose="020B0604020202020204" pitchFamily="34" charset="0"/>
+              </a:rPr>
+              <a:t>	</a:t>
+            </a:r>
+            <a:endParaRPr lang="en-IL" sz="1800" kern="100" dirty="0">
+              <a:effectLst/>
+              <a:latin typeface="Aptos" panose="020B0004020202020204" pitchFamily="34" charset="0"/>
+              <a:ea typeface="Aptos" panose="020B0004020202020204" pitchFamily="34" charset="0"/>
+              <a:cs typeface="Arial" panose="020B0604020202020204" pitchFamily="34" charset="0"/>
+            </a:endParaRPr>
+          </a:p>
+        </p:txBody>
+      </p:sp>
+    </p:spTree>
+    <p:extLst>
+      <p:ext uri="{BB962C8B-B14F-4D97-AF65-F5344CB8AC3E}">
+        <p14:creationId xmlns:p14="http://schemas.microsoft.com/office/powerpoint/2010/main" val="3810583944"/>
       </p:ext>
     </p:extLst>
   </p:cSld>

--- a/Prod/Report/Report_Ilya_BIU_DS019.pptx
+++ b/Prod/Report/Report_Ilya_BIU_DS019.pptx
@@ -1210,7 +1210,7 @@
           <a:p>
             <a:fld id="{D4167A22-71F2-4AB4-9A22-E51115BED22E}" type="datetime8">
               <a:rPr lang="en-IL" smtClean="0"/>
-              <a:t>02/03/2025 7:49</a:t>
+              <a:t>02/03/2025 15:08</a:t>
             </a:fld>
             <a:endParaRPr lang="en-IL"/>
           </a:p>
@@ -1422,7 +1422,7 @@
           <a:p>
             <a:fld id="{AC82800B-1AB9-4DC7-8211-8A4A64502F9C}" type="datetime8">
               <a:rPr lang="en-IL" smtClean="0"/>
-              <a:t>02/03/2025 7:49</a:t>
+              <a:t>02/03/2025 15:08</a:t>
             </a:fld>
             <a:endParaRPr lang="en-IL"/>
           </a:p>
@@ -1644,7 +1644,7 @@
           <a:p>
             <a:fld id="{07411530-1D4D-421F-BDE0-568C602E19B0}" type="datetime8">
               <a:rPr lang="en-IL" smtClean="0"/>
-              <a:t>02/03/2025 7:49</a:t>
+              <a:t>02/03/2025 15:08</a:t>
             </a:fld>
             <a:endParaRPr lang="en-IL"/>
           </a:p>
@@ -1856,7 +1856,7 @@
           <a:p>
             <a:fld id="{347F8890-8BB1-49CC-BB2B-820CC1C5CC83}" type="datetime8">
               <a:rPr lang="en-IL" smtClean="0"/>
-              <a:t>02/03/2025 7:49</a:t>
+              <a:t>02/03/2025 15:08</a:t>
             </a:fld>
             <a:endParaRPr lang="en-IL"/>
           </a:p>
@@ -2144,7 +2144,7 @@
           <a:p>
             <a:fld id="{0B8382D0-5302-43A4-B8B8-960BE908742C}" type="datetime8">
               <a:rPr lang="en-IL" smtClean="0"/>
-              <a:t>02/03/2025 7:49</a:t>
+              <a:t>02/03/2025 15:08</a:t>
             </a:fld>
             <a:endParaRPr lang="en-IL"/>
           </a:p>
@@ -2424,7 +2424,7 @@
           <a:p>
             <a:fld id="{A00B566E-46EB-4C54-BA11-7FDABED60A99}" type="datetime8">
               <a:rPr lang="en-IL" smtClean="0"/>
-              <a:t>02/03/2025 7:49</a:t>
+              <a:t>02/03/2025 15:08</a:t>
             </a:fld>
             <a:endParaRPr lang="en-IL"/>
           </a:p>
@@ -2851,7 +2851,7 @@
           <a:p>
             <a:fld id="{B3DD9F7C-1E4F-45A3-A9A2-DB1999564366}" type="datetime8">
               <a:rPr lang="en-IL" smtClean="0"/>
-              <a:t>02/03/2025 7:49</a:t>
+              <a:t>02/03/2025 15:08</a:t>
             </a:fld>
             <a:endParaRPr lang="en-IL"/>
           </a:p>
@@ -3005,7 +3005,7 @@
           <a:p>
             <a:fld id="{5653B9B8-6C7A-4259-8CDD-2B7357A4120B}" type="datetime8">
               <a:rPr lang="en-IL" smtClean="0"/>
-              <a:t>02/03/2025 7:49</a:t>
+              <a:t>02/03/2025 15:08</a:t>
             </a:fld>
             <a:endParaRPr lang="en-IL"/>
           </a:p>
@@ -3130,7 +3130,7 @@
           <a:p>
             <a:fld id="{D58B831B-9E68-47B5-8198-E9925E2A9BAE}" type="datetime8">
               <a:rPr lang="en-IL" smtClean="0"/>
-              <a:t>02/03/2025 7:49</a:t>
+              <a:t>02/03/2025 15:08</a:t>
             </a:fld>
             <a:endParaRPr lang="en-IL"/>
           </a:p>
@@ -3455,7 +3455,7 @@
           <a:p>
             <a:fld id="{3410F0E8-3309-4310-85BE-606C8ECE142F}" type="datetime8">
               <a:rPr lang="en-IL" smtClean="0"/>
-              <a:t>02/03/2025 7:49</a:t>
+              <a:t>02/03/2025 15:08</a:t>
             </a:fld>
             <a:endParaRPr lang="en-IL"/>
           </a:p>
@@ -3756,7 +3756,7 @@
           <a:p>
             <a:fld id="{02D79F18-EA0E-4E6A-87F2-4E7DCC74142A}" type="datetime8">
               <a:rPr lang="en-IL" smtClean="0"/>
-              <a:t>02/03/2025 7:49</a:t>
+              <a:t>02/03/2025 15:08</a:t>
             </a:fld>
             <a:endParaRPr lang="en-IL"/>
           </a:p>
@@ -4011,7 +4011,7 @@
           <a:p>
             <a:fld id="{52F195D4-217A-48BA-985B-F2FABA3D417C}" type="datetime8">
               <a:rPr lang="en-IL" smtClean="0"/>
-              <a:t>02/03/2025 7:49</a:t>
+              <a:t>02/03/2025 15:08</a:t>
             </a:fld>
             <a:endParaRPr lang="en-IL"/>
           </a:p>
@@ -10552,7 +10552,23 @@
                 <a:ea typeface="Aptos" panose="020B0004020202020204" pitchFamily="34" charset="0"/>
                 <a:cs typeface="Arial" panose="020B0604020202020204" pitchFamily="34" charset="0"/>
               </a:rPr>
-              <a:t>		א. 	3. לבסס החלטה על חיזוי כל משתנה בנפרד.</a:t>
+              <a:t>		א</a:t>
+            </a:r>
+            <a:r>
+              <a:rPr lang="he-IL" kern="100">
+                <a:latin typeface="Aptos" panose="020B0004020202020204" pitchFamily="34" charset="0"/>
+                <a:ea typeface="Aptos" panose="020B0004020202020204" pitchFamily="34" charset="0"/>
+                <a:cs typeface="Arial" panose="020B0604020202020204" pitchFamily="34" charset="0"/>
+              </a:rPr>
+              <a:t>. לבסס </a:t>
+            </a:r>
+            <a:r>
+              <a:rPr lang="he-IL" kern="100" dirty="0">
+                <a:latin typeface="Aptos" panose="020B0004020202020204" pitchFamily="34" charset="0"/>
+                <a:ea typeface="Aptos" panose="020B0004020202020204" pitchFamily="34" charset="0"/>
+                <a:cs typeface="Arial" panose="020B0604020202020204" pitchFamily="34" charset="0"/>
+              </a:rPr>
+              <a:t>החלטה על חיזוי כל משתנה בנפרד.</a:t>
             </a:r>
           </a:p>
           <a:p>
